--- a/group/A Review_ Jobs-2013.pptx
+++ b/group/A Review_ Jobs-2013.pptx
@@ -1,39 +1,39 @@
 
 <file path=ppt/presentation.xml><?xml version="1.0" encoding="utf-8"?>
-<p:presentation xmlns:a="http://schemas.openxmlformats.org/drawingml/2006/main" xmlns:r="http://schemas.openxmlformats.org/officeDocument/2006/relationships" xmlns:p="http://schemas.openxmlformats.org/presentationml/2006/main" strictFirstAndLastChars="0" embedTrueTypeFonts="1" saveSubsetFonts="1" autoCompressPictures="0">
+<p:presentation xmlns:a="http://schemas.openxmlformats.org/drawingml/2006/main" xmlns:r="http://schemas.openxmlformats.org/officeDocument/2006/relationships" xmlns:mc="http://schemas.openxmlformats.org/markup-compatibility/2006" xmlns:mv="urn:schemas-microsoft-com:mac:vml" xmlns:p="http://schemas.openxmlformats.org/presentationml/2006/main" xmlns:c="http://schemas.openxmlformats.org/drawingml/2006/chart" xmlns:dgm="http://schemas.openxmlformats.org/drawingml/2006/diagram" xmlns:o="urn:schemas-microsoft-com:office:office" xmlns:v="urn:schemas-microsoft-com:vml" xmlns:pvml="urn:schemas-microsoft-com:office:powerpoint" xmlns:com="http://schemas.openxmlformats.org/drawingml/2006/compatibility" xmlns:p14="http://schemas.microsoft.com/office/powerpoint/2010/main" xmlns:p15="http://schemas.microsoft.com/office/powerpoint/2012/main" xmlns:ahyp="http://schemas.microsoft.com/office/drawing/2018/hyperlinkcolor" autoCompressPictures="0" embedTrueTypeFonts="1" strictFirstAndLastChars="0" saveSubsetFonts="1">
   <p:sldMasterIdLst>
-    <p:sldMasterId id="2147483659" r:id="rId1"/>
+    <p:sldMasterId id="2147483659" r:id="rId4"/>
   </p:sldMasterIdLst>
   <p:notesMasterIdLst>
-    <p:notesMasterId r:id="rId7"/>
+    <p:notesMasterId r:id="rId5"/>
   </p:notesMasterIdLst>
   <p:sldIdLst>
-    <p:sldId id="256" r:id="rId2"/>
-    <p:sldId id="257" r:id="rId3"/>
-    <p:sldId id="259" r:id="rId4"/>
-    <p:sldId id="258" r:id="rId5"/>
-    <p:sldId id="260" r:id="rId6"/>
+    <p:sldId id="256" r:id="rId6"/>
+    <p:sldId id="257" r:id="rId7"/>
+    <p:sldId id="258" r:id="rId8"/>
+    <p:sldId id="259" r:id="rId9"/>
+    <p:sldId id="260" r:id="rId10"/>
   </p:sldIdLst>
-  <p:sldSz cx="9144000" cy="5143500" type="screen16x9"/>
+  <p:sldSz cy="5143500" cx="9144000"/>
   <p:notesSz cx="6858000" cy="9144000"/>
   <p:embeddedFontLst>
     <p:embeddedFont>
-      <p:font typeface="Lato" panose="020F0502020204030203" pitchFamily="34" charset="0"/>
-      <p:regular r:id="rId8"/>
-      <p:bold r:id="rId9"/>
-      <p:italic r:id="rId10"/>
-      <p:boldItalic r:id="rId11"/>
+      <p:font typeface="Montserrat"/>
+      <p:regular r:id="rId11"/>
+      <p:bold r:id="rId12"/>
+      <p:italic r:id="rId13"/>
+      <p:boldItalic r:id="rId14"/>
     </p:embeddedFont>
     <p:embeddedFont>
-      <p:font typeface="Montserrat" panose="00000500000000000000" pitchFamily="2" charset="0"/>
-      <p:regular r:id="rId12"/>
-      <p:bold r:id="rId13"/>
-      <p:italic r:id="rId14"/>
-      <p:boldItalic r:id="rId15"/>
+      <p:font typeface="Lato"/>
+      <p:regular r:id="rId15"/>
+      <p:bold r:id="rId16"/>
+      <p:italic r:id="rId17"/>
+      <p:boldItalic r:id="rId18"/>
     </p:embeddedFont>
   </p:embeddedFontLst>
   <p:defaultTextStyle>
-    <a:defPPr marR="0" lvl="0" algn="l" rtl="0">
+    <a:defPPr lvl="0" marR="0" rtl="0" algn="l">
       <a:lnSpc>
         <a:spcPct val="100000"/>
       </a:lnSpc>
@@ -44,7 +44,7 @@
         <a:spcPts val="0"/>
       </a:spcAft>
     </a:defPPr>
-    <a:lvl1pPr marR="0" lvl="0" algn="l" rtl="0">
+    <a:lvl1pPr lvl="0" marR="0" rtl="0" algn="l">
       <a:lnSpc>
         <a:spcPct val="100000"/>
       </a:lnSpc>
@@ -58,7 +58,7 @@
         <a:srgbClr val="000000"/>
       </a:buClr>
       <a:buFont typeface="Arial"/>
-      <a:defRPr sz="1400" b="0" i="0" u="none" strike="noStrike" cap="none">
+      <a:defRPr b="0" i="0" sz="1400" u="none" cap="none" strike="noStrike">
         <a:solidFill>
           <a:srgbClr val="000000"/>
         </a:solidFill>
@@ -68,7 +68,7 @@
         <a:sym typeface="Arial"/>
       </a:defRPr>
     </a:lvl1pPr>
-    <a:lvl2pPr marR="0" lvl="1" algn="l" rtl="0">
+    <a:lvl2pPr lvl="1" marR="0" rtl="0" algn="l">
       <a:lnSpc>
         <a:spcPct val="100000"/>
       </a:lnSpc>
@@ -82,7 +82,7 @@
         <a:srgbClr val="000000"/>
       </a:buClr>
       <a:buFont typeface="Arial"/>
-      <a:defRPr sz="1400" b="0" i="0" u="none" strike="noStrike" cap="none">
+      <a:defRPr b="0" i="0" sz="1400" u="none" cap="none" strike="noStrike">
         <a:solidFill>
           <a:srgbClr val="000000"/>
         </a:solidFill>
@@ -92,7 +92,7 @@
         <a:sym typeface="Arial"/>
       </a:defRPr>
     </a:lvl2pPr>
-    <a:lvl3pPr marR="0" lvl="2" algn="l" rtl="0">
+    <a:lvl3pPr lvl="2" marR="0" rtl="0" algn="l">
       <a:lnSpc>
         <a:spcPct val="100000"/>
       </a:lnSpc>
@@ -106,7 +106,7 @@
         <a:srgbClr val="000000"/>
       </a:buClr>
       <a:buFont typeface="Arial"/>
-      <a:defRPr sz="1400" b="0" i="0" u="none" strike="noStrike" cap="none">
+      <a:defRPr b="0" i="0" sz="1400" u="none" cap="none" strike="noStrike">
         <a:solidFill>
           <a:srgbClr val="000000"/>
         </a:solidFill>
@@ -116,7 +116,7 @@
         <a:sym typeface="Arial"/>
       </a:defRPr>
     </a:lvl3pPr>
-    <a:lvl4pPr marR="0" lvl="3" algn="l" rtl="0">
+    <a:lvl4pPr lvl="3" marR="0" rtl="0" algn="l">
       <a:lnSpc>
         <a:spcPct val="100000"/>
       </a:lnSpc>
@@ -130,7 +130,7 @@
         <a:srgbClr val="000000"/>
       </a:buClr>
       <a:buFont typeface="Arial"/>
-      <a:defRPr sz="1400" b="0" i="0" u="none" strike="noStrike" cap="none">
+      <a:defRPr b="0" i="0" sz="1400" u="none" cap="none" strike="noStrike">
         <a:solidFill>
           <a:srgbClr val="000000"/>
         </a:solidFill>
@@ -140,7 +140,7 @@
         <a:sym typeface="Arial"/>
       </a:defRPr>
     </a:lvl4pPr>
-    <a:lvl5pPr marR="0" lvl="4" algn="l" rtl="0">
+    <a:lvl5pPr lvl="4" marR="0" rtl="0" algn="l">
       <a:lnSpc>
         <a:spcPct val="100000"/>
       </a:lnSpc>
@@ -154,7 +154,7 @@
         <a:srgbClr val="000000"/>
       </a:buClr>
       <a:buFont typeface="Arial"/>
-      <a:defRPr sz="1400" b="0" i="0" u="none" strike="noStrike" cap="none">
+      <a:defRPr b="0" i="0" sz="1400" u="none" cap="none" strike="noStrike">
         <a:solidFill>
           <a:srgbClr val="000000"/>
         </a:solidFill>
@@ -164,7 +164,7 @@
         <a:sym typeface="Arial"/>
       </a:defRPr>
     </a:lvl5pPr>
-    <a:lvl6pPr marR="0" lvl="5" algn="l" rtl="0">
+    <a:lvl6pPr lvl="5" marR="0" rtl="0" algn="l">
       <a:lnSpc>
         <a:spcPct val="100000"/>
       </a:lnSpc>
@@ -178,7 +178,7 @@
         <a:srgbClr val="000000"/>
       </a:buClr>
       <a:buFont typeface="Arial"/>
-      <a:defRPr sz="1400" b="0" i="0" u="none" strike="noStrike" cap="none">
+      <a:defRPr b="0" i="0" sz="1400" u="none" cap="none" strike="noStrike">
         <a:solidFill>
           <a:srgbClr val="000000"/>
         </a:solidFill>
@@ -188,7 +188,7 @@
         <a:sym typeface="Arial"/>
       </a:defRPr>
     </a:lvl6pPr>
-    <a:lvl7pPr marR="0" lvl="6" algn="l" rtl="0">
+    <a:lvl7pPr lvl="6" marR="0" rtl="0" algn="l">
       <a:lnSpc>
         <a:spcPct val="100000"/>
       </a:lnSpc>
@@ -202,7 +202,7 @@
         <a:srgbClr val="000000"/>
       </a:buClr>
       <a:buFont typeface="Arial"/>
-      <a:defRPr sz="1400" b="0" i="0" u="none" strike="noStrike" cap="none">
+      <a:defRPr b="0" i="0" sz="1400" u="none" cap="none" strike="noStrike">
         <a:solidFill>
           <a:srgbClr val="000000"/>
         </a:solidFill>
@@ -212,7 +212,7 @@
         <a:sym typeface="Arial"/>
       </a:defRPr>
     </a:lvl7pPr>
-    <a:lvl8pPr marR="0" lvl="7" algn="l" rtl="0">
+    <a:lvl8pPr lvl="7" marR="0" rtl="0" algn="l">
       <a:lnSpc>
         <a:spcPct val="100000"/>
       </a:lnSpc>
@@ -226,7 +226,7 @@
         <a:srgbClr val="000000"/>
       </a:buClr>
       <a:buFont typeface="Arial"/>
-      <a:defRPr sz="1400" b="0" i="0" u="none" strike="noStrike" cap="none">
+      <a:defRPr b="0" i="0" sz="1400" u="none" cap="none" strike="noStrike">
         <a:solidFill>
           <a:srgbClr val="000000"/>
         </a:solidFill>
@@ -236,7 +236,7 @@
         <a:sym typeface="Arial"/>
       </a:defRPr>
     </a:lvl8pPr>
-    <a:lvl9pPr marR="0" lvl="8" algn="l" rtl="0">
+    <a:lvl9pPr lvl="8" marR="0" rtl="0" algn="l">
       <a:lnSpc>
         <a:spcPct val="100000"/>
       </a:lnSpc>
@@ -250,7 +250,7 @@
         <a:srgbClr val="000000"/>
       </a:buClr>
       <a:buFont typeface="Arial"/>
-      <a:defRPr sz="1400" b="0" i="0" u="none" strike="noStrike" cap="none">
+      <a:defRPr b="0" i="0" sz="1400" u="none" cap="none" strike="noStrike">
         <a:solidFill>
           <a:srgbClr val="000000"/>
         </a:solidFill>
@@ -263,7 +263,7 @@
   </p:defaultTextStyle>
   <p:extLst>
     <p:ext uri="{EFAFB233-063F-42B5-8137-9DF3F51BA10A}">
-      <p15:sldGuideLst xmlns:p15="http://schemas.microsoft.com/office/powerpoint/2012/main">
+      <p15:sldGuideLst>
         <p15:guide id="1" orient="horz" pos="1620">
           <p15:clr>
             <a:srgbClr val="A4A3A4"/>
@@ -281,16 +281,11 @@
 </file>
 
 <file path=ppt/notesMasters/notesMaster1.xml><?xml version="1.0" encoding="utf-8"?>
-<p:notesMaster xmlns:a="http://schemas.openxmlformats.org/drawingml/2006/main" xmlns:r="http://schemas.openxmlformats.org/officeDocument/2006/relationships" xmlns:p="http://schemas.openxmlformats.org/presentationml/2006/main">
+<p:notesMaster xmlns:a="http://schemas.openxmlformats.org/drawingml/2006/main" xmlns:r="http://schemas.openxmlformats.org/officeDocument/2006/relationships" xmlns:mc="http://schemas.openxmlformats.org/markup-compatibility/2006" xmlns:mv="urn:schemas-microsoft-com:mac:vml" xmlns:p="http://schemas.openxmlformats.org/presentationml/2006/main" xmlns:c="http://schemas.openxmlformats.org/drawingml/2006/chart" xmlns:dgm="http://schemas.openxmlformats.org/drawingml/2006/diagram" xmlns:o="urn:schemas-microsoft-com:office:office" xmlns:v="urn:schemas-microsoft-com:vml" xmlns:pvml="urn:schemas-microsoft-com:office:powerpoint" xmlns:com="http://schemas.openxmlformats.org/drawingml/2006/compatibility" xmlns:p14="http://schemas.microsoft.com/office/powerpoint/2010/main" xmlns:p15="http://schemas.microsoft.com/office/powerpoint/2012/main" xmlns:ahyp="http://schemas.microsoft.com/office/drawing/2018/hyperlinkcolor">
   <p:cSld>
-    <p:bg>
-      <p:bgRef idx="1001">
-        <a:schemeClr val="bg1"/>
-      </p:bgRef>
-    </p:bg>
     <p:spTree>
       <p:nvGrpSpPr>
-        <p:cNvPr id="1" name="Shape 2"/>
+        <p:cNvPr id="2" name="Shape 2"/>
         <p:cNvGrpSpPr/>
         <p:nvPr/>
       </p:nvGrpSpPr>
@@ -305,11 +300,9 @@
       <p:sp>
         <p:nvSpPr>
           <p:cNvPr id="3" name="Google Shape;3;n"/>
-          <p:cNvSpPr>
-            <a:spLocks noGrp="1" noRot="1" noChangeAspect="1"/>
-          </p:cNvSpPr>
+          <p:cNvSpPr/>
           <p:nvPr>
-            <p:ph type="sldImg" idx="2"/>
+            <p:ph idx="2" type="sldImg"/>
           </p:nvPr>
         </p:nvSpPr>
         <p:spPr>
@@ -318,13 +311,9 @@
             <a:ext cx="6096075" cy="3429000"/>
           </a:xfrm>
           <a:custGeom>
-            <a:avLst/>
-            <a:gdLst/>
-            <a:ahLst/>
-            <a:cxnLst/>
-            <a:rect l="l" t="t" r="r" b="b"/>
+            <a:rect b="b" l="l" r="r" t="t"/>
             <a:pathLst>
-              <a:path w="120000" h="120000" extrusionOk="0">
+              <a:path extrusionOk="0" h="120000" w="120000">
                 <a:moveTo>
                   <a:pt x="0" y="0"/>
                 </a:moveTo>
@@ -342,25 +331,23 @@
             </a:pathLst>
           </a:custGeom>
           <a:noFill/>
-          <a:ln w="9525" cap="flat" cmpd="sng">
+          <a:ln cap="flat" cmpd="sng" w="9525">
             <a:solidFill>
               <a:srgbClr val="000000"/>
             </a:solidFill>
             <a:prstDash val="solid"/>
             <a:round/>
-            <a:headEnd type="none" w="sm" len="sm"/>
-            <a:tailEnd type="none" w="sm" len="sm"/>
+            <a:headEnd len="sm" w="sm" type="none"/>
+            <a:tailEnd len="sm" w="sm" type="none"/>
           </a:ln>
         </p:spPr>
       </p:sp>
       <p:sp>
         <p:nvSpPr>
           <p:cNvPr id="4" name="Google Shape;4;n"/>
-          <p:cNvSpPr txBox="1">
-            <a:spLocks noGrp="1"/>
-          </p:cNvSpPr>
+          <p:cNvSpPr txBox="1"/>
           <p:nvPr>
-            <p:ph type="body" idx="1"/>
+            <p:ph idx="1" type="body"/>
           </p:nvPr>
         </p:nvSpPr>
         <p:spPr>
@@ -377,11 +364,11 @@
           </a:ln>
         </p:spPr>
         <p:txBody>
-          <a:bodyPr spcFirstLastPara="1" wrap="square" lIns="91425" tIns="91425" rIns="91425" bIns="91425" anchor="t" anchorCtr="0">
+          <a:bodyPr anchorCtr="0" anchor="t" bIns="91425" lIns="91425" spcFirstLastPara="1" rIns="91425" wrap="square" tIns="91425">
             <a:noAutofit/>
           </a:bodyPr>
           <a:lstStyle>
-            <a:lvl1pPr marL="457200" lvl="0" indent="-298450">
+            <a:lvl1pPr indent="-298450" lvl="0" marL="457200">
               <a:spcBef>
                 <a:spcPts val="0"/>
               </a:spcBef>
@@ -392,7 +379,7 @@
               <a:buChar char="●"/>
               <a:defRPr sz="1100"/>
             </a:lvl1pPr>
-            <a:lvl2pPr marL="914400" lvl="1" indent="-298450">
+            <a:lvl2pPr indent="-298450" lvl="1" marL="914400">
               <a:spcBef>
                 <a:spcPts val="0"/>
               </a:spcBef>
@@ -403,7 +390,7 @@
               <a:buChar char="○"/>
               <a:defRPr sz="1100"/>
             </a:lvl2pPr>
-            <a:lvl3pPr marL="1371600" lvl="2" indent="-298450">
+            <a:lvl3pPr indent="-298450" lvl="2" marL="1371600">
               <a:spcBef>
                 <a:spcPts val="0"/>
               </a:spcBef>
@@ -414,7 +401,7 @@
               <a:buChar char="■"/>
               <a:defRPr sz="1100"/>
             </a:lvl3pPr>
-            <a:lvl4pPr marL="1828800" lvl="3" indent="-298450">
+            <a:lvl4pPr indent="-298450" lvl="3" marL="1828800">
               <a:spcBef>
                 <a:spcPts val="0"/>
               </a:spcBef>
@@ -425,7 +412,7 @@
               <a:buChar char="●"/>
               <a:defRPr sz="1100"/>
             </a:lvl4pPr>
-            <a:lvl5pPr marL="2286000" lvl="4" indent="-298450">
+            <a:lvl5pPr indent="-298450" lvl="4" marL="2286000">
               <a:spcBef>
                 <a:spcPts val="0"/>
               </a:spcBef>
@@ -436,7 +423,7 @@
               <a:buChar char="○"/>
               <a:defRPr sz="1100"/>
             </a:lvl5pPr>
-            <a:lvl6pPr marL="2743200" lvl="5" indent="-298450">
+            <a:lvl6pPr indent="-298450" lvl="5" marL="2743200">
               <a:spcBef>
                 <a:spcPts val="0"/>
               </a:spcBef>
@@ -447,7 +434,7 @@
               <a:buChar char="■"/>
               <a:defRPr sz="1100"/>
             </a:lvl6pPr>
-            <a:lvl7pPr marL="3200400" lvl="6" indent="-298450">
+            <a:lvl7pPr indent="-298450" lvl="6" marL="3200400">
               <a:spcBef>
                 <a:spcPts val="0"/>
               </a:spcBef>
@@ -458,7 +445,7 @@
               <a:buChar char="●"/>
               <a:defRPr sz="1100"/>
             </a:lvl7pPr>
-            <a:lvl8pPr marL="3657600" lvl="7" indent="-298450">
+            <a:lvl8pPr indent="-298450" lvl="7" marL="3657600">
               <a:spcBef>
                 <a:spcPts val="0"/>
               </a:spcBef>
@@ -469,7 +456,7 @@
               <a:buChar char="○"/>
               <a:defRPr sz="1100"/>
             </a:lvl8pPr>
-            <a:lvl9pPr marL="4114800" lvl="8" indent="-298450">
+            <a:lvl9pPr indent="-298450" lvl="8" marL="4114800">
               <a:spcBef>
                 <a:spcPts val="0"/>
               </a:spcBef>
@@ -481,16 +468,14 @@
               <a:defRPr sz="1100"/>
             </a:lvl9pPr>
           </a:lstStyle>
-          <a:p>
-            <a:endParaRPr/>
-          </a:p>
+          <a:p/>
         </p:txBody>
       </p:sp>
     </p:spTree>
   </p:cSld>
-  <p:clrMap bg1="lt1" tx1="dk1" bg2="dk2" tx2="lt2" accent1="accent1" accent2="accent2" accent3="accent3" accent4="accent4" accent5="accent5" accent6="accent6" hlink="hlink" folHlink="folHlink"/>
+  <p:clrMap accent1="accent1" accent2="accent2" accent3="accent3" accent4="accent4" accent5="accent5" accent6="accent6" bg1="lt1" bg2="dk2" tx1="dk1" tx2="lt2" folHlink="folHlink" hlink="hlink"/>
   <p:notesStyle>
-    <a:defPPr marR="0" lvl="0" algn="l" rtl="0">
+    <a:defPPr lvl="0" marR="0" rtl="0" algn="l">
       <a:lnSpc>
         <a:spcPct val="100000"/>
       </a:lnSpc>
@@ -501,7 +486,7 @@
         <a:spcPts val="0"/>
       </a:spcAft>
     </a:defPPr>
-    <a:lvl1pPr marR="0" lvl="0" algn="l" rtl="0">
+    <a:lvl1pPr lvl="0" marR="0" rtl="0" algn="l">
       <a:lnSpc>
         <a:spcPct val="100000"/>
       </a:lnSpc>
@@ -515,7 +500,7 @@
         <a:srgbClr val="000000"/>
       </a:buClr>
       <a:buFont typeface="Arial"/>
-      <a:defRPr sz="1400" b="0" i="0" u="none" strike="noStrike" cap="none">
+      <a:defRPr b="0" i="0" sz="1400" u="none" cap="none" strike="noStrike">
         <a:solidFill>
           <a:srgbClr val="000000"/>
         </a:solidFill>
@@ -525,7 +510,7 @@
         <a:sym typeface="Arial"/>
       </a:defRPr>
     </a:lvl1pPr>
-    <a:lvl2pPr marR="0" lvl="1" algn="l" rtl="0">
+    <a:lvl2pPr lvl="1" marR="0" rtl="0" algn="l">
       <a:lnSpc>
         <a:spcPct val="100000"/>
       </a:lnSpc>
@@ -539,7 +524,7 @@
         <a:srgbClr val="000000"/>
       </a:buClr>
       <a:buFont typeface="Arial"/>
-      <a:defRPr sz="1400" b="0" i="0" u="none" strike="noStrike" cap="none">
+      <a:defRPr b="0" i="0" sz="1400" u="none" cap="none" strike="noStrike">
         <a:solidFill>
           <a:srgbClr val="000000"/>
         </a:solidFill>
@@ -549,7 +534,7 @@
         <a:sym typeface="Arial"/>
       </a:defRPr>
     </a:lvl2pPr>
-    <a:lvl3pPr marR="0" lvl="2" algn="l" rtl="0">
+    <a:lvl3pPr lvl="2" marR="0" rtl="0" algn="l">
       <a:lnSpc>
         <a:spcPct val="100000"/>
       </a:lnSpc>
@@ -563,7 +548,7 @@
         <a:srgbClr val="000000"/>
       </a:buClr>
       <a:buFont typeface="Arial"/>
-      <a:defRPr sz="1400" b="0" i="0" u="none" strike="noStrike" cap="none">
+      <a:defRPr b="0" i="0" sz="1400" u="none" cap="none" strike="noStrike">
         <a:solidFill>
           <a:srgbClr val="000000"/>
         </a:solidFill>
@@ -573,7 +558,7 @@
         <a:sym typeface="Arial"/>
       </a:defRPr>
     </a:lvl3pPr>
-    <a:lvl4pPr marR="0" lvl="3" algn="l" rtl="0">
+    <a:lvl4pPr lvl="3" marR="0" rtl="0" algn="l">
       <a:lnSpc>
         <a:spcPct val="100000"/>
       </a:lnSpc>
@@ -587,7 +572,7 @@
         <a:srgbClr val="000000"/>
       </a:buClr>
       <a:buFont typeface="Arial"/>
-      <a:defRPr sz="1400" b="0" i="0" u="none" strike="noStrike" cap="none">
+      <a:defRPr b="0" i="0" sz="1400" u="none" cap="none" strike="noStrike">
         <a:solidFill>
           <a:srgbClr val="000000"/>
         </a:solidFill>
@@ -597,7 +582,7 @@
         <a:sym typeface="Arial"/>
       </a:defRPr>
     </a:lvl4pPr>
-    <a:lvl5pPr marR="0" lvl="4" algn="l" rtl="0">
+    <a:lvl5pPr lvl="4" marR="0" rtl="0" algn="l">
       <a:lnSpc>
         <a:spcPct val="100000"/>
       </a:lnSpc>
@@ -611,7 +596,7 @@
         <a:srgbClr val="000000"/>
       </a:buClr>
       <a:buFont typeface="Arial"/>
-      <a:defRPr sz="1400" b="0" i="0" u="none" strike="noStrike" cap="none">
+      <a:defRPr b="0" i="0" sz="1400" u="none" cap="none" strike="noStrike">
         <a:solidFill>
           <a:srgbClr val="000000"/>
         </a:solidFill>
@@ -621,7 +606,7 @@
         <a:sym typeface="Arial"/>
       </a:defRPr>
     </a:lvl5pPr>
-    <a:lvl6pPr marR="0" lvl="5" algn="l" rtl="0">
+    <a:lvl6pPr lvl="5" marR="0" rtl="0" algn="l">
       <a:lnSpc>
         <a:spcPct val="100000"/>
       </a:lnSpc>
@@ -635,7 +620,7 @@
         <a:srgbClr val="000000"/>
       </a:buClr>
       <a:buFont typeface="Arial"/>
-      <a:defRPr sz="1400" b="0" i="0" u="none" strike="noStrike" cap="none">
+      <a:defRPr b="0" i="0" sz="1400" u="none" cap="none" strike="noStrike">
         <a:solidFill>
           <a:srgbClr val="000000"/>
         </a:solidFill>
@@ -645,7 +630,7 @@
         <a:sym typeface="Arial"/>
       </a:defRPr>
     </a:lvl6pPr>
-    <a:lvl7pPr marR="0" lvl="6" algn="l" rtl="0">
+    <a:lvl7pPr lvl="6" marR="0" rtl="0" algn="l">
       <a:lnSpc>
         <a:spcPct val="100000"/>
       </a:lnSpc>
@@ -659,7 +644,7 @@
         <a:srgbClr val="000000"/>
       </a:buClr>
       <a:buFont typeface="Arial"/>
-      <a:defRPr sz="1400" b="0" i="0" u="none" strike="noStrike" cap="none">
+      <a:defRPr b="0" i="0" sz="1400" u="none" cap="none" strike="noStrike">
         <a:solidFill>
           <a:srgbClr val="000000"/>
         </a:solidFill>
@@ -669,7 +654,7 @@
         <a:sym typeface="Arial"/>
       </a:defRPr>
     </a:lvl7pPr>
-    <a:lvl8pPr marR="0" lvl="7" algn="l" rtl="0">
+    <a:lvl8pPr lvl="7" marR="0" rtl="0" algn="l">
       <a:lnSpc>
         <a:spcPct val="100000"/>
       </a:lnSpc>
@@ -683,7 +668,7 @@
         <a:srgbClr val="000000"/>
       </a:buClr>
       <a:buFont typeface="Arial"/>
-      <a:defRPr sz="1400" b="0" i="0" u="none" strike="noStrike" cap="none">
+      <a:defRPr b="0" i="0" sz="1400" u="none" cap="none" strike="noStrike">
         <a:solidFill>
           <a:srgbClr val="000000"/>
         </a:solidFill>
@@ -693,7 +678,7 @@
         <a:sym typeface="Arial"/>
       </a:defRPr>
     </a:lvl8pPr>
-    <a:lvl9pPr marR="0" lvl="8" algn="l" rtl="0">
+    <a:lvl9pPr lvl="8" marR="0" rtl="0" algn="l">
       <a:lnSpc>
         <a:spcPct val="100000"/>
       </a:lnSpc>
@@ -707,7 +692,7 @@
         <a:srgbClr val="000000"/>
       </a:buClr>
       <a:buFont typeface="Arial"/>
-      <a:defRPr sz="1400" b="0" i="0" u="none" strike="noStrike" cap="none">
+      <a:defRPr b="0" i="0" sz="1400" u="none" cap="none" strike="noStrike">
         <a:solidFill>
           <a:srgbClr val="000000"/>
         </a:solidFill>
@@ -722,11 +707,11 @@
 </file>
 
 <file path=ppt/notesSlides/notesSlide1.xml><?xml version="1.0" encoding="utf-8"?>
-<p:notes xmlns:a="http://schemas.openxmlformats.org/drawingml/2006/main" xmlns:r="http://schemas.openxmlformats.org/officeDocument/2006/relationships" xmlns:p="http://schemas.openxmlformats.org/presentationml/2006/main" showMasterSp="0" showMasterPhAnim="0">
+<p:notes xmlns:a="http://schemas.openxmlformats.org/drawingml/2006/main" xmlns:r="http://schemas.openxmlformats.org/officeDocument/2006/relationships" xmlns:mc="http://schemas.openxmlformats.org/markup-compatibility/2006" xmlns:mv="urn:schemas-microsoft-com:mac:vml" xmlns:p="http://schemas.openxmlformats.org/presentationml/2006/main" xmlns:c="http://schemas.openxmlformats.org/drawingml/2006/chart" xmlns:dgm="http://schemas.openxmlformats.org/drawingml/2006/diagram" xmlns:o="urn:schemas-microsoft-com:office:office" xmlns:v="urn:schemas-microsoft-com:vml" xmlns:pvml="urn:schemas-microsoft-com:office:powerpoint" xmlns:com="http://schemas.openxmlformats.org/drawingml/2006/compatibility" xmlns:p14="http://schemas.microsoft.com/office/powerpoint/2010/main" xmlns:p15="http://schemas.microsoft.com/office/powerpoint/2012/main" xmlns:ahyp="http://schemas.microsoft.com/office/drawing/2018/hyperlinkcolor" showMasterPhAnim="0" showMasterSp="0">
   <p:cSld>
     <p:spTree>
       <p:nvGrpSpPr>
-        <p:cNvPr id="1" name="Shape 130"/>
+        <p:cNvPr id="130" name="Shape 130"/>
         <p:cNvGrpSpPr/>
         <p:nvPr/>
       </p:nvGrpSpPr>
@@ -741,11 +726,9 @@
       <p:sp>
         <p:nvSpPr>
           <p:cNvPr id="131" name="Google Shape;131;p:notes"/>
-          <p:cNvSpPr>
-            <a:spLocks noGrp="1" noRot="1" noChangeAspect="1"/>
-          </p:cNvSpPr>
+          <p:cNvSpPr/>
           <p:nvPr>
-            <p:ph type="sldImg" idx="2"/>
+            <p:ph idx="2" type="sldImg"/>
           </p:nvPr>
         </p:nvSpPr>
         <p:spPr>
@@ -754,13 +737,9 @@
             <a:ext cx="6096075" cy="3429000"/>
           </a:xfrm>
           <a:custGeom>
-            <a:avLst/>
-            <a:gdLst/>
-            <a:ahLst/>
-            <a:cxnLst/>
-            <a:rect l="l" t="t" r="r" b="b"/>
+            <a:rect b="b" l="l" r="r" t="t"/>
             <a:pathLst>
-              <a:path w="120000" h="120000" extrusionOk="0">
+              <a:path extrusionOk="0" h="120000" w="120000">
                 <a:moveTo>
                   <a:pt x="0" y="0"/>
                 </a:moveTo>
@@ -782,11 +761,9 @@
       <p:sp>
         <p:nvSpPr>
           <p:cNvPr id="132" name="Google Shape;132;p:notes"/>
-          <p:cNvSpPr txBox="1">
-            <a:spLocks noGrp="1"/>
-          </p:cNvSpPr>
+          <p:cNvSpPr txBox="1"/>
           <p:nvPr>
-            <p:ph type="body" idx="1"/>
+            <p:ph idx="1" type="body"/>
           </p:nvPr>
         </p:nvSpPr>
         <p:spPr>
@@ -799,12 +776,12 @@
           </a:prstGeom>
         </p:spPr>
         <p:txBody>
-          <a:bodyPr spcFirstLastPara="1" wrap="square" lIns="91425" tIns="91425" rIns="91425" bIns="91425" anchor="t" anchorCtr="0">
+          <a:bodyPr anchorCtr="0" anchor="t" bIns="91425" lIns="91425" spcFirstLastPara="1" rIns="91425" wrap="square" tIns="91425">
             <a:noAutofit/>
           </a:bodyPr>
           <a:lstStyle/>
           <a:p>
-            <a:pPr marL="0" lvl="0" indent="0" algn="l" rtl="0">
+            <a:pPr indent="0" lvl="0" marL="0" rtl="0" algn="l">
               <a:spcBef>
                 <a:spcPts val="0"/>
               </a:spcBef>
@@ -813,6 +790,9 @@
               </a:spcAft>
               <a:buNone/>
             </a:pPr>
+            <a:r>
+              <a:t/>
+            </a:r>
             <a:endParaRPr/>
           </a:p>
         </p:txBody>
@@ -826,11 +806,11 @@
 </file>
 
 <file path=ppt/notesSlides/notesSlide2.xml><?xml version="1.0" encoding="utf-8"?>
-<p:notes xmlns:a="http://schemas.openxmlformats.org/drawingml/2006/main" xmlns:r="http://schemas.openxmlformats.org/officeDocument/2006/relationships" xmlns:p="http://schemas.openxmlformats.org/presentationml/2006/main" showMasterSp="0" showMasterPhAnim="0">
+<p:notes xmlns:a="http://schemas.openxmlformats.org/drawingml/2006/main" xmlns:r="http://schemas.openxmlformats.org/officeDocument/2006/relationships" xmlns:mc="http://schemas.openxmlformats.org/markup-compatibility/2006" xmlns:mv="urn:schemas-microsoft-com:mac:vml" xmlns:p="http://schemas.openxmlformats.org/presentationml/2006/main" xmlns:c="http://schemas.openxmlformats.org/drawingml/2006/chart" xmlns:dgm="http://schemas.openxmlformats.org/drawingml/2006/diagram" xmlns:o="urn:schemas-microsoft-com:office:office" xmlns:v="urn:schemas-microsoft-com:vml" xmlns:pvml="urn:schemas-microsoft-com:office:powerpoint" xmlns:com="http://schemas.openxmlformats.org/drawingml/2006/compatibility" xmlns:p14="http://schemas.microsoft.com/office/powerpoint/2010/main" xmlns:p15="http://schemas.microsoft.com/office/powerpoint/2012/main" xmlns:ahyp="http://schemas.microsoft.com/office/drawing/2018/hyperlinkcolor" showMasterPhAnim="0" showMasterSp="0">
   <p:cSld>
     <p:spTree>
       <p:nvGrpSpPr>
-        <p:cNvPr id="1" name="Shape 136"/>
+        <p:cNvPr id="136" name="Shape 136"/>
         <p:cNvGrpSpPr/>
         <p:nvPr/>
       </p:nvGrpSpPr>
@@ -845,11 +825,9 @@
       <p:sp>
         <p:nvSpPr>
           <p:cNvPr id="137" name="Google Shape;137;g121c7565020_0_125:notes"/>
-          <p:cNvSpPr>
-            <a:spLocks noGrp="1" noRot="1" noChangeAspect="1"/>
-          </p:cNvSpPr>
+          <p:cNvSpPr/>
           <p:nvPr>
-            <p:ph type="sldImg" idx="2"/>
+            <p:ph idx="2" type="sldImg"/>
           </p:nvPr>
         </p:nvSpPr>
         <p:spPr>
@@ -858,13 +836,9 @@
             <a:ext cx="6096000" cy="3429000"/>
           </a:xfrm>
           <a:custGeom>
-            <a:avLst/>
-            <a:gdLst/>
-            <a:ahLst/>
-            <a:cxnLst/>
-            <a:rect l="l" t="t" r="r" b="b"/>
+            <a:rect b="b" l="l" r="r" t="t"/>
             <a:pathLst>
-              <a:path w="120000" h="120000" extrusionOk="0">
+              <a:path extrusionOk="0" h="120000" w="120000">
                 <a:moveTo>
                   <a:pt x="0" y="0"/>
                 </a:moveTo>
@@ -886,11 +860,9 @@
       <p:sp>
         <p:nvSpPr>
           <p:cNvPr id="138" name="Google Shape;138;g121c7565020_0_125:notes"/>
-          <p:cNvSpPr txBox="1">
-            <a:spLocks noGrp="1"/>
-          </p:cNvSpPr>
+          <p:cNvSpPr txBox="1"/>
           <p:nvPr>
-            <p:ph type="body" idx="1"/>
+            <p:ph idx="1" type="body"/>
           </p:nvPr>
         </p:nvSpPr>
         <p:spPr>
@@ -903,12 +875,12 @@
           </a:prstGeom>
         </p:spPr>
         <p:txBody>
-          <a:bodyPr spcFirstLastPara="1" wrap="square" lIns="91425" tIns="91425" rIns="91425" bIns="91425" anchor="t" anchorCtr="0">
+          <a:bodyPr anchorCtr="0" anchor="t" bIns="91425" lIns="91425" spcFirstLastPara="1" rIns="91425" wrap="square" tIns="91425">
             <a:noAutofit/>
           </a:bodyPr>
           <a:lstStyle/>
           <a:p>
-            <a:pPr marL="0" lvl="0" indent="0" algn="l" rtl="0">
+            <a:pPr indent="0" lvl="0" marL="0" rtl="0" algn="l">
               <a:spcBef>
                 <a:spcPts val="0"/>
               </a:spcBef>
@@ -917,6 +889,9 @@
               </a:spcAft>
               <a:buNone/>
             </a:pPr>
+            <a:r>
+              <a:t/>
+            </a:r>
             <a:endParaRPr/>
           </a:p>
         </p:txBody>
@@ -930,11 +905,11 @@
 </file>
 
 <file path=ppt/notesSlides/notesSlide3.xml><?xml version="1.0" encoding="utf-8"?>
-<p:notes xmlns:a="http://schemas.openxmlformats.org/drawingml/2006/main" xmlns:r="http://schemas.openxmlformats.org/officeDocument/2006/relationships" xmlns:p="http://schemas.openxmlformats.org/presentationml/2006/main" showMasterSp="0" showMasterPhAnim="0">
+<p:notes xmlns:a="http://schemas.openxmlformats.org/drawingml/2006/main" xmlns:r="http://schemas.openxmlformats.org/officeDocument/2006/relationships" xmlns:mc="http://schemas.openxmlformats.org/markup-compatibility/2006" xmlns:mv="urn:schemas-microsoft-com:mac:vml" xmlns:p="http://schemas.openxmlformats.org/presentationml/2006/main" xmlns:c="http://schemas.openxmlformats.org/drawingml/2006/chart" xmlns:dgm="http://schemas.openxmlformats.org/drawingml/2006/diagram" xmlns:o="urn:schemas-microsoft-com:office:office" xmlns:v="urn:schemas-microsoft-com:vml" xmlns:pvml="urn:schemas-microsoft-com:office:powerpoint" xmlns:com="http://schemas.openxmlformats.org/drawingml/2006/compatibility" xmlns:p14="http://schemas.microsoft.com/office/powerpoint/2010/main" xmlns:p15="http://schemas.microsoft.com/office/powerpoint/2012/main" xmlns:ahyp="http://schemas.microsoft.com/office/drawing/2018/hyperlinkcolor" showMasterPhAnim="0" showMasterSp="0">
   <p:cSld>
     <p:spTree>
       <p:nvGrpSpPr>
-        <p:cNvPr id="1" name="Shape 142"/>
+        <p:cNvPr id="142" name="Shape 142"/>
         <p:cNvGrpSpPr/>
         <p:nvPr/>
       </p:nvGrpSpPr>
@@ -948,12 +923,10 @@
       </p:grpSpPr>
       <p:sp>
         <p:nvSpPr>
-          <p:cNvPr id="143" name="Google Shape;143;g121c7565020_3_0:notes"/>
-          <p:cNvSpPr>
-            <a:spLocks noGrp="1" noRot="1" noChangeAspect="1"/>
-          </p:cNvSpPr>
+          <p:cNvPr id="143" name="Google Shape;143;g121e51370cd_0_9:notes"/>
+          <p:cNvSpPr/>
           <p:nvPr>
-            <p:ph type="sldImg" idx="2"/>
+            <p:ph idx="2" type="sldImg"/>
           </p:nvPr>
         </p:nvSpPr>
         <p:spPr>
@@ -962,13 +935,9 @@
             <a:ext cx="6096000" cy="3429000"/>
           </a:xfrm>
           <a:custGeom>
-            <a:avLst/>
-            <a:gdLst/>
-            <a:ahLst/>
-            <a:cxnLst/>
-            <a:rect l="l" t="t" r="r" b="b"/>
+            <a:rect b="b" l="l" r="r" t="t"/>
             <a:pathLst>
-              <a:path w="120000" h="120000" extrusionOk="0">
+              <a:path extrusionOk="0" h="120000" w="120000">
                 <a:moveTo>
                   <a:pt x="0" y="0"/>
                 </a:moveTo>
@@ -989,12 +958,10 @@
       </p:sp>
       <p:sp>
         <p:nvSpPr>
-          <p:cNvPr id="144" name="Google Shape;144;g121c7565020_3_0:notes"/>
-          <p:cNvSpPr txBox="1">
-            <a:spLocks noGrp="1"/>
-          </p:cNvSpPr>
+          <p:cNvPr id="144" name="Google Shape;144;g121e51370cd_0_9:notes"/>
+          <p:cNvSpPr txBox="1"/>
           <p:nvPr>
-            <p:ph type="body" idx="1"/>
+            <p:ph idx="1" type="body"/>
           </p:nvPr>
         </p:nvSpPr>
         <p:spPr>
@@ -1007,12 +974,12 @@
           </a:prstGeom>
         </p:spPr>
         <p:txBody>
-          <a:bodyPr spcFirstLastPara="1" wrap="square" lIns="91425" tIns="91425" rIns="91425" bIns="91425" anchor="t" anchorCtr="0">
+          <a:bodyPr anchorCtr="0" anchor="t" bIns="91425" lIns="91425" spcFirstLastPara="1" rIns="91425" wrap="square" tIns="91425">
             <a:noAutofit/>
           </a:bodyPr>
           <a:lstStyle/>
           <a:p>
-            <a:pPr marL="0" lvl="0" indent="0" algn="l" rtl="0">
+            <a:pPr indent="0" lvl="0" marL="0" rtl="0" algn="l">
               <a:spcBef>
                 <a:spcPts val="0"/>
               </a:spcBef>
@@ -1021,6 +988,207 @@
               </a:spcAft>
               <a:buNone/>
             </a:pPr>
+            <a:r>
+              <a:t/>
+            </a:r>
+            <a:endParaRPr/>
+          </a:p>
+        </p:txBody>
+      </p:sp>
+    </p:spTree>
+  </p:cSld>
+  <p:clrMapOvr>
+    <a:masterClrMapping/>
+  </p:clrMapOvr>
+</p:notes>
+</file>
+
+<file path=ppt/notesSlides/notesSlide4.xml><?xml version="1.0" encoding="utf-8"?>
+<p:notes xmlns:a="http://schemas.openxmlformats.org/drawingml/2006/main" xmlns:r="http://schemas.openxmlformats.org/officeDocument/2006/relationships" xmlns:mc="http://schemas.openxmlformats.org/markup-compatibility/2006" xmlns:mv="urn:schemas-microsoft-com:mac:vml" xmlns:p="http://schemas.openxmlformats.org/presentationml/2006/main" xmlns:c="http://schemas.openxmlformats.org/drawingml/2006/chart" xmlns:dgm="http://schemas.openxmlformats.org/drawingml/2006/diagram" xmlns:o="urn:schemas-microsoft-com:office:office" xmlns:v="urn:schemas-microsoft-com:vml" xmlns:pvml="urn:schemas-microsoft-com:office:powerpoint" xmlns:com="http://schemas.openxmlformats.org/drawingml/2006/compatibility" xmlns:p14="http://schemas.microsoft.com/office/powerpoint/2010/main" xmlns:p15="http://schemas.microsoft.com/office/powerpoint/2012/main" xmlns:ahyp="http://schemas.microsoft.com/office/drawing/2018/hyperlinkcolor" showMasterPhAnim="0" showMasterSp="0">
+  <p:cSld>
+    <p:spTree>
+      <p:nvGrpSpPr>
+        <p:cNvPr id="148" name="Shape 148"/>
+        <p:cNvGrpSpPr/>
+        <p:nvPr/>
+      </p:nvGrpSpPr>
+      <p:grpSpPr>
+        <a:xfrm>
+          <a:off x="0" y="0"/>
+          <a:ext cx="0" cy="0"/>
+          <a:chOff x="0" y="0"/>
+          <a:chExt cx="0" cy="0"/>
+        </a:xfrm>
+      </p:grpSpPr>
+      <p:sp>
+        <p:nvSpPr>
+          <p:cNvPr id="149" name="Google Shape;149;g121c7565020_3_0:notes"/>
+          <p:cNvSpPr/>
+          <p:nvPr>
+            <p:ph idx="2" type="sldImg"/>
+          </p:nvPr>
+        </p:nvSpPr>
+        <p:spPr>
+          <a:xfrm>
+            <a:off x="381300" y="685800"/>
+            <a:ext cx="6096000" cy="3429000"/>
+          </a:xfrm>
+          <a:custGeom>
+            <a:rect b="b" l="l" r="r" t="t"/>
+            <a:pathLst>
+              <a:path extrusionOk="0" h="120000" w="120000">
+                <a:moveTo>
+                  <a:pt x="0" y="0"/>
+                </a:moveTo>
+                <a:lnTo>
+                  <a:pt x="120000" y="0"/>
+                </a:lnTo>
+                <a:lnTo>
+                  <a:pt x="120000" y="120000"/>
+                </a:lnTo>
+                <a:lnTo>
+                  <a:pt x="0" y="120000"/>
+                </a:lnTo>
+                <a:close/>
+              </a:path>
+            </a:pathLst>
+          </a:custGeom>
+        </p:spPr>
+      </p:sp>
+      <p:sp>
+        <p:nvSpPr>
+          <p:cNvPr id="150" name="Google Shape;150;g121c7565020_3_0:notes"/>
+          <p:cNvSpPr txBox="1"/>
+          <p:nvPr>
+            <p:ph idx="1" type="body"/>
+          </p:nvPr>
+        </p:nvSpPr>
+        <p:spPr>
+          <a:xfrm>
+            <a:off x="685800" y="4343400"/>
+            <a:ext cx="5486400" cy="4114800"/>
+          </a:xfrm>
+          <a:prstGeom prst="rect">
+            <a:avLst/>
+          </a:prstGeom>
+        </p:spPr>
+        <p:txBody>
+          <a:bodyPr anchorCtr="0" anchor="t" bIns="91425" lIns="91425" spcFirstLastPara="1" rIns="91425" wrap="square" tIns="91425">
+            <a:noAutofit/>
+          </a:bodyPr>
+          <a:lstStyle/>
+          <a:p>
+            <a:pPr indent="0" lvl="0" marL="0" rtl="0" algn="l">
+              <a:spcBef>
+                <a:spcPts val="0"/>
+              </a:spcBef>
+              <a:spcAft>
+                <a:spcPts val="0"/>
+              </a:spcAft>
+              <a:buNone/>
+            </a:pPr>
+            <a:r>
+              <a:t/>
+            </a:r>
+            <a:endParaRPr/>
+          </a:p>
+        </p:txBody>
+      </p:sp>
+    </p:spTree>
+  </p:cSld>
+  <p:clrMapOvr>
+    <a:masterClrMapping/>
+  </p:clrMapOvr>
+</p:notes>
+</file>
+
+<file path=ppt/notesSlides/notesSlide5.xml><?xml version="1.0" encoding="utf-8"?>
+<p:notes xmlns:a="http://schemas.openxmlformats.org/drawingml/2006/main" xmlns:r="http://schemas.openxmlformats.org/officeDocument/2006/relationships" xmlns:mc="http://schemas.openxmlformats.org/markup-compatibility/2006" xmlns:mv="urn:schemas-microsoft-com:mac:vml" xmlns:p="http://schemas.openxmlformats.org/presentationml/2006/main" xmlns:c="http://schemas.openxmlformats.org/drawingml/2006/chart" xmlns:dgm="http://schemas.openxmlformats.org/drawingml/2006/diagram" xmlns:o="urn:schemas-microsoft-com:office:office" xmlns:v="urn:schemas-microsoft-com:vml" xmlns:pvml="urn:schemas-microsoft-com:office:powerpoint" xmlns:com="http://schemas.openxmlformats.org/drawingml/2006/compatibility" xmlns:p14="http://schemas.microsoft.com/office/powerpoint/2010/main" xmlns:p15="http://schemas.microsoft.com/office/powerpoint/2012/main" xmlns:ahyp="http://schemas.microsoft.com/office/drawing/2018/hyperlinkcolor" showMasterPhAnim="0" showMasterSp="0">
+  <p:cSld>
+    <p:spTree>
+      <p:nvGrpSpPr>
+        <p:cNvPr id="154" name="Shape 154"/>
+        <p:cNvGrpSpPr/>
+        <p:nvPr/>
+      </p:nvGrpSpPr>
+      <p:grpSpPr>
+        <a:xfrm>
+          <a:off x="0" y="0"/>
+          <a:ext cx="0" cy="0"/>
+          <a:chOff x="0" y="0"/>
+          <a:chExt cx="0" cy="0"/>
+        </a:xfrm>
+      </p:grpSpPr>
+      <p:sp>
+        <p:nvSpPr>
+          <p:cNvPr id="155" name="Google Shape;155;g121e51370cd_0_1:notes"/>
+          <p:cNvSpPr/>
+          <p:nvPr>
+            <p:ph idx="2" type="sldImg"/>
+          </p:nvPr>
+        </p:nvSpPr>
+        <p:spPr>
+          <a:xfrm>
+            <a:off x="381300" y="685800"/>
+            <a:ext cx="6096000" cy="3429000"/>
+          </a:xfrm>
+          <a:custGeom>
+            <a:rect b="b" l="l" r="r" t="t"/>
+            <a:pathLst>
+              <a:path extrusionOk="0" h="120000" w="120000">
+                <a:moveTo>
+                  <a:pt x="0" y="0"/>
+                </a:moveTo>
+                <a:lnTo>
+                  <a:pt x="120000" y="0"/>
+                </a:lnTo>
+                <a:lnTo>
+                  <a:pt x="120000" y="120000"/>
+                </a:lnTo>
+                <a:lnTo>
+                  <a:pt x="0" y="120000"/>
+                </a:lnTo>
+                <a:close/>
+              </a:path>
+            </a:pathLst>
+          </a:custGeom>
+        </p:spPr>
+      </p:sp>
+      <p:sp>
+        <p:nvSpPr>
+          <p:cNvPr id="156" name="Google Shape;156;g121e51370cd_0_1:notes"/>
+          <p:cNvSpPr txBox="1"/>
+          <p:nvPr>
+            <p:ph idx="1" type="body"/>
+          </p:nvPr>
+        </p:nvSpPr>
+        <p:spPr>
+          <a:xfrm>
+            <a:off x="685800" y="4343400"/>
+            <a:ext cx="5486400" cy="4114800"/>
+          </a:xfrm>
+          <a:prstGeom prst="rect">
+            <a:avLst/>
+          </a:prstGeom>
+        </p:spPr>
+        <p:txBody>
+          <a:bodyPr anchorCtr="0" anchor="t" bIns="91425" lIns="91425" spcFirstLastPara="1" rIns="91425" wrap="square" tIns="91425">
+            <a:noAutofit/>
+          </a:bodyPr>
+          <a:lstStyle/>
+          <a:p>
+            <a:pPr indent="0" lvl="0" marL="0" rtl="0" algn="l">
+              <a:spcBef>
+                <a:spcPts val="0"/>
+              </a:spcBef>
+              <a:spcAft>
+                <a:spcPts val="0"/>
+              </a:spcAft>
+              <a:buNone/>
+            </a:pPr>
+            <a:r>
+              <a:t/>
+            </a:r>
             <a:endParaRPr/>
           </a:p>
         </p:txBody>
@@ -1034,11 +1202,11 @@
 </file>
 
 <file path=ppt/slideLayouts/slideLayout1.xml><?xml version="1.0" encoding="utf-8"?>
-<p:sldLayout xmlns:a="http://schemas.openxmlformats.org/drawingml/2006/main" xmlns:r="http://schemas.openxmlformats.org/officeDocument/2006/relationships" xmlns:p="http://schemas.openxmlformats.org/presentationml/2006/main" matchingName="Title slide" type="title">
+<p:sldLayout xmlns:a="http://schemas.openxmlformats.org/drawingml/2006/main" xmlns:r="http://schemas.openxmlformats.org/officeDocument/2006/relationships" xmlns:mc="http://schemas.openxmlformats.org/markup-compatibility/2006" xmlns:mv="urn:schemas-microsoft-com:mac:vml" xmlns:p="http://schemas.openxmlformats.org/presentationml/2006/main" xmlns:c="http://schemas.openxmlformats.org/drawingml/2006/chart" xmlns:dgm="http://schemas.openxmlformats.org/drawingml/2006/diagram" xmlns:o="urn:schemas-microsoft-com:office:office" xmlns:v="urn:schemas-microsoft-com:vml" xmlns:pvml="urn:schemas-microsoft-com:office:powerpoint" xmlns:com="http://schemas.openxmlformats.org/drawingml/2006/compatibility" xmlns:p14="http://schemas.microsoft.com/office/powerpoint/2010/main" xmlns:p15="http://schemas.microsoft.com/office/powerpoint/2012/main" xmlns:ahyp="http://schemas.microsoft.com/office/drawing/2018/hyperlinkcolor" matchingName="Title slide" type="title">
   <p:cSld name="TITLE">
     <p:spTree>
       <p:nvGrpSpPr>
-        <p:cNvPr id="1" name="Shape 9"/>
+        <p:cNvPr id="9" name="Shape 9"/>
         <p:cNvGrpSpPr/>
         <p:nvPr/>
       </p:nvGrpSpPr>
@@ -1063,7 +1231,7 @@
           </a:xfrm>
           <a:prstGeom prst="diagStripe">
             <a:avLst>
-              <a:gd name="adj" fmla="val 0"/>
+              <a:gd fmla="val 0" name="adj"/>
             </a:avLst>
           </a:prstGeom>
           <a:solidFill>
@@ -1076,12 +1244,12 @@
           </a:ln>
         </p:spPr>
         <p:txBody>
-          <a:bodyPr spcFirstLastPara="1" wrap="square" lIns="91425" tIns="91425" rIns="91425" bIns="91425" anchor="ctr" anchorCtr="0">
+          <a:bodyPr anchorCtr="0" anchor="ctr" bIns="91425" lIns="91425" spcFirstLastPara="1" rIns="91425" wrap="square" tIns="91425">
             <a:noAutofit/>
           </a:bodyPr>
           <a:lstStyle/>
           <a:p>
-            <a:pPr marL="0" lvl="0" indent="0" algn="l" rtl="0">
+            <a:pPr indent="0" lvl="0" marL="0" rtl="0" algn="l">
               <a:spcBef>
                 <a:spcPts val="0"/>
               </a:spcBef>
@@ -1090,6 +1258,9 @@
               </a:spcAft>
               <a:buNone/>
             </a:pPr>
+            <a:r>
+              <a:t/>
+            </a:r>
             <a:endParaRPr/>
           </a:p>
         </p:txBody>
@@ -1121,7 +1292,7 @@
             </a:xfrm>
             <a:prstGeom prst="diagStripe">
               <a:avLst>
-                <a:gd name="adj" fmla="val 50000"/>
+                <a:gd fmla="val 50000" name="adj"/>
               </a:avLst>
             </a:prstGeom>
             <a:solidFill>
@@ -1134,12 +1305,12 @@
             </a:ln>
           </p:spPr>
           <p:txBody>
-            <a:bodyPr spcFirstLastPara="1" wrap="square" lIns="91425" tIns="91425" rIns="91425" bIns="91425" anchor="ctr" anchorCtr="0">
+            <a:bodyPr anchorCtr="0" anchor="ctr" bIns="91425" lIns="91425" spcFirstLastPara="1" rIns="91425" wrap="square" tIns="91425">
               <a:noAutofit/>
             </a:bodyPr>
             <a:lstStyle/>
             <a:p>
-              <a:pPr marL="0" lvl="0" indent="0" algn="l" rtl="0">
+              <a:pPr indent="0" lvl="0" marL="0" rtl="0" algn="l">
                 <a:spcBef>
                   <a:spcPts val="0"/>
                 </a:spcBef>
@@ -1148,6 +1319,9 @@
                 </a:spcAft>
                 <a:buNone/>
               </a:pPr>
+              <a:r>
+                <a:t/>
+              </a:r>
               <a:endParaRPr/>
             </a:p>
           </p:txBody>
@@ -1165,7 +1339,7 @@
             </a:xfrm>
             <a:prstGeom prst="diagStripe">
               <a:avLst>
-                <a:gd name="adj" fmla="val 58774"/>
+                <a:gd fmla="val 58774" name="adj"/>
               </a:avLst>
             </a:prstGeom>
             <a:solidFill>
@@ -1178,12 +1352,12 @@
             </a:ln>
           </p:spPr>
           <p:txBody>
-            <a:bodyPr spcFirstLastPara="1" wrap="square" lIns="91425" tIns="91425" rIns="91425" bIns="91425" anchor="ctr" anchorCtr="0">
+            <a:bodyPr anchorCtr="0" anchor="ctr" bIns="91425" lIns="91425" spcFirstLastPara="1" rIns="91425" wrap="square" tIns="91425">
               <a:noAutofit/>
             </a:bodyPr>
             <a:lstStyle/>
             <a:p>
-              <a:pPr marL="0" lvl="0" indent="0" algn="l" rtl="0">
+              <a:pPr indent="0" lvl="0" marL="0" rtl="0" algn="l">
                 <a:spcBef>
                   <a:spcPts val="0"/>
                 </a:spcBef>
@@ -1192,6 +1366,9 @@
                 </a:spcAft>
                 <a:buNone/>
               </a:pPr>
+              <a:r>
+                <a:t/>
+              </a:r>
               <a:endParaRPr/>
             </a:p>
           </p:txBody>
@@ -1209,7 +1386,7 @@
             </a:xfrm>
             <a:prstGeom prst="diagStripe">
               <a:avLst>
-                <a:gd name="adj" fmla="val 50000"/>
+                <a:gd fmla="val 50000" name="adj"/>
               </a:avLst>
             </a:prstGeom>
             <a:solidFill>
@@ -1220,12 +1397,12 @@
             </a:ln>
           </p:spPr>
           <p:txBody>
-            <a:bodyPr spcFirstLastPara="1" wrap="square" lIns="91425" tIns="91425" rIns="91425" bIns="91425" anchor="ctr" anchorCtr="0">
+            <a:bodyPr anchorCtr="0" anchor="ctr" bIns="91425" lIns="91425" spcFirstLastPara="1" rIns="91425" wrap="square" tIns="91425">
               <a:noAutofit/>
             </a:bodyPr>
             <a:lstStyle/>
             <a:p>
-              <a:pPr marL="0" lvl="0" indent="0" algn="l" rtl="0">
+              <a:pPr indent="0" lvl="0" marL="0" rtl="0" algn="l">
                 <a:spcBef>
                   <a:spcPts val="0"/>
                 </a:spcBef>
@@ -1234,6 +1411,9 @@
                 </a:spcAft>
                 <a:buNone/>
               </a:pPr>
+              <a:r>
+                <a:t/>
+              </a:r>
               <a:endParaRPr/>
             </a:p>
           </p:txBody>
@@ -1251,7 +1431,7 @@
             </a:xfrm>
             <a:prstGeom prst="diagStripe">
               <a:avLst>
-                <a:gd name="adj" fmla="val 50000"/>
+                <a:gd fmla="val 50000" name="adj"/>
               </a:avLst>
             </a:prstGeom>
             <a:solidFill>
@@ -1262,12 +1442,12 @@
             </a:ln>
           </p:spPr>
           <p:txBody>
-            <a:bodyPr spcFirstLastPara="1" wrap="square" lIns="91425" tIns="91425" rIns="91425" bIns="91425" anchor="ctr" anchorCtr="0">
+            <a:bodyPr anchorCtr="0" anchor="ctr" bIns="91425" lIns="91425" spcFirstLastPara="1" rIns="91425" wrap="square" tIns="91425">
               <a:noAutofit/>
             </a:bodyPr>
             <a:lstStyle/>
             <a:p>
-              <a:pPr marL="0" lvl="0" indent="0" algn="l" rtl="0">
+              <a:pPr indent="0" lvl="0" marL="0" rtl="0" algn="l">
                 <a:spcBef>
                   <a:spcPts val="0"/>
                 </a:spcBef>
@@ -1276,6 +1456,9 @@
                 </a:spcAft>
                 <a:buNone/>
               </a:pPr>
+              <a:r>
+                <a:t/>
+              </a:r>
               <a:endParaRPr/>
             </a:p>
           </p:txBody>
@@ -1284,9 +1467,7 @@
       <p:sp>
         <p:nvSpPr>
           <p:cNvPr id="16" name="Google Shape;16;p2"/>
-          <p:cNvSpPr txBox="1">
-            <a:spLocks noGrp="1"/>
-          </p:cNvSpPr>
+          <p:cNvSpPr txBox="1"/>
           <p:nvPr>
             <p:ph type="ctrTitle"/>
           </p:nvPr>
@@ -1301,7 +1482,7 @@
           </a:prstGeom>
         </p:spPr>
         <p:txBody>
-          <a:bodyPr spcFirstLastPara="1" wrap="square" lIns="91425" tIns="91425" rIns="91425" bIns="91425" anchor="t" anchorCtr="0">
+          <a:bodyPr anchorCtr="0" anchor="t" bIns="91425" lIns="91425" spcFirstLastPara="1" rIns="91425" wrap="square" tIns="91425">
             <a:normAutofit/>
           </a:bodyPr>
           <a:lstStyle>
@@ -1405,19 +1586,15 @@
               <a:defRPr sz="4000"/>
             </a:lvl9pPr>
           </a:lstStyle>
-          <a:p>
-            <a:endParaRPr/>
-          </a:p>
+          <a:p/>
         </p:txBody>
       </p:sp>
       <p:sp>
         <p:nvSpPr>
           <p:cNvPr id="17" name="Google Shape;17;p2"/>
-          <p:cNvSpPr txBox="1">
-            <a:spLocks noGrp="1"/>
-          </p:cNvSpPr>
+          <p:cNvSpPr txBox="1"/>
           <p:nvPr>
-            <p:ph type="subTitle" idx="1"/>
+            <p:ph idx="1" type="subTitle"/>
           </p:nvPr>
         </p:nvSpPr>
         <p:spPr>
@@ -1430,7 +1607,7 @@
           </a:prstGeom>
         </p:spPr>
         <p:txBody>
-          <a:bodyPr spcFirstLastPara="1" wrap="square" lIns="91425" tIns="91425" rIns="91425" bIns="91425" anchor="t" anchorCtr="0">
+          <a:bodyPr anchorCtr="0" anchor="t" bIns="91425" lIns="91425" spcFirstLastPara="1" rIns="91425" wrap="square" tIns="91425">
             <a:normAutofit/>
           </a:bodyPr>
           <a:lstStyle>
@@ -1561,19 +1738,15 @@
               <a:defRPr sz="1300"/>
             </a:lvl9pPr>
           </a:lstStyle>
-          <a:p>
-            <a:endParaRPr/>
-          </a:p>
+          <a:p/>
         </p:txBody>
       </p:sp>
       <p:sp>
         <p:nvSpPr>
           <p:cNvPr id="18" name="Google Shape;18;p2"/>
-          <p:cNvSpPr txBox="1">
-            <a:spLocks noGrp="1"/>
-          </p:cNvSpPr>
+          <p:cNvSpPr txBox="1"/>
           <p:nvPr>
-            <p:ph type="sldNum" idx="12"/>
+            <p:ph idx="12" type="sldNum"/>
           </p:nvPr>
         </p:nvSpPr>
         <p:spPr>
@@ -1586,7 +1759,7 @@
           </a:prstGeom>
         </p:spPr>
         <p:txBody>
-          <a:bodyPr spcFirstLastPara="1" wrap="square" lIns="91425" tIns="91425" rIns="91425" bIns="91425" anchor="ctr" anchorCtr="0">
+          <a:bodyPr anchorCtr="0" anchor="ctr" bIns="91425" lIns="91425" spcFirstLastPara="1" rIns="91425" wrap="square" tIns="91425">
             <a:normAutofit/>
           </a:bodyPr>
           <a:lstStyle>
@@ -1628,7 +1801,7 @@
             </a:lvl9pPr>
           </a:lstStyle>
           <a:p>
-            <a:pPr marL="0" lvl="0" indent="0" algn="r" rtl="0">
+            <a:pPr indent="0" lvl="0" marL="0" rtl="0" algn="r">
               <a:spcBef>
                 <a:spcPts val="0"/>
               </a:spcBef>
@@ -1654,11 +1827,11 @@
 </file>
 
 <file path=ppt/slideLayouts/slideLayout10.xml><?xml version="1.0" encoding="utf-8"?>
-<p:sldLayout xmlns:a="http://schemas.openxmlformats.org/drawingml/2006/main" xmlns:r="http://schemas.openxmlformats.org/officeDocument/2006/relationships" xmlns:p="http://schemas.openxmlformats.org/presentationml/2006/main" matchingName="Big number">
+<p:sldLayout xmlns:a="http://schemas.openxmlformats.org/drawingml/2006/main" xmlns:r="http://schemas.openxmlformats.org/officeDocument/2006/relationships" xmlns:mc="http://schemas.openxmlformats.org/markup-compatibility/2006" xmlns:mv="urn:schemas-microsoft-com:mac:vml" xmlns:p="http://schemas.openxmlformats.org/presentationml/2006/main" xmlns:c="http://schemas.openxmlformats.org/drawingml/2006/chart" xmlns:dgm="http://schemas.openxmlformats.org/drawingml/2006/diagram" xmlns:o="urn:schemas-microsoft-com:office:office" xmlns:v="urn:schemas-microsoft-com:vml" xmlns:pvml="urn:schemas-microsoft-com:office:powerpoint" xmlns:com="http://schemas.openxmlformats.org/drawingml/2006/compatibility" xmlns:p14="http://schemas.microsoft.com/office/powerpoint/2010/main" xmlns:p15="http://schemas.microsoft.com/office/powerpoint/2012/main" xmlns:ahyp="http://schemas.microsoft.com/office/drawing/2018/hyperlinkcolor" matchingName="Big number">
   <p:cSld name="BIG_NUMBER">
     <p:spTree>
       <p:nvGrpSpPr>
-        <p:cNvPr id="1" name="Shape 105"/>
+        <p:cNvPr id="105" name="Shape 105"/>
         <p:cNvGrpSpPr/>
         <p:nvPr/>
       </p:nvGrpSpPr>
@@ -1697,7 +1870,7 @@
             </a:xfrm>
             <a:prstGeom prst="diagStripe">
               <a:avLst>
-                <a:gd name="adj" fmla="val 49469"/>
+                <a:gd fmla="val 49469" name="adj"/>
               </a:avLst>
             </a:prstGeom>
             <a:solidFill>
@@ -1710,12 +1883,12 @@
             </a:ln>
           </p:spPr>
           <p:txBody>
-            <a:bodyPr spcFirstLastPara="1" wrap="square" lIns="91425" tIns="91425" rIns="91425" bIns="91425" anchor="ctr" anchorCtr="0">
+            <a:bodyPr anchorCtr="0" anchor="ctr" bIns="91425" lIns="91425" spcFirstLastPara="1" rIns="91425" wrap="square" tIns="91425">
               <a:noAutofit/>
             </a:bodyPr>
             <a:lstStyle/>
             <a:p>
-              <a:pPr marL="0" lvl="0" indent="0" algn="l" rtl="0">
+              <a:pPr indent="0" lvl="0" marL="0" rtl="0" algn="l">
                 <a:spcBef>
                   <a:spcPts val="0"/>
                 </a:spcBef>
@@ -1724,6 +1897,9 @@
                 </a:spcAft>
                 <a:buNone/>
               </a:pPr>
+              <a:r>
+                <a:t/>
+              </a:r>
               <a:endParaRPr/>
             </a:p>
           </p:txBody>
@@ -1741,7 +1917,7 @@
             </a:xfrm>
             <a:prstGeom prst="diagStripe">
               <a:avLst>
-                <a:gd name="adj" fmla="val 0"/>
+                <a:gd fmla="val 0" name="adj"/>
               </a:avLst>
             </a:prstGeom>
             <a:solidFill>
@@ -1754,12 +1930,12 @@
             </a:ln>
           </p:spPr>
           <p:txBody>
-            <a:bodyPr spcFirstLastPara="1" wrap="square" lIns="91425" tIns="91425" rIns="91425" bIns="91425" anchor="ctr" anchorCtr="0">
+            <a:bodyPr anchorCtr="0" anchor="ctr" bIns="91425" lIns="91425" spcFirstLastPara="1" rIns="91425" wrap="square" tIns="91425">
               <a:noAutofit/>
             </a:bodyPr>
             <a:lstStyle/>
             <a:p>
-              <a:pPr marL="0" lvl="0" indent="0" algn="l" rtl="0">
+              <a:pPr indent="0" lvl="0" marL="0" rtl="0" algn="l">
                 <a:spcBef>
                   <a:spcPts val="0"/>
                 </a:spcBef>
@@ -1768,6 +1944,9 @@
                 </a:spcAft>
                 <a:buNone/>
               </a:pPr>
+              <a:r>
+                <a:t/>
+              </a:r>
               <a:endParaRPr/>
             </a:p>
           </p:txBody>
@@ -1785,7 +1964,7 @@
             </a:xfrm>
             <a:prstGeom prst="diagStripe">
               <a:avLst>
-                <a:gd name="adj" fmla="val 50000"/>
+                <a:gd fmla="val 50000" name="adj"/>
               </a:avLst>
             </a:prstGeom>
             <a:solidFill>
@@ -1798,12 +1977,12 @@
             </a:ln>
           </p:spPr>
           <p:txBody>
-            <a:bodyPr spcFirstLastPara="1" wrap="square" lIns="91425" tIns="91425" rIns="91425" bIns="91425" anchor="ctr" anchorCtr="0">
+            <a:bodyPr anchorCtr="0" anchor="ctr" bIns="91425" lIns="91425" spcFirstLastPara="1" rIns="91425" wrap="square" tIns="91425">
               <a:noAutofit/>
             </a:bodyPr>
             <a:lstStyle/>
             <a:p>
-              <a:pPr marL="0" lvl="0" indent="0" algn="l" rtl="0">
+              <a:pPr indent="0" lvl="0" marL="0" rtl="0" algn="l">
                 <a:spcBef>
                   <a:spcPts val="0"/>
                 </a:spcBef>
@@ -1812,6 +1991,9 @@
                 </a:spcAft>
                 <a:buNone/>
               </a:pPr>
+              <a:r>
+                <a:t/>
+              </a:r>
               <a:endParaRPr/>
             </a:p>
           </p:txBody>
@@ -1829,7 +2011,7 @@
             </a:xfrm>
             <a:prstGeom prst="diagStripe">
               <a:avLst>
-                <a:gd name="adj" fmla="val 50000"/>
+                <a:gd fmla="val 50000" name="adj"/>
               </a:avLst>
             </a:prstGeom>
             <a:solidFill>
@@ -1842,12 +2024,12 @@
             </a:ln>
           </p:spPr>
           <p:txBody>
-            <a:bodyPr spcFirstLastPara="1" wrap="square" lIns="91425" tIns="91425" rIns="91425" bIns="91425" anchor="ctr" anchorCtr="0">
+            <a:bodyPr anchorCtr="0" anchor="ctr" bIns="91425" lIns="91425" spcFirstLastPara="1" rIns="91425" wrap="square" tIns="91425">
               <a:noAutofit/>
             </a:bodyPr>
             <a:lstStyle/>
             <a:p>
-              <a:pPr marL="0" lvl="0" indent="0" algn="l" rtl="0">
+              <a:pPr indent="0" lvl="0" marL="0" rtl="0" algn="l">
                 <a:spcBef>
                   <a:spcPts val="0"/>
                 </a:spcBef>
@@ -1856,6 +2038,9 @@
                 </a:spcAft>
                 <a:buNone/>
               </a:pPr>
+              <a:r>
+                <a:t/>
+              </a:r>
               <a:endParaRPr/>
             </a:p>
           </p:txBody>
@@ -1873,7 +2058,7 @@
             </a:xfrm>
             <a:prstGeom prst="diagStripe">
               <a:avLst>
-                <a:gd name="adj" fmla="val 50000"/>
+                <a:gd fmla="val 50000" name="adj"/>
               </a:avLst>
             </a:prstGeom>
             <a:solidFill>
@@ -1886,12 +2071,12 @@
             </a:ln>
           </p:spPr>
           <p:txBody>
-            <a:bodyPr spcFirstLastPara="1" wrap="square" lIns="91425" tIns="91425" rIns="91425" bIns="91425" anchor="ctr" anchorCtr="0">
+            <a:bodyPr anchorCtr="0" anchor="ctr" bIns="91425" lIns="91425" spcFirstLastPara="1" rIns="91425" wrap="square" tIns="91425">
               <a:noAutofit/>
             </a:bodyPr>
             <a:lstStyle/>
             <a:p>
-              <a:pPr marL="0" lvl="0" indent="0" algn="l" rtl="0">
+              <a:pPr indent="0" lvl="0" marL="0" rtl="0" algn="l">
                 <a:spcBef>
                   <a:spcPts val="0"/>
                 </a:spcBef>
@@ -1900,6 +2085,9 @@
                 </a:spcAft>
                 <a:buNone/>
               </a:pPr>
+              <a:r>
+                <a:t/>
+              </a:r>
               <a:endParaRPr/>
             </a:p>
           </p:txBody>
@@ -1917,7 +2105,7 @@
             </a:xfrm>
             <a:prstGeom prst="diagStripe">
               <a:avLst>
-                <a:gd name="adj" fmla="val 50000"/>
+                <a:gd fmla="val 50000" name="adj"/>
               </a:avLst>
             </a:prstGeom>
             <a:solidFill>
@@ -1930,12 +2118,12 @@
             </a:ln>
           </p:spPr>
           <p:txBody>
-            <a:bodyPr spcFirstLastPara="1" wrap="square" lIns="91425" tIns="91425" rIns="91425" bIns="91425" anchor="ctr" anchorCtr="0">
+            <a:bodyPr anchorCtr="0" anchor="ctr" bIns="91425" lIns="91425" spcFirstLastPara="1" rIns="91425" wrap="square" tIns="91425">
               <a:noAutofit/>
             </a:bodyPr>
             <a:lstStyle/>
             <a:p>
-              <a:pPr marL="0" lvl="0" indent="0" algn="l" rtl="0">
+              <a:pPr indent="0" lvl="0" marL="0" rtl="0" algn="l">
                 <a:spcBef>
                   <a:spcPts val="0"/>
                 </a:spcBef>
@@ -1944,6 +2132,9 @@
                 </a:spcAft>
                 <a:buNone/>
               </a:pPr>
+              <a:r>
+                <a:t/>
+              </a:r>
               <a:endParaRPr/>
             </a:p>
           </p:txBody>
@@ -1961,7 +2152,7 @@
             </a:xfrm>
             <a:prstGeom prst="diagStripe">
               <a:avLst>
-                <a:gd name="adj" fmla="val 50000"/>
+                <a:gd fmla="val 50000" name="adj"/>
               </a:avLst>
             </a:prstGeom>
             <a:solidFill>
@@ -1974,12 +2165,12 @@
             </a:ln>
           </p:spPr>
           <p:txBody>
-            <a:bodyPr spcFirstLastPara="1" wrap="square" lIns="91425" tIns="91425" rIns="91425" bIns="91425" anchor="ctr" anchorCtr="0">
+            <a:bodyPr anchorCtr="0" anchor="ctr" bIns="91425" lIns="91425" spcFirstLastPara="1" rIns="91425" wrap="square" tIns="91425">
               <a:noAutofit/>
             </a:bodyPr>
             <a:lstStyle/>
             <a:p>
-              <a:pPr marL="0" lvl="0" indent="0" algn="l" rtl="0">
+              <a:pPr indent="0" lvl="0" marL="0" rtl="0" algn="l">
                 <a:spcBef>
                   <a:spcPts val="0"/>
                 </a:spcBef>
@@ -1988,6 +2179,9 @@
                 </a:spcAft>
                 <a:buNone/>
               </a:pPr>
+              <a:r>
+                <a:t/>
+              </a:r>
               <a:endParaRPr/>
             </a:p>
           </p:txBody>
@@ -2005,7 +2199,7 @@
             </a:xfrm>
             <a:prstGeom prst="diagStripe">
               <a:avLst>
-                <a:gd name="adj" fmla="val 50000"/>
+                <a:gd fmla="val 50000" name="adj"/>
               </a:avLst>
             </a:prstGeom>
             <a:solidFill>
@@ -2016,12 +2210,12 @@
             </a:ln>
           </p:spPr>
           <p:txBody>
-            <a:bodyPr spcFirstLastPara="1" wrap="square" lIns="91425" tIns="91425" rIns="91425" bIns="91425" anchor="ctr" anchorCtr="0">
+            <a:bodyPr anchorCtr="0" anchor="ctr" bIns="91425" lIns="91425" spcFirstLastPara="1" rIns="91425" wrap="square" tIns="91425">
               <a:noAutofit/>
             </a:bodyPr>
             <a:lstStyle/>
             <a:p>
-              <a:pPr marL="0" lvl="0" indent="0" algn="l" rtl="0">
+              <a:pPr indent="0" lvl="0" marL="0" rtl="0" algn="l">
                 <a:spcBef>
                   <a:spcPts val="0"/>
                 </a:spcBef>
@@ -2030,6 +2224,9 @@
                 </a:spcAft>
                 <a:buNone/>
               </a:pPr>
+              <a:r>
+                <a:t/>
+              </a:r>
               <a:endParaRPr/>
             </a:p>
           </p:txBody>
@@ -2047,7 +2244,7 @@
             </a:xfrm>
             <a:prstGeom prst="diagStripe">
               <a:avLst>
-                <a:gd name="adj" fmla="val 50000"/>
+                <a:gd fmla="val 50000" name="adj"/>
               </a:avLst>
             </a:prstGeom>
             <a:solidFill>
@@ -2060,12 +2257,12 @@
             </a:ln>
           </p:spPr>
           <p:txBody>
-            <a:bodyPr spcFirstLastPara="1" wrap="square" lIns="91425" tIns="91425" rIns="91425" bIns="91425" anchor="ctr" anchorCtr="0">
+            <a:bodyPr anchorCtr="0" anchor="ctr" bIns="91425" lIns="91425" spcFirstLastPara="1" rIns="91425" wrap="square" tIns="91425">
               <a:noAutofit/>
             </a:bodyPr>
             <a:lstStyle/>
             <a:p>
-              <a:pPr marL="0" lvl="0" indent="0" algn="l" rtl="0">
+              <a:pPr indent="0" lvl="0" marL="0" rtl="0" algn="l">
                 <a:spcBef>
                   <a:spcPts val="0"/>
                 </a:spcBef>
@@ -2074,6 +2271,9 @@
                 </a:spcAft>
                 <a:buNone/>
               </a:pPr>
+              <a:r>
+                <a:t/>
+              </a:r>
               <a:endParaRPr/>
             </a:p>
           </p:txBody>
@@ -2091,7 +2291,7 @@
             </a:xfrm>
             <a:prstGeom prst="diagStripe">
               <a:avLst>
-                <a:gd name="adj" fmla="val 50000"/>
+                <a:gd fmla="val 50000" name="adj"/>
               </a:avLst>
             </a:prstGeom>
             <a:solidFill>
@@ -2104,12 +2304,12 @@
             </a:ln>
           </p:spPr>
           <p:txBody>
-            <a:bodyPr spcFirstLastPara="1" wrap="square" lIns="91425" tIns="91425" rIns="91425" bIns="91425" anchor="ctr" anchorCtr="0">
+            <a:bodyPr anchorCtr="0" anchor="ctr" bIns="91425" lIns="91425" spcFirstLastPara="1" rIns="91425" wrap="square" tIns="91425">
               <a:noAutofit/>
             </a:bodyPr>
             <a:lstStyle/>
             <a:p>
-              <a:pPr marL="0" lvl="0" indent="0" algn="l" rtl="0">
+              <a:pPr indent="0" lvl="0" marL="0" rtl="0" algn="l">
                 <a:spcBef>
                   <a:spcPts val="0"/>
                 </a:spcBef>
@@ -2118,6 +2318,9 @@
                 </a:spcAft>
                 <a:buNone/>
               </a:pPr>
+              <a:r>
+                <a:t/>
+              </a:r>
               <a:endParaRPr/>
             </a:p>
           </p:txBody>
@@ -2135,7 +2338,7 @@
             </a:xfrm>
             <a:prstGeom prst="diagStripe">
               <a:avLst>
-                <a:gd name="adj" fmla="val 50000"/>
+                <a:gd fmla="val 50000" name="adj"/>
               </a:avLst>
             </a:prstGeom>
             <a:solidFill>
@@ -2148,12 +2351,12 @@
             </a:ln>
           </p:spPr>
           <p:txBody>
-            <a:bodyPr spcFirstLastPara="1" wrap="square" lIns="91425" tIns="91425" rIns="91425" bIns="91425" anchor="ctr" anchorCtr="0">
+            <a:bodyPr anchorCtr="0" anchor="ctr" bIns="91425" lIns="91425" spcFirstLastPara="1" rIns="91425" wrap="square" tIns="91425">
               <a:noAutofit/>
             </a:bodyPr>
             <a:lstStyle/>
             <a:p>
-              <a:pPr marL="0" lvl="0" indent="0" algn="l" rtl="0">
+              <a:pPr indent="0" lvl="0" marL="0" rtl="0" algn="l">
                 <a:spcBef>
                   <a:spcPts val="0"/>
                 </a:spcBef>
@@ -2162,6 +2365,9 @@
                 </a:spcAft>
                 <a:buNone/>
               </a:pPr>
+              <a:r>
+                <a:t/>
+              </a:r>
               <a:endParaRPr/>
             </a:p>
           </p:txBody>
@@ -2179,7 +2385,7 @@
             </a:xfrm>
             <a:prstGeom prst="diagStripe">
               <a:avLst>
-                <a:gd name="adj" fmla="val 50000"/>
+                <a:gd fmla="val 50000" name="adj"/>
               </a:avLst>
             </a:prstGeom>
             <a:solidFill>
@@ -2192,12 +2398,12 @@
             </a:ln>
           </p:spPr>
           <p:txBody>
-            <a:bodyPr spcFirstLastPara="1" wrap="square" lIns="91425" tIns="91425" rIns="91425" bIns="91425" anchor="ctr" anchorCtr="0">
+            <a:bodyPr anchorCtr="0" anchor="ctr" bIns="91425" lIns="91425" spcFirstLastPara="1" rIns="91425" wrap="square" tIns="91425">
               <a:noAutofit/>
             </a:bodyPr>
             <a:lstStyle/>
             <a:p>
-              <a:pPr marL="0" lvl="0" indent="0" algn="l" rtl="0">
+              <a:pPr indent="0" lvl="0" marL="0" rtl="0" algn="l">
                 <a:spcBef>
                   <a:spcPts val="0"/>
                 </a:spcBef>
@@ -2206,6 +2412,9 @@
                 </a:spcAft>
                 <a:buNone/>
               </a:pPr>
+              <a:r>
+                <a:t/>
+              </a:r>
               <a:endParaRPr/>
             </a:p>
           </p:txBody>
@@ -2223,7 +2432,7 @@
             </a:xfrm>
             <a:prstGeom prst="diagStripe">
               <a:avLst>
-                <a:gd name="adj" fmla="val 50000"/>
+                <a:gd fmla="val 50000" name="adj"/>
               </a:avLst>
             </a:prstGeom>
             <a:solidFill>
@@ -2236,12 +2445,12 @@
             </a:ln>
           </p:spPr>
           <p:txBody>
-            <a:bodyPr spcFirstLastPara="1" wrap="square" lIns="91425" tIns="91425" rIns="91425" bIns="91425" anchor="ctr" anchorCtr="0">
+            <a:bodyPr anchorCtr="0" anchor="ctr" bIns="91425" lIns="91425" spcFirstLastPara="1" rIns="91425" wrap="square" tIns="91425">
               <a:noAutofit/>
             </a:bodyPr>
             <a:lstStyle/>
             <a:p>
-              <a:pPr marL="0" lvl="0" indent="0" algn="l" rtl="0">
+              <a:pPr indent="0" lvl="0" marL="0" rtl="0" algn="l">
                 <a:spcBef>
                   <a:spcPts val="0"/>
                 </a:spcBef>
@@ -2250,6 +2459,9 @@
                 </a:spcAft>
                 <a:buNone/>
               </a:pPr>
+              <a:r>
+                <a:t/>
+              </a:r>
               <a:endParaRPr/>
             </a:p>
           </p:txBody>
@@ -2267,7 +2479,7 @@
             </a:xfrm>
             <a:prstGeom prst="diagStripe">
               <a:avLst>
-                <a:gd name="adj" fmla="val 50000"/>
+                <a:gd fmla="val 50000" name="adj"/>
               </a:avLst>
             </a:prstGeom>
             <a:solidFill>
@@ -2278,12 +2490,12 @@
             </a:ln>
           </p:spPr>
           <p:txBody>
-            <a:bodyPr spcFirstLastPara="1" wrap="square" lIns="91425" tIns="91425" rIns="91425" bIns="91425" anchor="ctr" anchorCtr="0">
+            <a:bodyPr anchorCtr="0" anchor="ctr" bIns="91425" lIns="91425" spcFirstLastPara="1" rIns="91425" wrap="square" tIns="91425">
               <a:noAutofit/>
             </a:bodyPr>
             <a:lstStyle/>
             <a:p>
-              <a:pPr marL="0" lvl="0" indent="0" algn="l" rtl="0">
+              <a:pPr indent="0" lvl="0" marL="0" rtl="0" algn="l">
                 <a:spcBef>
                   <a:spcPts val="0"/>
                 </a:spcBef>
@@ -2292,6 +2504,9 @@
                 </a:spcAft>
                 <a:buNone/>
               </a:pPr>
+              <a:r>
+                <a:t/>
+              </a:r>
               <a:endParaRPr/>
             </a:p>
           </p:txBody>
@@ -2309,7 +2524,7 @@
             </a:xfrm>
             <a:prstGeom prst="diagStripe">
               <a:avLst>
-                <a:gd name="adj" fmla="val 50000"/>
+                <a:gd fmla="val 50000" name="adj"/>
               </a:avLst>
             </a:prstGeom>
             <a:solidFill>
@@ -2322,12 +2537,12 @@
             </a:ln>
           </p:spPr>
           <p:txBody>
-            <a:bodyPr spcFirstLastPara="1" wrap="square" lIns="91425" tIns="91425" rIns="91425" bIns="91425" anchor="ctr" anchorCtr="0">
+            <a:bodyPr anchorCtr="0" anchor="ctr" bIns="91425" lIns="91425" spcFirstLastPara="1" rIns="91425" wrap="square" tIns="91425">
               <a:noAutofit/>
             </a:bodyPr>
             <a:lstStyle/>
             <a:p>
-              <a:pPr marL="0" lvl="0" indent="0" algn="l" rtl="0">
+              <a:pPr indent="0" lvl="0" marL="0" rtl="0" algn="l">
                 <a:spcBef>
                   <a:spcPts val="0"/>
                 </a:spcBef>
@@ -2336,6 +2551,9 @@
                 </a:spcAft>
                 <a:buNone/>
               </a:pPr>
+              <a:r>
+                <a:t/>
+              </a:r>
               <a:endParaRPr/>
             </a:p>
           </p:txBody>
@@ -2353,7 +2571,7 @@
             </a:xfrm>
             <a:prstGeom prst="diagStripe">
               <a:avLst>
-                <a:gd name="adj" fmla="val 50000"/>
+                <a:gd fmla="val 50000" name="adj"/>
               </a:avLst>
             </a:prstGeom>
             <a:solidFill>
@@ -2366,12 +2584,12 @@
             </a:ln>
           </p:spPr>
           <p:txBody>
-            <a:bodyPr spcFirstLastPara="1" wrap="square" lIns="91425" tIns="91425" rIns="91425" bIns="91425" anchor="ctr" anchorCtr="0">
+            <a:bodyPr anchorCtr="0" anchor="ctr" bIns="91425" lIns="91425" spcFirstLastPara="1" rIns="91425" wrap="square" tIns="91425">
               <a:noAutofit/>
             </a:bodyPr>
             <a:lstStyle/>
             <a:p>
-              <a:pPr marL="0" lvl="0" indent="0" algn="l" rtl="0">
+              <a:pPr indent="0" lvl="0" marL="0" rtl="0" algn="l">
                 <a:spcBef>
                   <a:spcPts val="0"/>
                 </a:spcBef>
@@ -2380,6 +2598,9 @@
                 </a:spcAft>
                 <a:buNone/>
               </a:pPr>
+              <a:r>
+                <a:t/>
+              </a:r>
               <a:endParaRPr/>
             </a:p>
           </p:txBody>
@@ -2397,7 +2618,7 @@
             </a:xfrm>
             <a:prstGeom prst="diagStripe">
               <a:avLst>
-                <a:gd name="adj" fmla="val 50000"/>
+                <a:gd fmla="val 50000" name="adj"/>
               </a:avLst>
             </a:prstGeom>
             <a:solidFill>
@@ -2410,12 +2631,12 @@
             </a:ln>
           </p:spPr>
           <p:txBody>
-            <a:bodyPr spcFirstLastPara="1" wrap="square" lIns="91425" tIns="91425" rIns="91425" bIns="91425" anchor="ctr" anchorCtr="0">
+            <a:bodyPr anchorCtr="0" anchor="ctr" bIns="91425" lIns="91425" spcFirstLastPara="1" rIns="91425" wrap="square" tIns="91425">
               <a:noAutofit/>
             </a:bodyPr>
             <a:lstStyle/>
             <a:p>
-              <a:pPr marL="0" lvl="0" indent="0" algn="l" rtl="0">
+              <a:pPr indent="0" lvl="0" marL="0" rtl="0" algn="l">
                 <a:spcBef>
                   <a:spcPts val="0"/>
                 </a:spcBef>
@@ -2424,6 +2645,9 @@
                 </a:spcAft>
                 <a:buNone/>
               </a:pPr>
+              <a:r>
+                <a:t/>
+              </a:r>
               <a:endParaRPr/>
             </a:p>
           </p:txBody>
@@ -2441,7 +2665,7 @@
             </a:xfrm>
             <a:prstGeom prst="diagStripe">
               <a:avLst>
-                <a:gd name="adj" fmla="val 50000"/>
+                <a:gd fmla="val 50000" name="adj"/>
               </a:avLst>
             </a:prstGeom>
             <a:solidFill>
@@ -2454,12 +2678,12 @@
             </a:ln>
           </p:spPr>
           <p:txBody>
-            <a:bodyPr spcFirstLastPara="1" wrap="square" lIns="91425" tIns="91425" rIns="91425" bIns="91425" anchor="ctr" anchorCtr="0">
+            <a:bodyPr anchorCtr="0" anchor="ctr" bIns="91425" lIns="91425" spcFirstLastPara="1" rIns="91425" wrap="square" tIns="91425">
               <a:noAutofit/>
             </a:bodyPr>
             <a:lstStyle/>
             <a:p>
-              <a:pPr marL="0" lvl="0" indent="0" algn="l" rtl="0">
+              <a:pPr indent="0" lvl="0" marL="0" rtl="0" algn="l">
                 <a:spcBef>
                   <a:spcPts val="0"/>
                 </a:spcBef>
@@ -2468,6 +2692,9 @@
                 </a:spcAft>
                 <a:buNone/>
               </a:pPr>
+              <a:r>
+                <a:t/>
+              </a:r>
               <a:endParaRPr/>
             </a:p>
           </p:txBody>
@@ -2476,11 +2703,9 @@
       <p:sp>
         <p:nvSpPr>
           <p:cNvPr id="125" name="Google Shape;125;p11"/>
-          <p:cNvSpPr txBox="1">
-            <a:spLocks noGrp="1"/>
-          </p:cNvSpPr>
+          <p:cNvSpPr txBox="1"/>
           <p:nvPr>
-            <p:ph type="title" hasCustomPrompt="1"/>
+            <p:ph hasCustomPrompt="1" type="title"/>
           </p:nvPr>
         </p:nvSpPr>
         <p:spPr>
@@ -2493,7 +2718,7 @@
           </a:prstGeom>
         </p:spPr>
         <p:txBody>
-          <a:bodyPr spcFirstLastPara="1" wrap="square" lIns="91425" tIns="91425" rIns="91425" bIns="91425" anchor="t" anchorCtr="0">
+          <a:bodyPr anchorCtr="0" anchor="t" bIns="91425" lIns="91425" spcFirstLastPara="1" rIns="91425" wrap="square" tIns="91425">
             <a:normAutofit/>
           </a:bodyPr>
           <a:lstStyle>
@@ -2607,11 +2832,9 @@
       <p:sp>
         <p:nvSpPr>
           <p:cNvPr id="126" name="Google Shape;126;p11"/>
-          <p:cNvSpPr txBox="1">
-            <a:spLocks noGrp="1"/>
-          </p:cNvSpPr>
+          <p:cNvSpPr txBox="1"/>
           <p:nvPr>
-            <p:ph type="body" idx="1"/>
+            <p:ph idx="1" type="body"/>
           </p:nvPr>
         </p:nvSpPr>
         <p:spPr>
@@ -2624,11 +2847,11 @@
           </a:prstGeom>
         </p:spPr>
         <p:txBody>
-          <a:bodyPr spcFirstLastPara="1" wrap="square" lIns="91425" tIns="91425" rIns="91425" bIns="91425" anchor="t" anchorCtr="0">
+          <a:bodyPr anchorCtr="0" anchor="t" bIns="91425" lIns="91425" spcFirstLastPara="1" rIns="91425" wrap="square" tIns="91425">
             <a:normAutofit/>
           </a:bodyPr>
           <a:lstStyle>
-            <a:lvl1pPr marL="457200" lvl="0" indent="-311150">
+            <a:lvl1pPr indent="-311150" lvl="0" marL="457200">
               <a:spcBef>
                 <a:spcPts val="0"/>
               </a:spcBef>
@@ -2639,7 +2862,7 @@
               <a:buChar char="●"/>
               <a:defRPr/>
             </a:lvl1pPr>
-            <a:lvl2pPr marL="914400" lvl="1" indent="-298450">
+            <a:lvl2pPr indent="-298450" lvl="1" marL="914400">
               <a:spcBef>
                 <a:spcPts val="0"/>
               </a:spcBef>
@@ -2650,7 +2873,7 @@
               <a:buChar char="○"/>
               <a:defRPr/>
             </a:lvl2pPr>
-            <a:lvl3pPr marL="1371600" lvl="2" indent="-298450">
+            <a:lvl3pPr indent="-298450" lvl="2" marL="1371600">
               <a:spcBef>
                 <a:spcPts val="0"/>
               </a:spcBef>
@@ -2661,7 +2884,7 @@
               <a:buChar char="■"/>
               <a:defRPr/>
             </a:lvl3pPr>
-            <a:lvl4pPr marL="1828800" lvl="3" indent="-298450">
+            <a:lvl4pPr indent="-298450" lvl="3" marL="1828800">
               <a:spcBef>
                 <a:spcPts val="0"/>
               </a:spcBef>
@@ -2672,7 +2895,7 @@
               <a:buChar char="●"/>
               <a:defRPr/>
             </a:lvl4pPr>
-            <a:lvl5pPr marL="2286000" lvl="4" indent="-298450">
+            <a:lvl5pPr indent="-298450" lvl="4" marL="2286000">
               <a:spcBef>
                 <a:spcPts val="0"/>
               </a:spcBef>
@@ -2683,7 +2906,7 @@
               <a:buChar char="○"/>
               <a:defRPr/>
             </a:lvl5pPr>
-            <a:lvl6pPr marL="2743200" lvl="5" indent="-298450">
+            <a:lvl6pPr indent="-298450" lvl="5" marL="2743200">
               <a:spcBef>
                 <a:spcPts val="0"/>
               </a:spcBef>
@@ -2694,7 +2917,7 @@
               <a:buChar char="■"/>
               <a:defRPr/>
             </a:lvl6pPr>
-            <a:lvl7pPr marL="3200400" lvl="6" indent="-298450">
+            <a:lvl7pPr indent="-298450" lvl="6" marL="3200400">
               <a:spcBef>
                 <a:spcPts val="0"/>
               </a:spcBef>
@@ -2705,7 +2928,7 @@
               <a:buChar char="●"/>
               <a:defRPr/>
             </a:lvl7pPr>
-            <a:lvl8pPr marL="3657600" lvl="7" indent="-298450">
+            <a:lvl8pPr indent="-298450" lvl="7" marL="3657600">
               <a:spcBef>
                 <a:spcPts val="0"/>
               </a:spcBef>
@@ -2716,7 +2939,7 @@
               <a:buChar char="○"/>
               <a:defRPr/>
             </a:lvl8pPr>
-            <a:lvl9pPr marL="4114800" lvl="8" indent="-298450">
+            <a:lvl9pPr indent="-298450" lvl="8" marL="4114800">
               <a:spcBef>
                 <a:spcPts val="0"/>
               </a:spcBef>
@@ -2728,19 +2951,15 @@
               <a:defRPr/>
             </a:lvl9pPr>
           </a:lstStyle>
-          <a:p>
-            <a:endParaRPr/>
-          </a:p>
+          <a:p/>
         </p:txBody>
       </p:sp>
       <p:sp>
         <p:nvSpPr>
           <p:cNvPr id="127" name="Google Shape;127;p11"/>
-          <p:cNvSpPr txBox="1">
-            <a:spLocks noGrp="1"/>
-          </p:cNvSpPr>
+          <p:cNvSpPr txBox="1"/>
           <p:nvPr>
-            <p:ph type="sldNum" idx="12"/>
+            <p:ph idx="12" type="sldNum"/>
           </p:nvPr>
         </p:nvSpPr>
         <p:spPr>
@@ -2753,7 +2972,7 @@
           </a:prstGeom>
         </p:spPr>
         <p:txBody>
-          <a:bodyPr spcFirstLastPara="1" wrap="square" lIns="91425" tIns="91425" rIns="91425" bIns="91425" anchor="ctr" anchorCtr="0">
+          <a:bodyPr anchorCtr="0" anchor="ctr" bIns="91425" lIns="91425" spcFirstLastPara="1" rIns="91425" wrap="square" tIns="91425">
             <a:normAutofit/>
           </a:bodyPr>
           <a:lstStyle>
@@ -2795,7 +3014,7 @@
             </a:lvl9pPr>
           </a:lstStyle>
           <a:p>
-            <a:pPr marL="0" lvl="0" indent="0" algn="r" rtl="0">
+            <a:pPr indent="0" lvl="0" marL="0" rtl="0" algn="r">
               <a:spcBef>
                 <a:spcPts val="0"/>
               </a:spcBef>
@@ -2821,11 +3040,11 @@
 </file>
 
 <file path=ppt/slideLayouts/slideLayout11.xml><?xml version="1.0" encoding="utf-8"?>
-<p:sldLayout xmlns:a="http://schemas.openxmlformats.org/drawingml/2006/main" xmlns:r="http://schemas.openxmlformats.org/officeDocument/2006/relationships" xmlns:p="http://schemas.openxmlformats.org/presentationml/2006/main" matchingName="Blank" type="blank">
+<p:sldLayout xmlns:a="http://schemas.openxmlformats.org/drawingml/2006/main" xmlns:r="http://schemas.openxmlformats.org/officeDocument/2006/relationships" xmlns:mc="http://schemas.openxmlformats.org/markup-compatibility/2006" xmlns:mv="urn:schemas-microsoft-com:mac:vml" xmlns:p="http://schemas.openxmlformats.org/presentationml/2006/main" xmlns:c="http://schemas.openxmlformats.org/drawingml/2006/chart" xmlns:dgm="http://schemas.openxmlformats.org/drawingml/2006/diagram" xmlns:o="urn:schemas-microsoft-com:office:office" xmlns:v="urn:schemas-microsoft-com:vml" xmlns:pvml="urn:schemas-microsoft-com:office:powerpoint" xmlns:com="http://schemas.openxmlformats.org/drawingml/2006/compatibility" xmlns:p14="http://schemas.microsoft.com/office/powerpoint/2010/main" xmlns:p15="http://schemas.microsoft.com/office/powerpoint/2012/main" xmlns:ahyp="http://schemas.microsoft.com/office/drawing/2018/hyperlinkcolor" matchingName="Blank" type="blank">
   <p:cSld name="BLANK">
     <p:spTree>
       <p:nvGrpSpPr>
-        <p:cNvPr id="1" name="Shape 128"/>
+        <p:cNvPr id="128" name="Shape 128"/>
         <p:cNvGrpSpPr/>
         <p:nvPr/>
       </p:nvGrpSpPr>
@@ -2840,11 +3059,9 @@
       <p:sp>
         <p:nvSpPr>
           <p:cNvPr id="129" name="Google Shape;129;p12"/>
-          <p:cNvSpPr txBox="1">
-            <a:spLocks noGrp="1"/>
-          </p:cNvSpPr>
+          <p:cNvSpPr txBox="1"/>
           <p:nvPr>
-            <p:ph type="sldNum" idx="12"/>
+            <p:ph idx="12" type="sldNum"/>
           </p:nvPr>
         </p:nvSpPr>
         <p:spPr>
@@ -2857,7 +3074,7 @@
           </a:prstGeom>
         </p:spPr>
         <p:txBody>
-          <a:bodyPr spcFirstLastPara="1" wrap="square" lIns="91425" tIns="91425" rIns="91425" bIns="91425" anchor="ctr" anchorCtr="0">
+          <a:bodyPr anchorCtr="0" anchor="ctr" bIns="91425" lIns="91425" spcFirstLastPara="1" rIns="91425" wrap="square" tIns="91425">
             <a:normAutofit/>
           </a:bodyPr>
           <a:lstStyle>
@@ -2899,7 +3116,7 @@
             </a:lvl9pPr>
           </a:lstStyle>
           <a:p>
-            <a:pPr marL="0" lvl="0" indent="0" algn="r" rtl="0">
+            <a:pPr indent="0" lvl="0" marL="0" rtl="0" algn="r">
               <a:spcBef>
                 <a:spcPts val="0"/>
               </a:spcBef>
@@ -2925,11 +3142,11 @@
 </file>
 
 <file path=ppt/slideLayouts/slideLayout2.xml><?xml version="1.0" encoding="utf-8"?>
-<p:sldLayout xmlns:a="http://schemas.openxmlformats.org/drawingml/2006/main" xmlns:r="http://schemas.openxmlformats.org/officeDocument/2006/relationships" xmlns:p="http://schemas.openxmlformats.org/presentationml/2006/main" matchingName="Section header" type="secHead">
+<p:sldLayout xmlns:a="http://schemas.openxmlformats.org/drawingml/2006/main" xmlns:r="http://schemas.openxmlformats.org/officeDocument/2006/relationships" xmlns:mc="http://schemas.openxmlformats.org/markup-compatibility/2006" xmlns:mv="urn:schemas-microsoft-com:mac:vml" xmlns:p="http://schemas.openxmlformats.org/presentationml/2006/main" xmlns:c="http://schemas.openxmlformats.org/drawingml/2006/chart" xmlns:dgm="http://schemas.openxmlformats.org/drawingml/2006/diagram" xmlns:o="urn:schemas-microsoft-com:office:office" xmlns:v="urn:schemas-microsoft-com:vml" xmlns:pvml="urn:schemas-microsoft-com:office:powerpoint" xmlns:com="http://schemas.openxmlformats.org/drawingml/2006/compatibility" xmlns:p14="http://schemas.microsoft.com/office/powerpoint/2010/main" xmlns:p15="http://schemas.microsoft.com/office/powerpoint/2012/main" xmlns:ahyp="http://schemas.microsoft.com/office/drawing/2018/hyperlinkcolor" matchingName="Section header" type="secHead">
   <p:cSld name="SECTION_HEADER">
     <p:spTree>
       <p:nvGrpSpPr>
-        <p:cNvPr id="1" name="Shape 19"/>
+        <p:cNvPr id="19" name="Shape 19"/>
         <p:cNvGrpSpPr/>
         <p:nvPr/>
       </p:nvGrpSpPr>
@@ -2968,7 +3185,7 @@
             </a:xfrm>
             <a:prstGeom prst="diagStripe">
               <a:avLst>
-                <a:gd name="adj" fmla="val 49469"/>
+                <a:gd fmla="val 49469" name="adj"/>
               </a:avLst>
             </a:prstGeom>
             <a:solidFill>
@@ -2981,12 +3198,12 @@
             </a:ln>
           </p:spPr>
           <p:txBody>
-            <a:bodyPr spcFirstLastPara="1" wrap="square" lIns="91425" tIns="91425" rIns="91425" bIns="91425" anchor="ctr" anchorCtr="0">
+            <a:bodyPr anchorCtr="0" anchor="ctr" bIns="91425" lIns="91425" spcFirstLastPara="1" rIns="91425" wrap="square" tIns="91425">
               <a:noAutofit/>
             </a:bodyPr>
             <a:lstStyle/>
             <a:p>
-              <a:pPr marL="0" lvl="0" indent="0" algn="l" rtl="0">
+              <a:pPr indent="0" lvl="0" marL="0" rtl="0" algn="l">
                 <a:spcBef>
                   <a:spcPts val="0"/>
                 </a:spcBef>
@@ -2995,6 +3212,9 @@
                 </a:spcAft>
                 <a:buNone/>
               </a:pPr>
+              <a:r>
+                <a:t/>
+              </a:r>
               <a:endParaRPr/>
             </a:p>
           </p:txBody>
@@ -3012,7 +3232,7 @@
             </a:xfrm>
             <a:prstGeom prst="diagStripe">
               <a:avLst>
-                <a:gd name="adj" fmla="val 0"/>
+                <a:gd fmla="val 0" name="adj"/>
               </a:avLst>
             </a:prstGeom>
             <a:solidFill>
@@ -3025,12 +3245,12 @@
             </a:ln>
           </p:spPr>
           <p:txBody>
-            <a:bodyPr spcFirstLastPara="1" wrap="square" lIns="91425" tIns="91425" rIns="91425" bIns="91425" anchor="ctr" anchorCtr="0">
+            <a:bodyPr anchorCtr="0" anchor="ctr" bIns="91425" lIns="91425" spcFirstLastPara="1" rIns="91425" wrap="square" tIns="91425">
               <a:noAutofit/>
             </a:bodyPr>
             <a:lstStyle/>
             <a:p>
-              <a:pPr marL="0" lvl="0" indent="0" algn="l" rtl="0">
+              <a:pPr indent="0" lvl="0" marL="0" rtl="0" algn="l">
                 <a:spcBef>
                   <a:spcPts val="0"/>
                 </a:spcBef>
@@ -3039,6 +3259,9 @@
                 </a:spcAft>
                 <a:buNone/>
               </a:pPr>
+              <a:r>
+                <a:t/>
+              </a:r>
               <a:endParaRPr/>
             </a:p>
           </p:txBody>
@@ -3056,7 +3279,7 @@
             </a:xfrm>
             <a:prstGeom prst="diagStripe">
               <a:avLst>
-                <a:gd name="adj" fmla="val 50000"/>
+                <a:gd fmla="val 50000" name="adj"/>
               </a:avLst>
             </a:prstGeom>
             <a:solidFill>
@@ -3069,12 +3292,12 @@
             </a:ln>
           </p:spPr>
           <p:txBody>
-            <a:bodyPr spcFirstLastPara="1" wrap="square" lIns="91425" tIns="91425" rIns="91425" bIns="91425" anchor="ctr" anchorCtr="0">
+            <a:bodyPr anchorCtr="0" anchor="ctr" bIns="91425" lIns="91425" spcFirstLastPara="1" rIns="91425" wrap="square" tIns="91425">
               <a:noAutofit/>
             </a:bodyPr>
             <a:lstStyle/>
             <a:p>
-              <a:pPr marL="0" lvl="0" indent="0" algn="l" rtl="0">
+              <a:pPr indent="0" lvl="0" marL="0" rtl="0" algn="l">
                 <a:spcBef>
                   <a:spcPts val="0"/>
                 </a:spcBef>
@@ -3083,6 +3306,9 @@
                 </a:spcAft>
                 <a:buNone/>
               </a:pPr>
+              <a:r>
+                <a:t/>
+              </a:r>
               <a:endParaRPr/>
             </a:p>
           </p:txBody>
@@ -3100,7 +3326,7 @@
             </a:xfrm>
             <a:prstGeom prst="diagStripe">
               <a:avLst>
-                <a:gd name="adj" fmla="val 50000"/>
+                <a:gd fmla="val 50000" name="adj"/>
               </a:avLst>
             </a:prstGeom>
             <a:solidFill>
@@ -3113,12 +3339,12 @@
             </a:ln>
           </p:spPr>
           <p:txBody>
-            <a:bodyPr spcFirstLastPara="1" wrap="square" lIns="91425" tIns="91425" rIns="91425" bIns="91425" anchor="ctr" anchorCtr="0">
+            <a:bodyPr anchorCtr="0" anchor="ctr" bIns="91425" lIns="91425" spcFirstLastPara="1" rIns="91425" wrap="square" tIns="91425">
               <a:noAutofit/>
             </a:bodyPr>
             <a:lstStyle/>
             <a:p>
-              <a:pPr marL="0" lvl="0" indent="0" algn="l" rtl="0">
+              <a:pPr indent="0" lvl="0" marL="0" rtl="0" algn="l">
                 <a:spcBef>
                   <a:spcPts val="0"/>
                 </a:spcBef>
@@ -3127,6 +3353,9 @@
                 </a:spcAft>
                 <a:buNone/>
               </a:pPr>
+              <a:r>
+                <a:t/>
+              </a:r>
               <a:endParaRPr/>
             </a:p>
           </p:txBody>
@@ -3144,7 +3373,7 @@
             </a:xfrm>
             <a:prstGeom prst="diagStripe">
               <a:avLst>
-                <a:gd name="adj" fmla="val 50000"/>
+                <a:gd fmla="val 50000" name="adj"/>
               </a:avLst>
             </a:prstGeom>
             <a:solidFill>
@@ -3157,12 +3386,12 @@
             </a:ln>
           </p:spPr>
           <p:txBody>
-            <a:bodyPr spcFirstLastPara="1" wrap="square" lIns="91425" tIns="91425" rIns="91425" bIns="91425" anchor="ctr" anchorCtr="0">
+            <a:bodyPr anchorCtr="0" anchor="ctr" bIns="91425" lIns="91425" spcFirstLastPara="1" rIns="91425" wrap="square" tIns="91425">
               <a:noAutofit/>
             </a:bodyPr>
             <a:lstStyle/>
             <a:p>
-              <a:pPr marL="0" lvl="0" indent="0" algn="l" rtl="0">
+              <a:pPr indent="0" lvl="0" marL="0" rtl="0" algn="l">
                 <a:spcBef>
                   <a:spcPts val="0"/>
                 </a:spcBef>
@@ -3171,6 +3400,9 @@
                 </a:spcAft>
                 <a:buNone/>
               </a:pPr>
+              <a:r>
+                <a:t/>
+              </a:r>
               <a:endParaRPr/>
             </a:p>
           </p:txBody>
@@ -3188,7 +3420,7 @@
             </a:xfrm>
             <a:prstGeom prst="diagStripe">
               <a:avLst>
-                <a:gd name="adj" fmla="val 50000"/>
+                <a:gd fmla="val 50000" name="adj"/>
               </a:avLst>
             </a:prstGeom>
             <a:solidFill>
@@ -3201,12 +3433,12 @@
             </a:ln>
           </p:spPr>
           <p:txBody>
-            <a:bodyPr spcFirstLastPara="1" wrap="square" lIns="91425" tIns="91425" rIns="91425" bIns="91425" anchor="ctr" anchorCtr="0">
+            <a:bodyPr anchorCtr="0" anchor="ctr" bIns="91425" lIns="91425" spcFirstLastPara="1" rIns="91425" wrap="square" tIns="91425">
               <a:noAutofit/>
             </a:bodyPr>
             <a:lstStyle/>
             <a:p>
-              <a:pPr marL="0" lvl="0" indent="0" algn="l" rtl="0">
+              <a:pPr indent="0" lvl="0" marL="0" rtl="0" algn="l">
                 <a:spcBef>
                   <a:spcPts val="0"/>
                 </a:spcBef>
@@ -3215,6 +3447,9 @@
                 </a:spcAft>
                 <a:buNone/>
               </a:pPr>
+              <a:r>
+                <a:t/>
+              </a:r>
               <a:endParaRPr/>
             </a:p>
           </p:txBody>
@@ -3232,7 +3467,7 @@
             </a:xfrm>
             <a:prstGeom prst="diagStripe">
               <a:avLst>
-                <a:gd name="adj" fmla="val 50000"/>
+                <a:gd fmla="val 50000" name="adj"/>
               </a:avLst>
             </a:prstGeom>
             <a:solidFill>
@@ -3245,12 +3480,12 @@
             </a:ln>
           </p:spPr>
           <p:txBody>
-            <a:bodyPr spcFirstLastPara="1" wrap="square" lIns="91425" tIns="91425" rIns="91425" bIns="91425" anchor="ctr" anchorCtr="0">
+            <a:bodyPr anchorCtr="0" anchor="ctr" bIns="91425" lIns="91425" spcFirstLastPara="1" rIns="91425" wrap="square" tIns="91425">
               <a:noAutofit/>
             </a:bodyPr>
             <a:lstStyle/>
             <a:p>
-              <a:pPr marL="0" lvl="0" indent="0" algn="l" rtl="0">
+              <a:pPr indent="0" lvl="0" marL="0" rtl="0" algn="l">
                 <a:spcBef>
                   <a:spcPts val="0"/>
                 </a:spcBef>
@@ -3259,6 +3494,9 @@
                 </a:spcAft>
                 <a:buNone/>
               </a:pPr>
+              <a:r>
+                <a:t/>
+              </a:r>
               <a:endParaRPr/>
             </a:p>
           </p:txBody>
@@ -3276,7 +3514,7 @@
             </a:xfrm>
             <a:prstGeom prst="diagStripe">
               <a:avLst>
-                <a:gd name="adj" fmla="val 50000"/>
+                <a:gd fmla="val 50000" name="adj"/>
               </a:avLst>
             </a:prstGeom>
             <a:solidFill>
@@ -3287,12 +3525,12 @@
             </a:ln>
           </p:spPr>
           <p:txBody>
-            <a:bodyPr spcFirstLastPara="1" wrap="square" lIns="91425" tIns="91425" rIns="91425" bIns="91425" anchor="ctr" anchorCtr="0">
+            <a:bodyPr anchorCtr="0" anchor="ctr" bIns="91425" lIns="91425" spcFirstLastPara="1" rIns="91425" wrap="square" tIns="91425">
               <a:noAutofit/>
             </a:bodyPr>
             <a:lstStyle/>
             <a:p>
-              <a:pPr marL="0" lvl="0" indent="0" algn="l" rtl="0">
+              <a:pPr indent="0" lvl="0" marL="0" rtl="0" algn="l">
                 <a:spcBef>
                   <a:spcPts val="0"/>
                 </a:spcBef>
@@ -3301,6 +3539,9 @@
                 </a:spcAft>
                 <a:buNone/>
               </a:pPr>
+              <a:r>
+                <a:t/>
+              </a:r>
               <a:endParaRPr/>
             </a:p>
           </p:txBody>
@@ -3318,7 +3559,7 @@
             </a:xfrm>
             <a:prstGeom prst="diagStripe">
               <a:avLst>
-                <a:gd name="adj" fmla="val 50000"/>
+                <a:gd fmla="val 50000" name="adj"/>
               </a:avLst>
             </a:prstGeom>
             <a:solidFill>
@@ -3331,12 +3572,12 @@
             </a:ln>
           </p:spPr>
           <p:txBody>
-            <a:bodyPr spcFirstLastPara="1" wrap="square" lIns="91425" tIns="91425" rIns="91425" bIns="91425" anchor="ctr" anchorCtr="0">
+            <a:bodyPr anchorCtr="0" anchor="ctr" bIns="91425" lIns="91425" spcFirstLastPara="1" rIns="91425" wrap="square" tIns="91425">
               <a:noAutofit/>
             </a:bodyPr>
             <a:lstStyle/>
             <a:p>
-              <a:pPr marL="0" lvl="0" indent="0" algn="l" rtl="0">
+              <a:pPr indent="0" lvl="0" marL="0" rtl="0" algn="l">
                 <a:spcBef>
                   <a:spcPts val="0"/>
                 </a:spcBef>
@@ -3345,6 +3586,9 @@
                 </a:spcAft>
                 <a:buNone/>
               </a:pPr>
+              <a:r>
+                <a:t/>
+              </a:r>
               <a:endParaRPr/>
             </a:p>
           </p:txBody>
@@ -3362,7 +3606,7 @@
             </a:xfrm>
             <a:prstGeom prst="diagStripe">
               <a:avLst>
-                <a:gd name="adj" fmla="val 50000"/>
+                <a:gd fmla="val 50000" name="adj"/>
               </a:avLst>
             </a:prstGeom>
             <a:solidFill>
@@ -3375,12 +3619,12 @@
             </a:ln>
           </p:spPr>
           <p:txBody>
-            <a:bodyPr spcFirstLastPara="1" wrap="square" lIns="91425" tIns="91425" rIns="91425" bIns="91425" anchor="ctr" anchorCtr="0">
+            <a:bodyPr anchorCtr="0" anchor="ctr" bIns="91425" lIns="91425" spcFirstLastPara="1" rIns="91425" wrap="square" tIns="91425">
               <a:noAutofit/>
             </a:bodyPr>
             <a:lstStyle/>
             <a:p>
-              <a:pPr marL="0" lvl="0" indent="0" algn="l" rtl="0">
+              <a:pPr indent="0" lvl="0" marL="0" rtl="0" algn="l">
                 <a:spcBef>
                   <a:spcPts val="0"/>
                 </a:spcBef>
@@ -3389,6 +3633,9 @@
                 </a:spcAft>
                 <a:buNone/>
               </a:pPr>
+              <a:r>
+                <a:t/>
+              </a:r>
               <a:endParaRPr/>
             </a:p>
           </p:txBody>
@@ -3406,7 +3653,7 @@
             </a:xfrm>
             <a:prstGeom prst="diagStripe">
               <a:avLst>
-                <a:gd name="adj" fmla="val 50000"/>
+                <a:gd fmla="val 50000" name="adj"/>
               </a:avLst>
             </a:prstGeom>
             <a:solidFill>
@@ -3419,12 +3666,12 @@
             </a:ln>
           </p:spPr>
           <p:txBody>
-            <a:bodyPr spcFirstLastPara="1" wrap="square" lIns="91425" tIns="91425" rIns="91425" bIns="91425" anchor="ctr" anchorCtr="0">
+            <a:bodyPr anchorCtr="0" anchor="ctr" bIns="91425" lIns="91425" spcFirstLastPara="1" rIns="91425" wrap="square" tIns="91425">
               <a:noAutofit/>
             </a:bodyPr>
             <a:lstStyle/>
             <a:p>
-              <a:pPr marL="0" lvl="0" indent="0" algn="l" rtl="0">
+              <a:pPr indent="0" lvl="0" marL="0" rtl="0" algn="l">
                 <a:spcBef>
                   <a:spcPts val="0"/>
                 </a:spcBef>
@@ -3433,6 +3680,9 @@
                 </a:spcAft>
                 <a:buNone/>
               </a:pPr>
+              <a:r>
+                <a:t/>
+              </a:r>
               <a:endParaRPr/>
             </a:p>
           </p:txBody>
@@ -3450,7 +3700,7 @@
             </a:xfrm>
             <a:prstGeom prst="diagStripe">
               <a:avLst>
-                <a:gd name="adj" fmla="val 50000"/>
+                <a:gd fmla="val 50000" name="adj"/>
               </a:avLst>
             </a:prstGeom>
             <a:solidFill>
@@ -3463,12 +3713,12 @@
             </a:ln>
           </p:spPr>
           <p:txBody>
-            <a:bodyPr spcFirstLastPara="1" wrap="square" lIns="91425" tIns="91425" rIns="91425" bIns="91425" anchor="ctr" anchorCtr="0">
+            <a:bodyPr anchorCtr="0" anchor="ctr" bIns="91425" lIns="91425" spcFirstLastPara="1" rIns="91425" wrap="square" tIns="91425">
               <a:noAutofit/>
             </a:bodyPr>
             <a:lstStyle/>
             <a:p>
-              <a:pPr marL="0" lvl="0" indent="0" algn="l" rtl="0">
+              <a:pPr indent="0" lvl="0" marL="0" rtl="0" algn="l">
                 <a:spcBef>
                   <a:spcPts val="0"/>
                 </a:spcBef>
@@ -3477,6 +3727,9 @@
                 </a:spcAft>
                 <a:buNone/>
               </a:pPr>
+              <a:r>
+                <a:t/>
+              </a:r>
               <a:endParaRPr/>
             </a:p>
           </p:txBody>
@@ -3494,7 +3747,7 @@
             </a:xfrm>
             <a:prstGeom prst="diagStripe">
               <a:avLst>
-                <a:gd name="adj" fmla="val 50000"/>
+                <a:gd fmla="val 50000" name="adj"/>
               </a:avLst>
             </a:prstGeom>
             <a:solidFill>
@@ -3507,12 +3760,12 @@
             </a:ln>
           </p:spPr>
           <p:txBody>
-            <a:bodyPr spcFirstLastPara="1" wrap="square" lIns="91425" tIns="91425" rIns="91425" bIns="91425" anchor="ctr" anchorCtr="0">
+            <a:bodyPr anchorCtr="0" anchor="ctr" bIns="91425" lIns="91425" spcFirstLastPara="1" rIns="91425" wrap="square" tIns="91425">
               <a:noAutofit/>
             </a:bodyPr>
             <a:lstStyle/>
             <a:p>
-              <a:pPr marL="0" lvl="0" indent="0" algn="l" rtl="0">
+              <a:pPr indent="0" lvl="0" marL="0" rtl="0" algn="l">
                 <a:spcBef>
                   <a:spcPts val="0"/>
                 </a:spcBef>
@@ -3521,6 +3774,9 @@
                 </a:spcAft>
                 <a:buNone/>
               </a:pPr>
+              <a:r>
+                <a:t/>
+              </a:r>
               <a:endParaRPr/>
             </a:p>
           </p:txBody>
@@ -3538,7 +3794,7 @@
             </a:xfrm>
             <a:prstGeom prst="diagStripe">
               <a:avLst>
-                <a:gd name="adj" fmla="val 50000"/>
+                <a:gd fmla="val 50000" name="adj"/>
               </a:avLst>
             </a:prstGeom>
             <a:solidFill>
@@ -3549,12 +3805,12 @@
             </a:ln>
           </p:spPr>
           <p:txBody>
-            <a:bodyPr spcFirstLastPara="1" wrap="square" lIns="91425" tIns="91425" rIns="91425" bIns="91425" anchor="ctr" anchorCtr="0">
+            <a:bodyPr anchorCtr="0" anchor="ctr" bIns="91425" lIns="91425" spcFirstLastPara="1" rIns="91425" wrap="square" tIns="91425">
               <a:noAutofit/>
             </a:bodyPr>
             <a:lstStyle/>
             <a:p>
-              <a:pPr marL="0" lvl="0" indent="0" algn="l" rtl="0">
+              <a:pPr indent="0" lvl="0" marL="0" rtl="0" algn="l">
                 <a:spcBef>
                   <a:spcPts val="0"/>
                 </a:spcBef>
@@ -3563,6 +3819,9 @@
                 </a:spcAft>
                 <a:buNone/>
               </a:pPr>
+              <a:r>
+                <a:t/>
+              </a:r>
               <a:endParaRPr/>
             </a:p>
           </p:txBody>
@@ -3580,7 +3839,7 @@
             </a:xfrm>
             <a:prstGeom prst="diagStripe">
               <a:avLst>
-                <a:gd name="adj" fmla="val 50000"/>
+                <a:gd fmla="val 50000" name="adj"/>
               </a:avLst>
             </a:prstGeom>
             <a:solidFill>
@@ -3593,12 +3852,12 @@
             </a:ln>
           </p:spPr>
           <p:txBody>
-            <a:bodyPr spcFirstLastPara="1" wrap="square" lIns="91425" tIns="91425" rIns="91425" bIns="91425" anchor="ctr" anchorCtr="0">
+            <a:bodyPr anchorCtr="0" anchor="ctr" bIns="91425" lIns="91425" spcFirstLastPara="1" rIns="91425" wrap="square" tIns="91425">
               <a:noAutofit/>
             </a:bodyPr>
             <a:lstStyle/>
             <a:p>
-              <a:pPr marL="0" lvl="0" indent="0" algn="l" rtl="0">
+              <a:pPr indent="0" lvl="0" marL="0" rtl="0" algn="l">
                 <a:spcBef>
                   <a:spcPts val="0"/>
                 </a:spcBef>
@@ -3607,6 +3866,9 @@
                 </a:spcAft>
                 <a:buNone/>
               </a:pPr>
+              <a:r>
+                <a:t/>
+              </a:r>
               <a:endParaRPr/>
             </a:p>
           </p:txBody>
@@ -3624,7 +3886,7 @@
             </a:xfrm>
             <a:prstGeom prst="diagStripe">
               <a:avLst>
-                <a:gd name="adj" fmla="val 50000"/>
+                <a:gd fmla="val 50000" name="adj"/>
               </a:avLst>
             </a:prstGeom>
             <a:solidFill>
@@ -3637,12 +3899,12 @@
             </a:ln>
           </p:spPr>
           <p:txBody>
-            <a:bodyPr spcFirstLastPara="1" wrap="square" lIns="91425" tIns="91425" rIns="91425" bIns="91425" anchor="ctr" anchorCtr="0">
+            <a:bodyPr anchorCtr="0" anchor="ctr" bIns="91425" lIns="91425" spcFirstLastPara="1" rIns="91425" wrap="square" tIns="91425">
               <a:noAutofit/>
             </a:bodyPr>
             <a:lstStyle/>
             <a:p>
-              <a:pPr marL="0" lvl="0" indent="0" algn="l" rtl="0">
+              <a:pPr indent="0" lvl="0" marL="0" rtl="0" algn="l">
                 <a:spcBef>
                   <a:spcPts val="0"/>
                 </a:spcBef>
@@ -3651,6 +3913,9 @@
                 </a:spcAft>
                 <a:buNone/>
               </a:pPr>
+              <a:r>
+                <a:t/>
+              </a:r>
               <a:endParaRPr/>
             </a:p>
           </p:txBody>
@@ -3668,7 +3933,7 @@
             </a:xfrm>
             <a:prstGeom prst="diagStripe">
               <a:avLst>
-                <a:gd name="adj" fmla="val 50000"/>
+                <a:gd fmla="val 50000" name="adj"/>
               </a:avLst>
             </a:prstGeom>
             <a:solidFill>
@@ -3681,12 +3946,12 @@
             </a:ln>
           </p:spPr>
           <p:txBody>
-            <a:bodyPr spcFirstLastPara="1" wrap="square" lIns="91425" tIns="91425" rIns="91425" bIns="91425" anchor="ctr" anchorCtr="0">
+            <a:bodyPr anchorCtr="0" anchor="ctr" bIns="91425" lIns="91425" spcFirstLastPara="1" rIns="91425" wrap="square" tIns="91425">
               <a:noAutofit/>
             </a:bodyPr>
             <a:lstStyle/>
             <a:p>
-              <a:pPr marL="0" lvl="0" indent="0" algn="l" rtl="0">
+              <a:pPr indent="0" lvl="0" marL="0" rtl="0" algn="l">
                 <a:spcBef>
                   <a:spcPts val="0"/>
                 </a:spcBef>
@@ -3695,6 +3960,9 @@
                 </a:spcAft>
                 <a:buNone/>
               </a:pPr>
+              <a:r>
+                <a:t/>
+              </a:r>
               <a:endParaRPr/>
             </a:p>
           </p:txBody>
@@ -3712,7 +3980,7 @@
             </a:xfrm>
             <a:prstGeom prst="diagStripe">
               <a:avLst>
-                <a:gd name="adj" fmla="val 50000"/>
+                <a:gd fmla="val 50000" name="adj"/>
               </a:avLst>
             </a:prstGeom>
             <a:solidFill>
@@ -3725,12 +3993,12 @@
             </a:ln>
           </p:spPr>
           <p:txBody>
-            <a:bodyPr spcFirstLastPara="1" wrap="square" lIns="91425" tIns="91425" rIns="91425" bIns="91425" anchor="ctr" anchorCtr="0">
+            <a:bodyPr anchorCtr="0" anchor="ctr" bIns="91425" lIns="91425" spcFirstLastPara="1" rIns="91425" wrap="square" tIns="91425">
               <a:noAutofit/>
             </a:bodyPr>
             <a:lstStyle/>
             <a:p>
-              <a:pPr marL="0" lvl="0" indent="0" algn="l" rtl="0">
+              <a:pPr indent="0" lvl="0" marL="0" rtl="0" algn="l">
                 <a:spcBef>
                   <a:spcPts val="0"/>
                 </a:spcBef>
@@ -3739,6 +4007,9 @@
                 </a:spcAft>
                 <a:buNone/>
               </a:pPr>
+              <a:r>
+                <a:t/>
+              </a:r>
               <a:endParaRPr/>
             </a:p>
           </p:txBody>
@@ -3747,9 +4018,7 @@
       <p:sp>
         <p:nvSpPr>
           <p:cNvPr id="39" name="Google Shape;39;p3"/>
-          <p:cNvSpPr txBox="1">
-            <a:spLocks noGrp="1"/>
-          </p:cNvSpPr>
+          <p:cNvSpPr txBox="1"/>
           <p:nvPr>
             <p:ph type="title"/>
           </p:nvPr>
@@ -3764,7 +4033,7 @@
           </a:prstGeom>
         </p:spPr>
         <p:txBody>
-          <a:bodyPr spcFirstLastPara="1" wrap="square" lIns="91425" tIns="91425" rIns="91425" bIns="91425" anchor="ctr" anchorCtr="0">
+          <a:bodyPr anchorCtr="0" anchor="ctr" bIns="91425" lIns="91425" spcFirstLastPara="1" rIns="91425" wrap="square" tIns="91425">
             <a:normAutofit/>
           </a:bodyPr>
           <a:lstStyle>
@@ -3868,19 +4137,15 @@
               <a:defRPr/>
             </a:lvl9pPr>
           </a:lstStyle>
-          <a:p>
-            <a:endParaRPr/>
-          </a:p>
+          <a:p/>
         </p:txBody>
       </p:sp>
       <p:sp>
         <p:nvSpPr>
           <p:cNvPr id="40" name="Google Shape;40;p3"/>
-          <p:cNvSpPr txBox="1">
-            <a:spLocks noGrp="1"/>
-          </p:cNvSpPr>
+          <p:cNvSpPr txBox="1"/>
           <p:nvPr>
-            <p:ph type="sldNum" idx="12"/>
+            <p:ph idx="12" type="sldNum"/>
           </p:nvPr>
         </p:nvSpPr>
         <p:spPr>
@@ -3893,7 +4158,7 @@
           </a:prstGeom>
         </p:spPr>
         <p:txBody>
-          <a:bodyPr spcFirstLastPara="1" wrap="square" lIns="91425" tIns="91425" rIns="91425" bIns="91425" anchor="ctr" anchorCtr="0">
+          <a:bodyPr anchorCtr="0" anchor="ctr" bIns="91425" lIns="91425" spcFirstLastPara="1" rIns="91425" wrap="square" tIns="91425">
             <a:normAutofit/>
           </a:bodyPr>
           <a:lstStyle>
@@ -3935,7 +4200,7 @@
             </a:lvl9pPr>
           </a:lstStyle>
           <a:p>
-            <a:pPr marL="0" lvl="0" indent="0" algn="r" rtl="0">
+            <a:pPr indent="0" lvl="0" marL="0" rtl="0" algn="r">
               <a:spcBef>
                 <a:spcPts val="0"/>
               </a:spcBef>
@@ -3961,11 +4226,11 @@
 </file>
 
 <file path=ppt/slideLayouts/slideLayout3.xml><?xml version="1.0" encoding="utf-8"?>
-<p:sldLayout xmlns:a="http://schemas.openxmlformats.org/drawingml/2006/main" xmlns:r="http://schemas.openxmlformats.org/officeDocument/2006/relationships" xmlns:p="http://schemas.openxmlformats.org/presentationml/2006/main" matchingName="Title and body" type="tx">
+<p:sldLayout xmlns:a="http://schemas.openxmlformats.org/drawingml/2006/main" xmlns:r="http://schemas.openxmlformats.org/officeDocument/2006/relationships" xmlns:mc="http://schemas.openxmlformats.org/markup-compatibility/2006" xmlns:mv="urn:schemas-microsoft-com:mac:vml" xmlns:p="http://schemas.openxmlformats.org/presentationml/2006/main" xmlns:c="http://schemas.openxmlformats.org/drawingml/2006/chart" xmlns:dgm="http://schemas.openxmlformats.org/drawingml/2006/diagram" xmlns:o="urn:schemas-microsoft-com:office:office" xmlns:v="urn:schemas-microsoft-com:vml" xmlns:pvml="urn:schemas-microsoft-com:office:powerpoint" xmlns:com="http://schemas.openxmlformats.org/drawingml/2006/compatibility" xmlns:p14="http://schemas.microsoft.com/office/powerpoint/2010/main" xmlns:p15="http://schemas.microsoft.com/office/powerpoint/2012/main" xmlns:ahyp="http://schemas.microsoft.com/office/drawing/2018/hyperlinkcolor" matchingName="Title and body" type="tx">
   <p:cSld name="TITLE_AND_BODY">
     <p:spTree>
       <p:nvGrpSpPr>
-        <p:cNvPr id="1" name="Shape 41"/>
+        <p:cNvPr id="41" name="Shape 41"/>
         <p:cNvGrpSpPr/>
         <p:nvPr/>
       </p:nvGrpSpPr>
@@ -4004,7 +4269,7 @@
             </a:xfrm>
             <a:prstGeom prst="diagStripe">
               <a:avLst>
-                <a:gd name="adj" fmla="val 50000"/>
+                <a:gd fmla="val 50000" name="adj"/>
               </a:avLst>
             </a:prstGeom>
             <a:solidFill>
@@ -4015,12 +4280,12 @@
             </a:ln>
           </p:spPr>
           <p:txBody>
-            <a:bodyPr spcFirstLastPara="1" wrap="square" lIns="91425" tIns="91425" rIns="91425" bIns="91425" anchor="ctr" anchorCtr="0">
+            <a:bodyPr anchorCtr="0" anchor="ctr" bIns="91425" lIns="91425" spcFirstLastPara="1" rIns="91425" wrap="square" tIns="91425">
               <a:noAutofit/>
             </a:bodyPr>
             <a:lstStyle/>
             <a:p>
-              <a:pPr marL="0" lvl="0" indent="0" algn="l" rtl="0">
+              <a:pPr indent="0" lvl="0" marL="0" rtl="0" algn="l">
                 <a:spcBef>
                   <a:spcPts val="0"/>
                 </a:spcBef>
@@ -4029,6 +4294,9 @@
                 </a:spcAft>
                 <a:buNone/>
               </a:pPr>
+              <a:r>
+                <a:t/>
+              </a:r>
               <a:endParaRPr/>
             </a:p>
           </p:txBody>
@@ -4046,7 +4314,7 @@
             </a:xfrm>
             <a:prstGeom prst="diagStripe">
               <a:avLst>
-                <a:gd name="adj" fmla="val 50000"/>
+                <a:gd fmla="val 50000" name="adj"/>
               </a:avLst>
             </a:prstGeom>
             <a:solidFill>
@@ -4057,12 +4325,12 @@
             </a:ln>
           </p:spPr>
           <p:txBody>
-            <a:bodyPr spcFirstLastPara="1" wrap="square" lIns="91425" tIns="91425" rIns="91425" bIns="91425" anchor="ctr" anchorCtr="0">
+            <a:bodyPr anchorCtr="0" anchor="ctr" bIns="91425" lIns="91425" spcFirstLastPara="1" rIns="91425" wrap="square" tIns="91425">
               <a:noAutofit/>
             </a:bodyPr>
             <a:lstStyle/>
             <a:p>
-              <a:pPr marL="0" lvl="0" indent="0" algn="l" rtl="0">
+              <a:pPr indent="0" lvl="0" marL="0" rtl="0" algn="l">
                 <a:spcBef>
                   <a:spcPts val="0"/>
                 </a:spcBef>
@@ -4071,6 +4339,9 @@
                 </a:spcAft>
                 <a:buNone/>
               </a:pPr>
+              <a:r>
+                <a:t/>
+              </a:r>
               <a:endParaRPr/>
             </a:p>
           </p:txBody>
@@ -4079,9 +4350,7 @@
       <p:sp>
         <p:nvSpPr>
           <p:cNvPr id="45" name="Google Shape;45;p4"/>
-          <p:cNvSpPr txBox="1">
-            <a:spLocks noGrp="1"/>
-          </p:cNvSpPr>
+          <p:cNvSpPr txBox="1"/>
           <p:nvPr>
             <p:ph type="title"/>
           </p:nvPr>
@@ -4096,7 +4365,7 @@
           </a:prstGeom>
         </p:spPr>
         <p:txBody>
-          <a:bodyPr spcFirstLastPara="1" wrap="square" lIns="91425" tIns="91425" rIns="91425" bIns="91425" anchor="t" anchorCtr="0">
+          <a:bodyPr anchorCtr="0" anchor="t" bIns="91425" lIns="91425" spcFirstLastPara="1" rIns="91425" wrap="square" tIns="91425">
             <a:normAutofit/>
           </a:bodyPr>
           <a:lstStyle>
@@ -4200,19 +4469,15 @@
               <a:defRPr sz="2400"/>
             </a:lvl9pPr>
           </a:lstStyle>
-          <a:p>
-            <a:endParaRPr/>
-          </a:p>
+          <a:p/>
         </p:txBody>
       </p:sp>
       <p:sp>
         <p:nvSpPr>
           <p:cNvPr id="46" name="Google Shape;46;p4"/>
-          <p:cNvSpPr txBox="1">
-            <a:spLocks noGrp="1"/>
-          </p:cNvSpPr>
+          <p:cNvSpPr txBox="1"/>
           <p:nvPr>
-            <p:ph type="body" idx="1"/>
+            <p:ph idx="1" type="body"/>
           </p:nvPr>
         </p:nvSpPr>
         <p:spPr>
@@ -4225,11 +4490,11 @@
           </a:prstGeom>
         </p:spPr>
         <p:txBody>
-          <a:bodyPr spcFirstLastPara="1" wrap="square" lIns="91425" tIns="91425" rIns="91425" bIns="91425" anchor="t" anchorCtr="0">
+          <a:bodyPr anchorCtr="0" anchor="t" bIns="91425" lIns="91425" spcFirstLastPara="1" rIns="91425" wrap="square" tIns="91425">
             <a:normAutofit/>
           </a:bodyPr>
           <a:lstStyle>
-            <a:lvl1pPr marL="457200" lvl="0" indent="-311150">
+            <a:lvl1pPr indent="-311150" lvl="0" marL="457200">
               <a:spcBef>
                 <a:spcPts val="0"/>
               </a:spcBef>
@@ -4240,7 +4505,7 @@
               <a:buChar char="●"/>
               <a:defRPr/>
             </a:lvl1pPr>
-            <a:lvl2pPr marL="914400" lvl="1" indent="-298450">
+            <a:lvl2pPr indent="-298450" lvl="1" marL="914400">
               <a:spcBef>
                 <a:spcPts val="0"/>
               </a:spcBef>
@@ -4251,7 +4516,7 @@
               <a:buChar char="○"/>
               <a:defRPr/>
             </a:lvl2pPr>
-            <a:lvl3pPr marL="1371600" lvl="2" indent="-298450">
+            <a:lvl3pPr indent="-298450" lvl="2" marL="1371600">
               <a:spcBef>
                 <a:spcPts val="0"/>
               </a:spcBef>
@@ -4262,7 +4527,7 @@
               <a:buChar char="■"/>
               <a:defRPr/>
             </a:lvl3pPr>
-            <a:lvl4pPr marL="1828800" lvl="3" indent="-298450">
+            <a:lvl4pPr indent="-298450" lvl="3" marL="1828800">
               <a:spcBef>
                 <a:spcPts val="0"/>
               </a:spcBef>
@@ -4273,7 +4538,7 @@
               <a:buChar char="●"/>
               <a:defRPr/>
             </a:lvl4pPr>
-            <a:lvl5pPr marL="2286000" lvl="4" indent="-298450">
+            <a:lvl5pPr indent="-298450" lvl="4" marL="2286000">
               <a:spcBef>
                 <a:spcPts val="0"/>
               </a:spcBef>
@@ -4284,7 +4549,7 @@
               <a:buChar char="○"/>
               <a:defRPr/>
             </a:lvl5pPr>
-            <a:lvl6pPr marL="2743200" lvl="5" indent="-298450">
+            <a:lvl6pPr indent="-298450" lvl="5" marL="2743200">
               <a:spcBef>
                 <a:spcPts val="0"/>
               </a:spcBef>
@@ -4295,7 +4560,7 @@
               <a:buChar char="■"/>
               <a:defRPr/>
             </a:lvl6pPr>
-            <a:lvl7pPr marL="3200400" lvl="6" indent="-298450">
+            <a:lvl7pPr indent="-298450" lvl="6" marL="3200400">
               <a:spcBef>
                 <a:spcPts val="0"/>
               </a:spcBef>
@@ -4306,7 +4571,7 @@
               <a:buChar char="●"/>
               <a:defRPr/>
             </a:lvl7pPr>
-            <a:lvl8pPr marL="3657600" lvl="7" indent="-298450">
+            <a:lvl8pPr indent="-298450" lvl="7" marL="3657600">
               <a:spcBef>
                 <a:spcPts val="0"/>
               </a:spcBef>
@@ -4317,7 +4582,7 @@
               <a:buChar char="○"/>
               <a:defRPr/>
             </a:lvl8pPr>
-            <a:lvl9pPr marL="4114800" lvl="8" indent="-298450">
+            <a:lvl9pPr indent="-298450" lvl="8" marL="4114800">
               <a:spcBef>
                 <a:spcPts val="0"/>
               </a:spcBef>
@@ -4329,19 +4594,15 @@
               <a:defRPr/>
             </a:lvl9pPr>
           </a:lstStyle>
-          <a:p>
-            <a:endParaRPr/>
-          </a:p>
+          <a:p/>
         </p:txBody>
       </p:sp>
       <p:sp>
         <p:nvSpPr>
           <p:cNvPr id="47" name="Google Shape;47;p4"/>
-          <p:cNvSpPr txBox="1">
-            <a:spLocks noGrp="1"/>
-          </p:cNvSpPr>
+          <p:cNvSpPr txBox="1"/>
           <p:nvPr>
-            <p:ph type="sldNum" idx="12"/>
+            <p:ph idx="12" type="sldNum"/>
           </p:nvPr>
         </p:nvSpPr>
         <p:spPr>
@@ -4354,7 +4615,7 @@
           </a:prstGeom>
         </p:spPr>
         <p:txBody>
-          <a:bodyPr spcFirstLastPara="1" wrap="square" lIns="91425" tIns="91425" rIns="91425" bIns="91425" anchor="ctr" anchorCtr="0">
+          <a:bodyPr anchorCtr="0" anchor="ctr" bIns="91425" lIns="91425" spcFirstLastPara="1" rIns="91425" wrap="square" tIns="91425">
             <a:normAutofit/>
           </a:bodyPr>
           <a:lstStyle>
@@ -4396,7 +4657,7 @@
             </a:lvl9pPr>
           </a:lstStyle>
           <a:p>
-            <a:pPr marL="0" lvl="0" indent="0" algn="r" rtl="0">
+            <a:pPr indent="0" lvl="0" marL="0" rtl="0" algn="r">
               <a:spcBef>
                 <a:spcPts val="0"/>
               </a:spcBef>
@@ -4422,11 +4683,11 @@
 </file>
 
 <file path=ppt/slideLayouts/slideLayout4.xml><?xml version="1.0" encoding="utf-8"?>
-<p:sldLayout xmlns:a="http://schemas.openxmlformats.org/drawingml/2006/main" xmlns:r="http://schemas.openxmlformats.org/officeDocument/2006/relationships" xmlns:p="http://schemas.openxmlformats.org/presentationml/2006/main" matchingName="Title and two columns" type="twoColTx">
+<p:sldLayout xmlns:a="http://schemas.openxmlformats.org/drawingml/2006/main" xmlns:r="http://schemas.openxmlformats.org/officeDocument/2006/relationships" xmlns:mc="http://schemas.openxmlformats.org/markup-compatibility/2006" xmlns:mv="urn:schemas-microsoft-com:mac:vml" xmlns:p="http://schemas.openxmlformats.org/presentationml/2006/main" xmlns:c="http://schemas.openxmlformats.org/drawingml/2006/chart" xmlns:dgm="http://schemas.openxmlformats.org/drawingml/2006/diagram" xmlns:o="urn:schemas-microsoft-com:office:office" xmlns:v="urn:schemas-microsoft-com:vml" xmlns:pvml="urn:schemas-microsoft-com:office:powerpoint" xmlns:com="http://schemas.openxmlformats.org/drawingml/2006/compatibility" xmlns:p14="http://schemas.microsoft.com/office/powerpoint/2010/main" xmlns:p15="http://schemas.microsoft.com/office/powerpoint/2012/main" xmlns:ahyp="http://schemas.microsoft.com/office/drawing/2018/hyperlinkcolor" matchingName="Title and two columns" type="twoColTx">
   <p:cSld name="TITLE_AND_TWO_COLUMNS">
     <p:spTree>
       <p:nvGrpSpPr>
-        <p:cNvPr id="1" name="Shape 48"/>
+        <p:cNvPr id="48" name="Shape 48"/>
         <p:cNvGrpSpPr/>
         <p:nvPr/>
       </p:nvGrpSpPr>
@@ -4465,7 +4726,7 @@
             </a:xfrm>
             <a:prstGeom prst="diagStripe">
               <a:avLst>
-                <a:gd name="adj" fmla="val 50000"/>
+                <a:gd fmla="val 50000" name="adj"/>
               </a:avLst>
             </a:prstGeom>
             <a:solidFill>
@@ -4476,12 +4737,12 @@
             </a:ln>
           </p:spPr>
           <p:txBody>
-            <a:bodyPr spcFirstLastPara="1" wrap="square" lIns="91425" tIns="91425" rIns="91425" bIns="91425" anchor="ctr" anchorCtr="0">
+            <a:bodyPr anchorCtr="0" anchor="ctr" bIns="91425" lIns="91425" spcFirstLastPara="1" rIns="91425" wrap="square" tIns="91425">
               <a:noAutofit/>
             </a:bodyPr>
             <a:lstStyle/>
             <a:p>
-              <a:pPr marL="0" lvl="0" indent="0" algn="l" rtl="0">
+              <a:pPr indent="0" lvl="0" marL="0" rtl="0" algn="l">
                 <a:spcBef>
                   <a:spcPts val="0"/>
                 </a:spcBef>
@@ -4490,6 +4751,9 @@
                 </a:spcAft>
                 <a:buNone/>
               </a:pPr>
+              <a:r>
+                <a:t/>
+              </a:r>
               <a:endParaRPr/>
             </a:p>
           </p:txBody>
@@ -4507,7 +4771,7 @@
             </a:xfrm>
             <a:prstGeom prst="diagStripe">
               <a:avLst>
-                <a:gd name="adj" fmla="val 50000"/>
+                <a:gd fmla="val 50000" name="adj"/>
               </a:avLst>
             </a:prstGeom>
             <a:solidFill>
@@ -4518,12 +4782,12 @@
             </a:ln>
           </p:spPr>
           <p:txBody>
-            <a:bodyPr spcFirstLastPara="1" wrap="square" lIns="91425" tIns="91425" rIns="91425" bIns="91425" anchor="ctr" anchorCtr="0">
+            <a:bodyPr anchorCtr="0" anchor="ctr" bIns="91425" lIns="91425" spcFirstLastPara="1" rIns="91425" wrap="square" tIns="91425">
               <a:noAutofit/>
             </a:bodyPr>
             <a:lstStyle/>
             <a:p>
-              <a:pPr marL="0" lvl="0" indent="0" algn="l" rtl="0">
+              <a:pPr indent="0" lvl="0" marL="0" rtl="0" algn="l">
                 <a:spcBef>
                   <a:spcPts val="0"/>
                 </a:spcBef>
@@ -4532,6 +4796,9 @@
                 </a:spcAft>
                 <a:buNone/>
               </a:pPr>
+              <a:r>
+                <a:t/>
+              </a:r>
               <a:endParaRPr/>
             </a:p>
           </p:txBody>
@@ -4540,9 +4807,7 @@
       <p:sp>
         <p:nvSpPr>
           <p:cNvPr id="52" name="Google Shape;52;p5"/>
-          <p:cNvSpPr txBox="1">
-            <a:spLocks noGrp="1"/>
-          </p:cNvSpPr>
+          <p:cNvSpPr txBox="1"/>
           <p:nvPr>
             <p:ph type="title"/>
           </p:nvPr>
@@ -4557,7 +4822,7 @@
           </a:prstGeom>
         </p:spPr>
         <p:txBody>
-          <a:bodyPr spcFirstLastPara="1" wrap="square" lIns="91425" tIns="91425" rIns="91425" bIns="91425" anchor="t" anchorCtr="0">
+          <a:bodyPr anchorCtr="0" anchor="t" bIns="91425" lIns="91425" spcFirstLastPara="1" rIns="91425" wrap="square" tIns="91425">
             <a:normAutofit/>
           </a:bodyPr>
           <a:lstStyle>
@@ -4661,19 +4926,15 @@
               <a:defRPr sz="2400"/>
             </a:lvl9pPr>
           </a:lstStyle>
-          <a:p>
-            <a:endParaRPr/>
-          </a:p>
+          <a:p/>
         </p:txBody>
       </p:sp>
       <p:sp>
         <p:nvSpPr>
           <p:cNvPr id="53" name="Google Shape;53;p5"/>
-          <p:cNvSpPr txBox="1">
-            <a:spLocks noGrp="1"/>
-          </p:cNvSpPr>
+          <p:cNvSpPr txBox="1"/>
           <p:nvPr>
-            <p:ph type="body" idx="1"/>
+            <p:ph idx="1" type="body"/>
           </p:nvPr>
         </p:nvSpPr>
         <p:spPr>
@@ -4686,11 +4947,11 @@
           </a:prstGeom>
         </p:spPr>
         <p:txBody>
-          <a:bodyPr spcFirstLastPara="1" wrap="square" lIns="91425" tIns="91425" rIns="91425" bIns="91425" anchor="t" anchorCtr="0">
+          <a:bodyPr anchorCtr="0" anchor="t" bIns="91425" lIns="91425" spcFirstLastPara="1" rIns="91425" wrap="square" tIns="91425">
             <a:normAutofit/>
           </a:bodyPr>
           <a:lstStyle>
-            <a:lvl1pPr marL="457200" lvl="0" indent="-311150">
+            <a:lvl1pPr indent="-311150" lvl="0" marL="457200">
               <a:spcBef>
                 <a:spcPts val="0"/>
               </a:spcBef>
@@ -4701,7 +4962,7 @@
               <a:buChar char="●"/>
               <a:defRPr/>
             </a:lvl1pPr>
-            <a:lvl2pPr marL="914400" lvl="1" indent="-298450">
+            <a:lvl2pPr indent="-298450" lvl="1" marL="914400">
               <a:spcBef>
                 <a:spcPts val="0"/>
               </a:spcBef>
@@ -4712,7 +4973,7 @@
               <a:buChar char="○"/>
               <a:defRPr/>
             </a:lvl2pPr>
-            <a:lvl3pPr marL="1371600" lvl="2" indent="-298450">
+            <a:lvl3pPr indent="-298450" lvl="2" marL="1371600">
               <a:spcBef>
                 <a:spcPts val="0"/>
               </a:spcBef>
@@ -4723,7 +4984,7 @@
               <a:buChar char="■"/>
               <a:defRPr/>
             </a:lvl3pPr>
-            <a:lvl4pPr marL="1828800" lvl="3" indent="-298450">
+            <a:lvl4pPr indent="-298450" lvl="3" marL="1828800">
               <a:spcBef>
                 <a:spcPts val="0"/>
               </a:spcBef>
@@ -4734,7 +4995,7 @@
               <a:buChar char="●"/>
               <a:defRPr/>
             </a:lvl4pPr>
-            <a:lvl5pPr marL="2286000" lvl="4" indent="-298450">
+            <a:lvl5pPr indent="-298450" lvl="4" marL="2286000">
               <a:spcBef>
                 <a:spcPts val="0"/>
               </a:spcBef>
@@ -4745,7 +5006,7 @@
               <a:buChar char="○"/>
               <a:defRPr/>
             </a:lvl5pPr>
-            <a:lvl6pPr marL="2743200" lvl="5" indent="-298450">
+            <a:lvl6pPr indent="-298450" lvl="5" marL="2743200">
               <a:spcBef>
                 <a:spcPts val="0"/>
               </a:spcBef>
@@ -4756,7 +5017,7 @@
               <a:buChar char="■"/>
               <a:defRPr/>
             </a:lvl6pPr>
-            <a:lvl7pPr marL="3200400" lvl="6" indent="-298450">
+            <a:lvl7pPr indent="-298450" lvl="6" marL="3200400">
               <a:spcBef>
                 <a:spcPts val="0"/>
               </a:spcBef>
@@ -4767,7 +5028,7 @@
               <a:buChar char="●"/>
               <a:defRPr/>
             </a:lvl7pPr>
-            <a:lvl8pPr marL="3657600" lvl="7" indent="-298450">
+            <a:lvl8pPr indent="-298450" lvl="7" marL="3657600">
               <a:spcBef>
                 <a:spcPts val="0"/>
               </a:spcBef>
@@ -4778,7 +5039,7 @@
               <a:buChar char="○"/>
               <a:defRPr/>
             </a:lvl8pPr>
-            <a:lvl9pPr marL="4114800" lvl="8" indent="-298450">
+            <a:lvl9pPr indent="-298450" lvl="8" marL="4114800">
               <a:spcBef>
                 <a:spcPts val="0"/>
               </a:spcBef>
@@ -4790,19 +5051,15 @@
               <a:defRPr/>
             </a:lvl9pPr>
           </a:lstStyle>
-          <a:p>
-            <a:endParaRPr/>
-          </a:p>
+          <a:p/>
         </p:txBody>
       </p:sp>
       <p:sp>
         <p:nvSpPr>
           <p:cNvPr id="54" name="Google Shape;54;p5"/>
-          <p:cNvSpPr txBox="1">
-            <a:spLocks noGrp="1"/>
-          </p:cNvSpPr>
+          <p:cNvSpPr txBox="1"/>
           <p:nvPr>
-            <p:ph type="body" idx="2"/>
+            <p:ph idx="2" type="body"/>
           </p:nvPr>
         </p:nvSpPr>
         <p:spPr>
@@ -4815,11 +5072,11 @@
           </a:prstGeom>
         </p:spPr>
         <p:txBody>
-          <a:bodyPr spcFirstLastPara="1" wrap="square" lIns="91425" tIns="91425" rIns="91425" bIns="91425" anchor="t" anchorCtr="0">
+          <a:bodyPr anchorCtr="0" anchor="t" bIns="91425" lIns="91425" spcFirstLastPara="1" rIns="91425" wrap="square" tIns="91425">
             <a:normAutofit/>
           </a:bodyPr>
           <a:lstStyle>
-            <a:lvl1pPr marL="457200" lvl="0" indent="-311150">
+            <a:lvl1pPr indent="-311150" lvl="0" marL="457200">
               <a:spcBef>
                 <a:spcPts val="0"/>
               </a:spcBef>
@@ -4830,7 +5087,7 @@
               <a:buChar char="●"/>
               <a:defRPr/>
             </a:lvl1pPr>
-            <a:lvl2pPr marL="914400" lvl="1" indent="-298450">
+            <a:lvl2pPr indent="-298450" lvl="1" marL="914400">
               <a:spcBef>
                 <a:spcPts val="0"/>
               </a:spcBef>
@@ -4841,7 +5098,7 @@
               <a:buChar char="○"/>
               <a:defRPr/>
             </a:lvl2pPr>
-            <a:lvl3pPr marL="1371600" lvl="2" indent="-298450">
+            <a:lvl3pPr indent="-298450" lvl="2" marL="1371600">
               <a:spcBef>
                 <a:spcPts val="0"/>
               </a:spcBef>
@@ -4852,7 +5109,7 @@
               <a:buChar char="■"/>
               <a:defRPr/>
             </a:lvl3pPr>
-            <a:lvl4pPr marL="1828800" lvl="3" indent="-298450">
+            <a:lvl4pPr indent="-298450" lvl="3" marL="1828800">
               <a:spcBef>
                 <a:spcPts val="0"/>
               </a:spcBef>
@@ -4863,7 +5120,7 @@
               <a:buChar char="●"/>
               <a:defRPr/>
             </a:lvl4pPr>
-            <a:lvl5pPr marL="2286000" lvl="4" indent="-298450">
+            <a:lvl5pPr indent="-298450" lvl="4" marL="2286000">
               <a:spcBef>
                 <a:spcPts val="0"/>
               </a:spcBef>
@@ -4874,7 +5131,7 @@
               <a:buChar char="○"/>
               <a:defRPr/>
             </a:lvl5pPr>
-            <a:lvl6pPr marL="2743200" lvl="5" indent="-298450">
+            <a:lvl6pPr indent="-298450" lvl="5" marL="2743200">
               <a:spcBef>
                 <a:spcPts val="0"/>
               </a:spcBef>
@@ -4885,7 +5142,7 @@
               <a:buChar char="■"/>
               <a:defRPr/>
             </a:lvl6pPr>
-            <a:lvl7pPr marL="3200400" lvl="6" indent="-298450">
+            <a:lvl7pPr indent="-298450" lvl="6" marL="3200400">
               <a:spcBef>
                 <a:spcPts val="0"/>
               </a:spcBef>
@@ -4896,7 +5153,7 @@
               <a:buChar char="●"/>
               <a:defRPr/>
             </a:lvl7pPr>
-            <a:lvl8pPr marL="3657600" lvl="7" indent="-298450">
+            <a:lvl8pPr indent="-298450" lvl="7" marL="3657600">
               <a:spcBef>
                 <a:spcPts val="0"/>
               </a:spcBef>
@@ -4907,7 +5164,7 @@
               <a:buChar char="○"/>
               <a:defRPr/>
             </a:lvl8pPr>
-            <a:lvl9pPr marL="4114800" lvl="8" indent="-298450">
+            <a:lvl9pPr indent="-298450" lvl="8" marL="4114800">
               <a:spcBef>
                 <a:spcPts val="0"/>
               </a:spcBef>
@@ -4919,19 +5176,15 @@
               <a:defRPr/>
             </a:lvl9pPr>
           </a:lstStyle>
-          <a:p>
-            <a:endParaRPr/>
-          </a:p>
+          <a:p/>
         </p:txBody>
       </p:sp>
       <p:sp>
         <p:nvSpPr>
           <p:cNvPr id="55" name="Google Shape;55;p5"/>
-          <p:cNvSpPr txBox="1">
-            <a:spLocks noGrp="1"/>
-          </p:cNvSpPr>
+          <p:cNvSpPr txBox="1"/>
           <p:nvPr>
-            <p:ph type="sldNum" idx="12"/>
+            <p:ph idx="12" type="sldNum"/>
           </p:nvPr>
         </p:nvSpPr>
         <p:spPr>
@@ -4944,7 +5197,7 @@
           </a:prstGeom>
         </p:spPr>
         <p:txBody>
-          <a:bodyPr spcFirstLastPara="1" wrap="square" lIns="91425" tIns="91425" rIns="91425" bIns="91425" anchor="ctr" anchorCtr="0">
+          <a:bodyPr anchorCtr="0" anchor="ctr" bIns="91425" lIns="91425" spcFirstLastPara="1" rIns="91425" wrap="square" tIns="91425">
             <a:normAutofit/>
           </a:bodyPr>
           <a:lstStyle>
@@ -4986,7 +5239,7 @@
             </a:lvl9pPr>
           </a:lstStyle>
           <a:p>
-            <a:pPr marL="0" lvl="0" indent="0" algn="r" rtl="0">
+            <a:pPr indent="0" lvl="0" marL="0" rtl="0" algn="r">
               <a:spcBef>
                 <a:spcPts val="0"/>
               </a:spcBef>
@@ -5012,11 +5265,11 @@
 </file>
 
 <file path=ppt/slideLayouts/slideLayout5.xml><?xml version="1.0" encoding="utf-8"?>
-<p:sldLayout xmlns:a="http://schemas.openxmlformats.org/drawingml/2006/main" xmlns:r="http://schemas.openxmlformats.org/officeDocument/2006/relationships" xmlns:p="http://schemas.openxmlformats.org/presentationml/2006/main" matchingName="Title only" type="titleOnly">
+<p:sldLayout xmlns:a="http://schemas.openxmlformats.org/drawingml/2006/main" xmlns:r="http://schemas.openxmlformats.org/officeDocument/2006/relationships" xmlns:mc="http://schemas.openxmlformats.org/markup-compatibility/2006" xmlns:mv="urn:schemas-microsoft-com:mac:vml" xmlns:p="http://schemas.openxmlformats.org/presentationml/2006/main" xmlns:c="http://schemas.openxmlformats.org/drawingml/2006/chart" xmlns:dgm="http://schemas.openxmlformats.org/drawingml/2006/diagram" xmlns:o="urn:schemas-microsoft-com:office:office" xmlns:v="urn:schemas-microsoft-com:vml" xmlns:pvml="urn:schemas-microsoft-com:office:powerpoint" xmlns:com="http://schemas.openxmlformats.org/drawingml/2006/compatibility" xmlns:p14="http://schemas.microsoft.com/office/powerpoint/2010/main" xmlns:p15="http://schemas.microsoft.com/office/powerpoint/2012/main" xmlns:ahyp="http://schemas.microsoft.com/office/drawing/2018/hyperlinkcolor" matchingName="Title only" type="titleOnly">
   <p:cSld name="TITLE_ONLY">
     <p:spTree>
       <p:nvGrpSpPr>
-        <p:cNvPr id="1" name="Shape 56"/>
+        <p:cNvPr id="56" name="Shape 56"/>
         <p:cNvGrpSpPr/>
         <p:nvPr/>
       </p:nvGrpSpPr>
@@ -5055,7 +5308,7 @@
             </a:xfrm>
             <a:prstGeom prst="diagStripe">
               <a:avLst>
-                <a:gd name="adj" fmla="val 50000"/>
+                <a:gd fmla="val 50000" name="adj"/>
               </a:avLst>
             </a:prstGeom>
             <a:solidFill>
@@ -5066,12 +5319,12 @@
             </a:ln>
           </p:spPr>
           <p:txBody>
-            <a:bodyPr spcFirstLastPara="1" wrap="square" lIns="91425" tIns="91425" rIns="91425" bIns="91425" anchor="ctr" anchorCtr="0">
+            <a:bodyPr anchorCtr="0" anchor="ctr" bIns="91425" lIns="91425" spcFirstLastPara="1" rIns="91425" wrap="square" tIns="91425">
               <a:noAutofit/>
             </a:bodyPr>
             <a:lstStyle/>
             <a:p>
-              <a:pPr marL="0" lvl="0" indent="0" algn="l" rtl="0">
+              <a:pPr indent="0" lvl="0" marL="0" rtl="0" algn="l">
                 <a:spcBef>
                   <a:spcPts val="0"/>
                 </a:spcBef>
@@ -5080,6 +5333,9 @@
                 </a:spcAft>
                 <a:buNone/>
               </a:pPr>
+              <a:r>
+                <a:t/>
+              </a:r>
               <a:endParaRPr/>
             </a:p>
           </p:txBody>
@@ -5097,7 +5353,7 @@
             </a:xfrm>
             <a:prstGeom prst="diagStripe">
               <a:avLst>
-                <a:gd name="adj" fmla="val 50000"/>
+                <a:gd fmla="val 50000" name="adj"/>
               </a:avLst>
             </a:prstGeom>
             <a:solidFill>
@@ -5108,12 +5364,12 @@
             </a:ln>
           </p:spPr>
           <p:txBody>
-            <a:bodyPr spcFirstLastPara="1" wrap="square" lIns="91425" tIns="91425" rIns="91425" bIns="91425" anchor="ctr" anchorCtr="0">
+            <a:bodyPr anchorCtr="0" anchor="ctr" bIns="91425" lIns="91425" spcFirstLastPara="1" rIns="91425" wrap="square" tIns="91425">
               <a:noAutofit/>
             </a:bodyPr>
             <a:lstStyle/>
             <a:p>
-              <a:pPr marL="0" lvl="0" indent="0" algn="l" rtl="0">
+              <a:pPr indent="0" lvl="0" marL="0" rtl="0" algn="l">
                 <a:spcBef>
                   <a:spcPts val="0"/>
                 </a:spcBef>
@@ -5122,6 +5378,9 @@
                 </a:spcAft>
                 <a:buNone/>
               </a:pPr>
+              <a:r>
+                <a:t/>
+              </a:r>
               <a:endParaRPr/>
             </a:p>
           </p:txBody>
@@ -5130,9 +5389,7 @@
       <p:sp>
         <p:nvSpPr>
           <p:cNvPr id="60" name="Google Shape;60;p6"/>
-          <p:cNvSpPr txBox="1">
-            <a:spLocks noGrp="1"/>
-          </p:cNvSpPr>
+          <p:cNvSpPr txBox="1"/>
           <p:nvPr>
             <p:ph type="title"/>
           </p:nvPr>
@@ -5147,7 +5404,7 @@
           </a:prstGeom>
         </p:spPr>
         <p:txBody>
-          <a:bodyPr spcFirstLastPara="1" wrap="square" lIns="91425" tIns="91425" rIns="91425" bIns="91425" anchor="t" anchorCtr="0">
+          <a:bodyPr anchorCtr="0" anchor="t" bIns="91425" lIns="91425" spcFirstLastPara="1" rIns="91425" wrap="square" tIns="91425">
             <a:normAutofit/>
           </a:bodyPr>
           <a:lstStyle>
@@ -5251,19 +5508,15 @@
               <a:defRPr sz="2400"/>
             </a:lvl9pPr>
           </a:lstStyle>
-          <a:p>
-            <a:endParaRPr/>
-          </a:p>
+          <a:p/>
         </p:txBody>
       </p:sp>
       <p:sp>
         <p:nvSpPr>
           <p:cNvPr id="61" name="Google Shape;61;p6"/>
-          <p:cNvSpPr txBox="1">
-            <a:spLocks noGrp="1"/>
-          </p:cNvSpPr>
+          <p:cNvSpPr txBox="1"/>
           <p:nvPr>
-            <p:ph type="sldNum" idx="12"/>
+            <p:ph idx="12" type="sldNum"/>
           </p:nvPr>
         </p:nvSpPr>
         <p:spPr>
@@ -5276,7 +5529,7 @@
           </a:prstGeom>
         </p:spPr>
         <p:txBody>
-          <a:bodyPr spcFirstLastPara="1" wrap="square" lIns="91425" tIns="91425" rIns="91425" bIns="91425" anchor="ctr" anchorCtr="0">
+          <a:bodyPr anchorCtr="0" anchor="ctr" bIns="91425" lIns="91425" spcFirstLastPara="1" rIns="91425" wrap="square" tIns="91425">
             <a:normAutofit/>
           </a:bodyPr>
           <a:lstStyle>
@@ -5318,7 +5571,7 @@
             </a:lvl9pPr>
           </a:lstStyle>
           <a:p>
-            <a:pPr marL="0" lvl="0" indent="0" algn="r" rtl="0">
+            <a:pPr indent="0" lvl="0" marL="0" rtl="0" algn="r">
               <a:spcBef>
                 <a:spcPts val="0"/>
               </a:spcBef>
@@ -5344,11 +5597,11 @@
 </file>
 
 <file path=ppt/slideLayouts/slideLayout6.xml><?xml version="1.0" encoding="utf-8"?>
-<p:sldLayout xmlns:a="http://schemas.openxmlformats.org/drawingml/2006/main" xmlns:r="http://schemas.openxmlformats.org/officeDocument/2006/relationships" xmlns:p="http://schemas.openxmlformats.org/presentationml/2006/main" matchingName="One column text">
+<p:sldLayout xmlns:a="http://schemas.openxmlformats.org/drawingml/2006/main" xmlns:r="http://schemas.openxmlformats.org/officeDocument/2006/relationships" xmlns:mc="http://schemas.openxmlformats.org/markup-compatibility/2006" xmlns:mv="urn:schemas-microsoft-com:mac:vml" xmlns:p="http://schemas.openxmlformats.org/presentationml/2006/main" xmlns:c="http://schemas.openxmlformats.org/drawingml/2006/chart" xmlns:dgm="http://schemas.openxmlformats.org/drawingml/2006/diagram" xmlns:o="urn:schemas-microsoft-com:office:office" xmlns:v="urn:schemas-microsoft-com:vml" xmlns:pvml="urn:schemas-microsoft-com:office:powerpoint" xmlns:com="http://schemas.openxmlformats.org/drawingml/2006/compatibility" xmlns:p14="http://schemas.microsoft.com/office/powerpoint/2010/main" xmlns:p15="http://schemas.microsoft.com/office/powerpoint/2012/main" xmlns:ahyp="http://schemas.microsoft.com/office/drawing/2018/hyperlinkcolor" matchingName="One column text">
   <p:cSld name="ONE_COLUMN_TEXT">
     <p:spTree>
       <p:nvGrpSpPr>
-        <p:cNvPr id="1" name="Shape 62"/>
+        <p:cNvPr id="62" name="Shape 62"/>
         <p:cNvGrpSpPr/>
         <p:nvPr/>
       </p:nvGrpSpPr>
@@ -5387,7 +5640,7 @@
             </a:xfrm>
             <a:prstGeom prst="diagStripe">
               <a:avLst>
-                <a:gd name="adj" fmla="val 50000"/>
+                <a:gd fmla="val 50000" name="adj"/>
               </a:avLst>
             </a:prstGeom>
             <a:solidFill>
@@ -5398,12 +5651,12 @@
             </a:ln>
           </p:spPr>
           <p:txBody>
-            <a:bodyPr spcFirstLastPara="1" wrap="square" lIns="91425" tIns="91425" rIns="91425" bIns="91425" anchor="ctr" anchorCtr="0">
+            <a:bodyPr anchorCtr="0" anchor="ctr" bIns="91425" lIns="91425" spcFirstLastPara="1" rIns="91425" wrap="square" tIns="91425">
               <a:noAutofit/>
             </a:bodyPr>
             <a:lstStyle/>
             <a:p>
-              <a:pPr marL="0" lvl="0" indent="0" algn="l" rtl="0">
+              <a:pPr indent="0" lvl="0" marL="0" rtl="0" algn="l">
                 <a:spcBef>
                   <a:spcPts val="0"/>
                 </a:spcBef>
@@ -5412,6 +5665,9 @@
                 </a:spcAft>
                 <a:buNone/>
               </a:pPr>
+              <a:r>
+                <a:t/>
+              </a:r>
               <a:endParaRPr/>
             </a:p>
           </p:txBody>
@@ -5429,7 +5685,7 @@
             </a:xfrm>
             <a:prstGeom prst="diagStripe">
               <a:avLst>
-                <a:gd name="adj" fmla="val 50000"/>
+                <a:gd fmla="val 50000" name="adj"/>
               </a:avLst>
             </a:prstGeom>
             <a:solidFill>
@@ -5440,12 +5696,12 @@
             </a:ln>
           </p:spPr>
           <p:txBody>
-            <a:bodyPr spcFirstLastPara="1" wrap="square" lIns="91425" tIns="91425" rIns="91425" bIns="91425" anchor="ctr" anchorCtr="0">
+            <a:bodyPr anchorCtr="0" anchor="ctr" bIns="91425" lIns="91425" spcFirstLastPara="1" rIns="91425" wrap="square" tIns="91425">
               <a:noAutofit/>
             </a:bodyPr>
             <a:lstStyle/>
             <a:p>
-              <a:pPr marL="0" lvl="0" indent="0" algn="l" rtl="0">
+              <a:pPr indent="0" lvl="0" marL="0" rtl="0" algn="l">
                 <a:spcBef>
                   <a:spcPts val="0"/>
                 </a:spcBef>
@@ -5454,6 +5710,9 @@
                 </a:spcAft>
                 <a:buNone/>
               </a:pPr>
+              <a:r>
+                <a:t/>
+              </a:r>
               <a:endParaRPr/>
             </a:p>
           </p:txBody>
@@ -5462,9 +5721,7 @@
       <p:sp>
         <p:nvSpPr>
           <p:cNvPr id="66" name="Google Shape;66;p7"/>
-          <p:cNvSpPr txBox="1">
-            <a:spLocks noGrp="1"/>
-          </p:cNvSpPr>
+          <p:cNvSpPr txBox="1"/>
           <p:nvPr>
             <p:ph type="title"/>
           </p:nvPr>
@@ -5479,7 +5736,7 @@
           </a:prstGeom>
         </p:spPr>
         <p:txBody>
-          <a:bodyPr spcFirstLastPara="1" wrap="square" lIns="91425" tIns="91425" rIns="91425" bIns="91425" anchor="t" anchorCtr="0">
+          <a:bodyPr anchorCtr="0" anchor="t" bIns="91425" lIns="91425" spcFirstLastPara="1" rIns="91425" wrap="square" tIns="91425">
             <a:normAutofit/>
           </a:bodyPr>
           <a:lstStyle>
@@ -5583,19 +5840,15 @@
               <a:defRPr sz="2400"/>
             </a:lvl9pPr>
           </a:lstStyle>
-          <a:p>
-            <a:endParaRPr/>
-          </a:p>
+          <a:p/>
         </p:txBody>
       </p:sp>
       <p:sp>
         <p:nvSpPr>
           <p:cNvPr id="67" name="Google Shape;67;p7"/>
-          <p:cNvSpPr txBox="1">
-            <a:spLocks noGrp="1"/>
-          </p:cNvSpPr>
+          <p:cNvSpPr txBox="1"/>
           <p:nvPr>
-            <p:ph type="body" idx="1"/>
+            <p:ph idx="1" type="body"/>
           </p:nvPr>
         </p:nvSpPr>
         <p:spPr>
@@ -5608,11 +5861,11 @@
           </a:prstGeom>
         </p:spPr>
         <p:txBody>
-          <a:bodyPr spcFirstLastPara="1" wrap="square" lIns="91425" tIns="91425" rIns="91425" bIns="91425" anchor="t" anchorCtr="0">
+          <a:bodyPr anchorCtr="0" anchor="t" bIns="91425" lIns="91425" spcFirstLastPara="1" rIns="91425" wrap="square" tIns="91425">
             <a:normAutofit/>
           </a:bodyPr>
           <a:lstStyle>
-            <a:lvl1pPr marL="457200" lvl="0" indent="-311150">
+            <a:lvl1pPr indent="-311150" lvl="0" marL="457200">
               <a:spcBef>
                 <a:spcPts val="0"/>
               </a:spcBef>
@@ -5623,7 +5876,7 @@
               <a:buChar char="●"/>
               <a:defRPr/>
             </a:lvl1pPr>
-            <a:lvl2pPr marL="914400" lvl="1" indent="-298450">
+            <a:lvl2pPr indent="-298450" lvl="1" marL="914400">
               <a:spcBef>
                 <a:spcPts val="0"/>
               </a:spcBef>
@@ -5634,7 +5887,7 @@
               <a:buChar char="○"/>
               <a:defRPr/>
             </a:lvl2pPr>
-            <a:lvl3pPr marL="1371600" lvl="2" indent="-298450">
+            <a:lvl3pPr indent="-298450" lvl="2" marL="1371600">
               <a:spcBef>
                 <a:spcPts val="0"/>
               </a:spcBef>
@@ -5645,7 +5898,7 @@
               <a:buChar char="■"/>
               <a:defRPr/>
             </a:lvl3pPr>
-            <a:lvl4pPr marL="1828800" lvl="3" indent="-298450">
+            <a:lvl4pPr indent="-298450" lvl="3" marL="1828800">
               <a:spcBef>
                 <a:spcPts val="0"/>
               </a:spcBef>
@@ -5656,7 +5909,7 @@
               <a:buChar char="●"/>
               <a:defRPr/>
             </a:lvl4pPr>
-            <a:lvl5pPr marL="2286000" lvl="4" indent="-298450">
+            <a:lvl5pPr indent="-298450" lvl="4" marL="2286000">
               <a:spcBef>
                 <a:spcPts val="0"/>
               </a:spcBef>
@@ -5667,7 +5920,7 @@
               <a:buChar char="○"/>
               <a:defRPr/>
             </a:lvl5pPr>
-            <a:lvl6pPr marL="2743200" lvl="5" indent="-298450">
+            <a:lvl6pPr indent="-298450" lvl="5" marL="2743200">
               <a:spcBef>
                 <a:spcPts val="0"/>
               </a:spcBef>
@@ -5678,7 +5931,7 @@
               <a:buChar char="■"/>
               <a:defRPr/>
             </a:lvl6pPr>
-            <a:lvl7pPr marL="3200400" lvl="6" indent="-298450">
+            <a:lvl7pPr indent="-298450" lvl="6" marL="3200400">
               <a:spcBef>
                 <a:spcPts val="0"/>
               </a:spcBef>
@@ -5689,7 +5942,7 @@
               <a:buChar char="●"/>
               <a:defRPr/>
             </a:lvl7pPr>
-            <a:lvl8pPr marL="3657600" lvl="7" indent="-298450">
+            <a:lvl8pPr indent="-298450" lvl="7" marL="3657600">
               <a:spcBef>
                 <a:spcPts val="0"/>
               </a:spcBef>
@@ -5700,7 +5953,7 @@
               <a:buChar char="○"/>
               <a:defRPr/>
             </a:lvl8pPr>
-            <a:lvl9pPr marL="4114800" lvl="8" indent="-298450">
+            <a:lvl9pPr indent="-298450" lvl="8" marL="4114800">
               <a:spcBef>
                 <a:spcPts val="0"/>
               </a:spcBef>
@@ -5712,19 +5965,15 @@
               <a:defRPr/>
             </a:lvl9pPr>
           </a:lstStyle>
-          <a:p>
-            <a:endParaRPr/>
-          </a:p>
+          <a:p/>
         </p:txBody>
       </p:sp>
       <p:sp>
         <p:nvSpPr>
           <p:cNvPr id="68" name="Google Shape;68;p7"/>
-          <p:cNvSpPr txBox="1">
-            <a:spLocks noGrp="1"/>
-          </p:cNvSpPr>
+          <p:cNvSpPr txBox="1"/>
           <p:nvPr>
-            <p:ph type="sldNum" idx="12"/>
+            <p:ph idx="12" type="sldNum"/>
           </p:nvPr>
         </p:nvSpPr>
         <p:spPr>
@@ -5737,7 +5986,7 @@
           </a:prstGeom>
         </p:spPr>
         <p:txBody>
-          <a:bodyPr spcFirstLastPara="1" wrap="square" lIns="91425" tIns="91425" rIns="91425" bIns="91425" anchor="ctr" anchorCtr="0">
+          <a:bodyPr anchorCtr="0" anchor="ctr" bIns="91425" lIns="91425" spcFirstLastPara="1" rIns="91425" wrap="square" tIns="91425">
             <a:normAutofit/>
           </a:bodyPr>
           <a:lstStyle>
@@ -5779,7 +6028,7 @@
             </a:lvl9pPr>
           </a:lstStyle>
           <a:p>
-            <a:pPr marL="0" lvl="0" indent="0" algn="r" rtl="0">
+            <a:pPr indent="0" lvl="0" marL="0" rtl="0" algn="r">
               <a:spcBef>
                 <a:spcPts val="0"/>
               </a:spcBef>
@@ -5805,11 +6054,11 @@
 </file>
 
 <file path=ppt/slideLayouts/slideLayout7.xml><?xml version="1.0" encoding="utf-8"?>
-<p:sldLayout xmlns:a="http://schemas.openxmlformats.org/drawingml/2006/main" xmlns:r="http://schemas.openxmlformats.org/officeDocument/2006/relationships" xmlns:p="http://schemas.openxmlformats.org/presentationml/2006/main" matchingName="Main point">
+<p:sldLayout xmlns:a="http://schemas.openxmlformats.org/drawingml/2006/main" xmlns:r="http://schemas.openxmlformats.org/officeDocument/2006/relationships" xmlns:mc="http://schemas.openxmlformats.org/markup-compatibility/2006" xmlns:mv="urn:schemas-microsoft-com:mac:vml" xmlns:p="http://schemas.openxmlformats.org/presentationml/2006/main" xmlns:c="http://schemas.openxmlformats.org/drawingml/2006/chart" xmlns:dgm="http://schemas.openxmlformats.org/drawingml/2006/diagram" xmlns:o="urn:schemas-microsoft-com:office:office" xmlns:v="urn:schemas-microsoft-com:vml" xmlns:pvml="urn:schemas-microsoft-com:office:powerpoint" xmlns:com="http://schemas.openxmlformats.org/drawingml/2006/compatibility" xmlns:p14="http://schemas.microsoft.com/office/powerpoint/2010/main" xmlns:p15="http://schemas.microsoft.com/office/powerpoint/2012/main" xmlns:ahyp="http://schemas.microsoft.com/office/drawing/2018/hyperlinkcolor" matchingName="Main point">
   <p:cSld name="MAIN_POINT">
     <p:spTree>
       <p:nvGrpSpPr>
-        <p:cNvPr id="1" name="Shape 69"/>
+        <p:cNvPr id="69" name="Shape 69"/>
         <p:cNvGrpSpPr/>
         <p:nvPr/>
       </p:nvGrpSpPr>
@@ -5848,7 +6097,7 @@
             </a:xfrm>
             <a:prstGeom prst="diagStripe">
               <a:avLst>
-                <a:gd name="adj" fmla="val 49469"/>
+                <a:gd fmla="val 49469" name="adj"/>
               </a:avLst>
             </a:prstGeom>
             <a:solidFill>
@@ -5861,12 +6110,12 @@
             </a:ln>
           </p:spPr>
           <p:txBody>
-            <a:bodyPr spcFirstLastPara="1" wrap="square" lIns="91425" tIns="91425" rIns="91425" bIns="91425" anchor="ctr" anchorCtr="0">
+            <a:bodyPr anchorCtr="0" anchor="ctr" bIns="91425" lIns="91425" spcFirstLastPara="1" rIns="91425" wrap="square" tIns="91425">
               <a:noAutofit/>
             </a:bodyPr>
             <a:lstStyle/>
             <a:p>
-              <a:pPr marL="0" lvl="0" indent="0" algn="l" rtl="0">
+              <a:pPr indent="0" lvl="0" marL="0" rtl="0" algn="l">
                 <a:spcBef>
                   <a:spcPts val="0"/>
                 </a:spcBef>
@@ -5875,6 +6124,9 @@
                 </a:spcAft>
                 <a:buNone/>
               </a:pPr>
+              <a:r>
+                <a:t/>
+              </a:r>
               <a:endParaRPr/>
             </a:p>
           </p:txBody>
@@ -5892,7 +6144,7 @@
             </a:xfrm>
             <a:prstGeom prst="diagStripe">
               <a:avLst>
-                <a:gd name="adj" fmla="val 0"/>
+                <a:gd fmla="val 0" name="adj"/>
               </a:avLst>
             </a:prstGeom>
             <a:solidFill>
@@ -5905,12 +6157,12 @@
             </a:ln>
           </p:spPr>
           <p:txBody>
-            <a:bodyPr spcFirstLastPara="1" wrap="square" lIns="91425" tIns="91425" rIns="91425" bIns="91425" anchor="ctr" anchorCtr="0">
+            <a:bodyPr anchorCtr="0" anchor="ctr" bIns="91425" lIns="91425" spcFirstLastPara="1" rIns="91425" wrap="square" tIns="91425">
               <a:noAutofit/>
             </a:bodyPr>
             <a:lstStyle/>
             <a:p>
-              <a:pPr marL="0" lvl="0" indent="0" algn="l" rtl="0">
+              <a:pPr indent="0" lvl="0" marL="0" rtl="0" algn="l">
                 <a:spcBef>
                   <a:spcPts val="0"/>
                 </a:spcBef>
@@ -5919,6 +6171,9 @@
                 </a:spcAft>
                 <a:buNone/>
               </a:pPr>
+              <a:r>
+                <a:t/>
+              </a:r>
               <a:endParaRPr/>
             </a:p>
           </p:txBody>
@@ -5936,7 +6191,7 @@
             </a:xfrm>
             <a:prstGeom prst="diagStripe">
               <a:avLst>
-                <a:gd name="adj" fmla="val 50000"/>
+                <a:gd fmla="val 50000" name="adj"/>
               </a:avLst>
             </a:prstGeom>
             <a:solidFill>
@@ -5949,12 +6204,12 @@
             </a:ln>
           </p:spPr>
           <p:txBody>
-            <a:bodyPr spcFirstLastPara="1" wrap="square" lIns="91425" tIns="91425" rIns="91425" bIns="91425" anchor="ctr" anchorCtr="0">
+            <a:bodyPr anchorCtr="0" anchor="ctr" bIns="91425" lIns="91425" spcFirstLastPara="1" rIns="91425" wrap="square" tIns="91425">
               <a:noAutofit/>
             </a:bodyPr>
             <a:lstStyle/>
             <a:p>
-              <a:pPr marL="0" lvl="0" indent="0" algn="l" rtl="0">
+              <a:pPr indent="0" lvl="0" marL="0" rtl="0" algn="l">
                 <a:spcBef>
                   <a:spcPts val="0"/>
                 </a:spcBef>
@@ -5963,6 +6218,9 @@
                 </a:spcAft>
                 <a:buNone/>
               </a:pPr>
+              <a:r>
+                <a:t/>
+              </a:r>
               <a:endParaRPr/>
             </a:p>
           </p:txBody>
@@ -5980,7 +6238,7 @@
             </a:xfrm>
             <a:prstGeom prst="diagStripe">
               <a:avLst>
-                <a:gd name="adj" fmla="val 50000"/>
+                <a:gd fmla="val 50000" name="adj"/>
               </a:avLst>
             </a:prstGeom>
             <a:solidFill>
@@ -5993,12 +6251,12 @@
             </a:ln>
           </p:spPr>
           <p:txBody>
-            <a:bodyPr spcFirstLastPara="1" wrap="square" lIns="91425" tIns="91425" rIns="91425" bIns="91425" anchor="ctr" anchorCtr="0">
+            <a:bodyPr anchorCtr="0" anchor="ctr" bIns="91425" lIns="91425" spcFirstLastPara="1" rIns="91425" wrap="square" tIns="91425">
               <a:noAutofit/>
             </a:bodyPr>
             <a:lstStyle/>
             <a:p>
-              <a:pPr marL="0" lvl="0" indent="0" algn="l" rtl="0">
+              <a:pPr indent="0" lvl="0" marL="0" rtl="0" algn="l">
                 <a:spcBef>
                   <a:spcPts val="0"/>
                 </a:spcBef>
@@ -6007,6 +6265,9 @@
                 </a:spcAft>
                 <a:buNone/>
               </a:pPr>
+              <a:r>
+                <a:t/>
+              </a:r>
               <a:endParaRPr/>
             </a:p>
           </p:txBody>
@@ -6024,7 +6285,7 @@
             </a:xfrm>
             <a:prstGeom prst="diagStripe">
               <a:avLst>
-                <a:gd name="adj" fmla="val 50000"/>
+                <a:gd fmla="val 50000" name="adj"/>
               </a:avLst>
             </a:prstGeom>
             <a:solidFill>
@@ -6037,12 +6298,12 @@
             </a:ln>
           </p:spPr>
           <p:txBody>
-            <a:bodyPr spcFirstLastPara="1" wrap="square" lIns="91425" tIns="91425" rIns="91425" bIns="91425" anchor="ctr" anchorCtr="0">
+            <a:bodyPr anchorCtr="0" anchor="ctr" bIns="91425" lIns="91425" spcFirstLastPara="1" rIns="91425" wrap="square" tIns="91425">
               <a:noAutofit/>
             </a:bodyPr>
             <a:lstStyle/>
             <a:p>
-              <a:pPr marL="0" lvl="0" indent="0" algn="l" rtl="0">
+              <a:pPr indent="0" lvl="0" marL="0" rtl="0" algn="l">
                 <a:spcBef>
                   <a:spcPts val="0"/>
                 </a:spcBef>
@@ -6051,6 +6312,9 @@
                 </a:spcAft>
                 <a:buNone/>
               </a:pPr>
+              <a:r>
+                <a:t/>
+              </a:r>
               <a:endParaRPr/>
             </a:p>
           </p:txBody>
@@ -6068,7 +6332,7 @@
             </a:xfrm>
             <a:prstGeom prst="diagStripe">
               <a:avLst>
-                <a:gd name="adj" fmla="val 50000"/>
+                <a:gd fmla="val 50000" name="adj"/>
               </a:avLst>
             </a:prstGeom>
             <a:solidFill>
@@ -6081,12 +6345,12 @@
             </a:ln>
           </p:spPr>
           <p:txBody>
-            <a:bodyPr spcFirstLastPara="1" wrap="square" lIns="91425" tIns="91425" rIns="91425" bIns="91425" anchor="ctr" anchorCtr="0">
+            <a:bodyPr anchorCtr="0" anchor="ctr" bIns="91425" lIns="91425" spcFirstLastPara="1" rIns="91425" wrap="square" tIns="91425">
               <a:noAutofit/>
             </a:bodyPr>
             <a:lstStyle/>
             <a:p>
-              <a:pPr marL="0" lvl="0" indent="0" algn="l" rtl="0">
+              <a:pPr indent="0" lvl="0" marL="0" rtl="0" algn="l">
                 <a:spcBef>
                   <a:spcPts val="0"/>
                 </a:spcBef>
@@ -6095,6 +6359,9 @@
                 </a:spcAft>
                 <a:buNone/>
               </a:pPr>
+              <a:r>
+                <a:t/>
+              </a:r>
               <a:endParaRPr/>
             </a:p>
           </p:txBody>
@@ -6112,7 +6379,7 @@
             </a:xfrm>
             <a:prstGeom prst="diagStripe">
               <a:avLst>
-                <a:gd name="adj" fmla="val 50000"/>
+                <a:gd fmla="val 50000" name="adj"/>
               </a:avLst>
             </a:prstGeom>
             <a:solidFill>
@@ -6125,12 +6392,12 @@
             </a:ln>
           </p:spPr>
           <p:txBody>
-            <a:bodyPr spcFirstLastPara="1" wrap="square" lIns="91425" tIns="91425" rIns="91425" bIns="91425" anchor="ctr" anchorCtr="0">
+            <a:bodyPr anchorCtr="0" anchor="ctr" bIns="91425" lIns="91425" spcFirstLastPara="1" rIns="91425" wrap="square" tIns="91425">
               <a:noAutofit/>
             </a:bodyPr>
             <a:lstStyle/>
             <a:p>
-              <a:pPr marL="0" lvl="0" indent="0" algn="l" rtl="0">
+              <a:pPr indent="0" lvl="0" marL="0" rtl="0" algn="l">
                 <a:spcBef>
                   <a:spcPts val="0"/>
                 </a:spcBef>
@@ -6139,6 +6406,9 @@
                 </a:spcAft>
                 <a:buNone/>
               </a:pPr>
+              <a:r>
+                <a:t/>
+              </a:r>
               <a:endParaRPr/>
             </a:p>
           </p:txBody>
@@ -6156,7 +6426,7 @@
             </a:xfrm>
             <a:prstGeom prst="diagStripe">
               <a:avLst>
-                <a:gd name="adj" fmla="val 50000"/>
+                <a:gd fmla="val 50000" name="adj"/>
               </a:avLst>
             </a:prstGeom>
             <a:solidFill>
@@ -6167,12 +6437,12 @@
             </a:ln>
           </p:spPr>
           <p:txBody>
-            <a:bodyPr spcFirstLastPara="1" wrap="square" lIns="91425" tIns="91425" rIns="91425" bIns="91425" anchor="ctr" anchorCtr="0">
+            <a:bodyPr anchorCtr="0" anchor="ctr" bIns="91425" lIns="91425" spcFirstLastPara="1" rIns="91425" wrap="square" tIns="91425">
               <a:noAutofit/>
             </a:bodyPr>
             <a:lstStyle/>
             <a:p>
-              <a:pPr marL="0" lvl="0" indent="0" algn="l" rtl="0">
+              <a:pPr indent="0" lvl="0" marL="0" rtl="0" algn="l">
                 <a:spcBef>
                   <a:spcPts val="0"/>
                 </a:spcBef>
@@ -6181,6 +6451,9 @@
                 </a:spcAft>
                 <a:buNone/>
               </a:pPr>
+              <a:r>
+                <a:t/>
+              </a:r>
               <a:endParaRPr/>
             </a:p>
           </p:txBody>
@@ -6198,7 +6471,7 @@
             </a:xfrm>
             <a:prstGeom prst="diagStripe">
               <a:avLst>
-                <a:gd name="adj" fmla="val 50000"/>
+                <a:gd fmla="val 50000" name="adj"/>
               </a:avLst>
             </a:prstGeom>
             <a:solidFill>
@@ -6211,12 +6484,12 @@
             </a:ln>
           </p:spPr>
           <p:txBody>
-            <a:bodyPr spcFirstLastPara="1" wrap="square" lIns="91425" tIns="91425" rIns="91425" bIns="91425" anchor="ctr" anchorCtr="0">
+            <a:bodyPr anchorCtr="0" anchor="ctr" bIns="91425" lIns="91425" spcFirstLastPara="1" rIns="91425" wrap="square" tIns="91425">
               <a:noAutofit/>
             </a:bodyPr>
             <a:lstStyle/>
             <a:p>
-              <a:pPr marL="0" lvl="0" indent="0" algn="l" rtl="0">
+              <a:pPr indent="0" lvl="0" marL="0" rtl="0" algn="l">
                 <a:spcBef>
                   <a:spcPts val="0"/>
                 </a:spcBef>
@@ -6225,6 +6498,9 @@
                 </a:spcAft>
                 <a:buNone/>
               </a:pPr>
+              <a:r>
+                <a:t/>
+              </a:r>
               <a:endParaRPr/>
             </a:p>
           </p:txBody>
@@ -6242,7 +6518,7 @@
             </a:xfrm>
             <a:prstGeom prst="diagStripe">
               <a:avLst>
-                <a:gd name="adj" fmla="val 50000"/>
+                <a:gd fmla="val 50000" name="adj"/>
               </a:avLst>
             </a:prstGeom>
             <a:solidFill>
@@ -6255,12 +6531,12 @@
             </a:ln>
           </p:spPr>
           <p:txBody>
-            <a:bodyPr spcFirstLastPara="1" wrap="square" lIns="91425" tIns="91425" rIns="91425" bIns="91425" anchor="ctr" anchorCtr="0">
+            <a:bodyPr anchorCtr="0" anchor="ctr" bIns="91425" lIns="91425" spcFirstLastPara="1" rIns="91425" wrap="square" tIns="91425">
               <a:noAutofit/>
             </a:bodyPr>
             <a:lstStyle/>
             <a:p>
-              <a:pPr marL="0" lvl="0" indent="0" algn="l" rtl="0">
+              <a:pPr indent="0" lvl="0" marL="0" rtl="0" algn="l">
                 <a:spcBef>
                   <a:spcPts val="0"/>
                 </a:spcBef>
@@ -6269,6 +6545,9 @@
                 </a:spcAft>
                 <a:buNone/>
               </a:pPr>
+              <a:r>
+                <a:t/>
+              </a:r>
               <a:endParaRPr/>
             </a:p>
           </p:txBody>
@@ -6286,7 +6565,7 @@
             </a:xfrm>
             <a:prstGeom prst="diagStripe">
               <a:avLst>
-                <a:gd name="adj" fmla="val 50000"/>
+                <a:gd fmla="val 50000" name="adj"/>
               </a:avLst>
             </a:prstGeom>
             <a:solidFill>
@@ -6299,12 +6578,12 @@
             </a:ln>
           </p:spPr>
           <p:txBody>
-            <a:bodyPr spcFirstLastPara="1" wrap="square" lIns="91425" tIns="91425" rIns="91425" bIns="91425" anchor="ctr" anchorCtr="0">
+            <a:bodyPr anchorCtr="0" anchor="ctr" bIns="91425" lIns="91425" spcFirstLastPara="1" rIns="91425" wrap="square" tIns="91425">
               <a:noAutofit/>
             </a:bodyPr>
             <a:lstStyle/>
             <a:p>
-              <a:pPr marL="0" lvl="0" indent="0" algn="l" rtl="0">
+              <a:pPr indent="0" lvl="0" marL="0" rtl="0" algn="l">
                 <a:spcBef>
                   <a:spcPts val="0"/>
                 </a:spcBef>
@@ -6313,6 +6592,9 @@
                 </a:spcAft>
                 <a:buNone/>
               </a:pPr>
+              <a:r>
+                <a:t/>
+              </a:r>
               <a:endParaRPr/>
             </a:p>
           </p:txBody>
@@ -6330,7 +6612,7 @@
             </a:xfrm>
             <a:prstGeom prst="diagStripe">
               <a:avLst>
-                <a:gd name="adj" fmla="val 50000"/>
+                <a:gd fmla="val 50000" name="adj"/>
               </a:avLst>
             </a:prstGeom>
             <a:solidFill>
@@ -6343,12 +6625,12 @@
             </a:ln>
           </p:spPr>
           <p:txBody>
-            <a:bodyPr spcFirstLastPara="1" wrap="square" lIns="91425" tIns="91425" rIns="91425" bIns="91425" anchor="ctr" anchorCtr="0">
+            <a:bodyPr anchorCtr="0" anchor="ctr" bIns="91425" lIns="91425" spcFirstLastPara="1" rIns="91425" wrap="square" tIns="91425">
               <a:noAutofit/>
             </a:bodyPr>
             <a:lstStyle/>
             <a:p>
-              <a:pPr marL="0" lvl="0" indent="0" algn="l" rtl="0">
+              <a:pPr indent="0" lvl="0" marL="0" rtl="0" algn="l">
                 <a:spcBef>
                   <a:spcPts val="0"/>
                 </a:spcBef>
@@ -6357,6 +6639,9 @@
                 </a:spcAft>
                 <a:buNone/>
               </a:pPr>
+              <a:r>
+                <a:t/>
+              </a:r>
               <a:endParaRPr/>
             </a:p>
           </p:txBody>
@@ -6374,7 +6659,7 @@
             </a:xfrm>
             <a:prstGeom prst="diagStripe">
               <a:avLst>
-                <a:gd name="adj" fmla="val 50000"/>
+                <a:gd fmla="val 50000" name="adj"/>
               </a:avLst>
             </a:prstGeom>
             <a:solidFill>
@@ -6387,12 +6672,12 @@
             </a:ln>
           </p:spPr>
           <p:txBody>
-            <a:bodyPr spcFirstLastPara="1" wrap="square" lIns="91425" tIns="91425" rIns="91425" bIns="91425" anchor="ctr" anchorCtr="0">
+            <a:bodyPr anchorCtr="0" anchor="ctr" bIns="91425" lIns="91425" spcFirstLastPara="1" rIns="91425" wrap="square" tIns="91425">
               <a:noAutofit/>
             </a:bodyPr>
             <a:lstStyle/>
             <a:p>
-              <a:pPr marL="0" lvl="0" indent="0" algn="l" rtl="0">
+              <a:pPr indent="0" lvl="0" marL="0" rtl="0" algn="l">
                 <a:spcBef>
                   <a:spcPts val="0"/>
                 </a:spcBef>
@@ -6401,6 +6686,9 @@
                 </a:spcAft>
                 <a:buNone/>
               </a:pPr>
+              <a:r>
+                <a:t/>
+              </a:r>
               <a:endParaRPr/>
             </a:p>
           </p:txBody>
@@ -6418,7 +6706,7 @@
             </a:xfrm>
             <a:prstGeom prst="diagStripe">
               <a:avLst>
-                <a:gd name="adj" fmla="val 50000"/>
+                <a:gd fmla="val 50000" name="adj"/>
               </a:avLst>
             </a:prstGeom>
             <a:solidFill>
@@ -6429,12 +6717,12 @@
             </a:ln>
           </p:spPr>
           <p:txBody>
-            <a:bodyPr spcFirstLastPara="1" wrap="square" lIns="91425" tIns="91425" rIns="91425" bIns="91425" anchor="ctr" anchorCtr="0">
+            <a:bodyPr anchorCtr="0" anchor="ctr" bIns="91425" lIns="91425" spcFirstLastPara="1" rIns="91425" wrap="square" tIns="91425">
               <a:noAutofit/>
             </a:bodyPr>
             <a:lstStyle/>
             <a:p>
-              <a:pPr marL="0" lvl="0" indent="0" algn="l" rtl="0">
+              <a:pPr indent="0" lvl="0" marL="0" rtl="0" algn="l">
                 <a:spcBef>
                   <a:spcPts val="0"/>
                 </a:spcBef>
@@ -6443,6 +6731,9 @@
                 </a:spcAft>
                 <a:buNone/>
               </a:pPr>
+              <a:r>
+                <a:t/>
+              </a:r>
               <a:endParaRPr/>
             </a:p>
           </p:txBody>
@@ -6460,7 +6751,7 @@
             </a:xfrm>
             <a:prstGeom prst="diagStripe">
               <a:avLst>
-                <a:gd name="adj" fmla="val 50000"/>
+                <a:gd fmla="val 50000" name="adj"/>
               </a:avLst>
             </a:prstGeom>
             <a:solidFill>
@@ -6473,12 +6764,12 @@
             </a:ln>
           </p:spPr>
           <p:txBody>
-            <a:bodyPr spcFirstLastPara="1" wrap="square" lIns="91425" tIns="91425" rIns="91425" bIns="91425" anchor="ctr" anchorCtr="0">
+            <a:bodyPr anchorCtr="0" anchor="ctr" bIns="91425" lIns="91425" spcFirstLastPara="1" rIns="91425" wrap="square" tIns="91425">
               <a:noAutofit/>
             </a:bodyPr>
             <a:lstStyle/>
             <a:p>
-              <a:pPr marL="0" lvl="0" indent="0" algn="l" rtl="0">
+              <a:pPr indent="0" lvl="0" marL="0" rtl="0" algn="l">
                 <a:spcBef>
                   <a:spcPts val="0"/>
                 </a:spcBef>
@@ -6487,6 +6778,9 @@
                 </a:spcAft>
                 <a:buNone/>
               </a:pPr>
+              <a:r>
+                <a:t/>
+              </a:r>
               <a:endParaRPr/>
             </a:p>
           </p:txBody>
@@ -6504,7 +6798,7 @@
             </a:xfrm>
             <a:prstGeom prst="diagStripe">
               <a:avLst>
-                <a:gd name="adj" fmla="val 50000"/>
+                <a:gd fmla="val 50000" name="adj"/>
               </a:avLst>
             </a:prstGeom>
             <a:solidFill>
@@ -6517,12 +6811,12 @@
             </a:ln>
           </p:spPr>
           <p:txBody>
-            <a:bodyPr spcFirstLastPara="1" wrap="square" lIns="91425" tIns="91425" rIns="91425" bIns="91425" anchor="ctr" anchorCtr="0">
+            <a:bodyPr anchorCtr="0" anchor="ctr" bIns="91425" lIns="91425" spcFirstLastPara="1" rIns="91425" wrap="square" tIns="91425">
               <a:noAutofit/>
             </a:bodyPr>
             <a:lstStyle/>
             <a:p>
-              <a:pPr marL="0" lvl="0" indent="0" algn="l" rtl="0">
+              <a:pPr indent="0" lvl="0" marL="0" rtl="0" algn="l">
                 <a:spcBef>
                   <a:spcPts val="0"/>
                 </a:spcBef>
@@ -6531,6 +6825,9 @@
                 </a:spcAft>
                 <a:buNone/>
               </a:pPr>
+              <a:r>
+                <a:t/>
+              </a:r>
               <a:endParaRPr/>
             </a:p>
           </p:txBody>
@@ -6548,7 +6845,7 @@
             </a:xfrm>
             <a:prstGeom prst="diagStripe">
               <a:avLst>
-                <a:gd name="adj" fmla="val 50000"/>
+                <a:gd fmla="val 50000" name="adj"/>
               </a:avLst>
             </a:prstGeom>
             <a:solidFill>
@@ -6561,12 +6858,12 @@
             </a:ln>
           </p:spPr>
           <p:txBody>
-            <a:bodyPr spcFirstLastPara="1" wrap="square" lIns="91425" tIns="91425" rIns="91425" bIns="91425" anchor="ctr" anchorCtr="0">
+            <a:bodyPr anchorCtr="0" anchor="ctr" bIns="91425" lIns="91425" spcFirstLastPara="1" rIns="91425" wrap="square" tIns="91425">
               <a:noAutofit/>
             </a:bodyPr>
             <a:lstStyle/>
             <a:p>
-              <a:pPr marL="0" lvl="0" indent="0" algn="l" rtl="0">
+              <a:pPr indent="0" lvl="0" marL="0" rtl="0" algn="l">
                 <a:spcBef>
                   <a:spcPts val="0"/>
                 </a:spcBef>
@@ -6575,6 +6872,9 @@
                 </a:spcAft>
                 <a:buNone/>
               </a:pPr>
+              <a:r>
+                <a:t/>
+              </a:r>
               <a:endParaRPr/>
             </a:p>
           </p:txBody>
@@ -6592,7 +6892,7 @@
             </a:xfrm>
             <a:prstGeom prst="diagStripe">
               <a:avLst>
-                <a:gd name="adj" fmla="val 50000"/>
+                <a:gd fmla="val 50000" name="adj"/>
               </a:avLst>
             </a:prstGeom>
             <a:solidFill>
@@ -6605,12 +6905,12 @@
             </a:ln>
           </p:spPr>
           <p:txBody>
-            <a:bodyPr spcFirstLastPara="1" wrap="square" lIns="91425" tIns="91425" rIns="91425" bIns="91425" anchor="ctr" anchorCtr="0">
+            <a:bodyPr anchorCtr="0" anchor="ctr" bIns="91425" lIns="91425" spcFirstLastPara="1" rIns="91425" wrap="square" tIns="91425">
               <a:noAutofit/>
             </a:bodyPr>
             <a:lstStyle/>
             <a:p>
-              <a:pPr marL="0" lvl="0" indent="0" algn="l" rtl="0">
+              <a:pPr indent="0" lvl="0" marL="0" rtl="0" algn="l">
                 <a:spcBef>
                   <a:spcPts val="0"/>
                 </a:spcBef>
@@ -6619,6 +6919,9 @@
                 </a:spcAft>
                 <a:buNone/>
               </a:pPr>
+              <a:r>
+                <a:t/>
+              </a:r>
               <a:endParaRPr/>
             </a:p>
           </p:txBody>
@@ -6627,9 +6930,7 @@
       <p:sp>
         <p:nvSpPr>
           <p:cNvPr id="89" name="Google Shape;89;p8"/>
-          <p:cNvSpPr txBox="1">
-            <a:spLocks noGrp="1"/>
-          </p:cNvSpPr>
+          <p:cNvSpPr txBox="1"/>
           <p:nvPr>
             <p:ph type="title"/>
           </p:nvPr>
@@ -6644,7 +6945,7 @@
           </a:prstGeom>
         </p:spPr>
         <p:txBody>
-          <a:bodyPr spcFirstLastPara="1" wrap="square" lIns="91425" tIns="91425" rIns="91425" bIns="91425" anchor="ctr" anchorCtr="0">
+          <a:bodyPr anchorCtr="0" anchor="ctr" bIns="91425" lIns="91425" spcFirstLastPara="1" rIns="91425" wrap="square" tIns="91425">
             <a:normAutofit/>
           </a:bodyPr>
           <a:lstStyle>
@@ -6748,19 +7049,15 @@
               <a:defRPr/>
             </a:lvl9pPr>
           </a:lstStyle>
-          <a:p>
-            <a:endParaRPr/>
-          </a:p>
+          <a:p/>
         </p:txBody>
       </p:sp>
       <p:sp>
         <p:nvSpPr>
           <p:cNvPr id="90" name="Google Shape;90;p8"/>
-          <p:cNvSpPr txBox="1">
-            <a:spLocks noGrp="1"/>
-          </p:cNvSpPr>
+          <p:cNvSpPr txBox="1"/>
           <p:nvPr>
-            <p:ph type="sldNum" idx="12"/>
+            <p:ph idx="12" type="sldNum"/>
           </p:nvPr>
         </p:nvSpPr>
         <p:spPr>
@@ -6773,7 +7070,7 @@
           </a:prstGeom>
         </p:spPr>
         <p:txBody>
-          <a:bodyPr spcFirstLastPara="1" wrap="square" lIns="91425" tIns="91425" rIns="91425" bIns="91425" anchor="ctr" anchorCtr="0">
+          <a:bodyPr anchorCtr="0" anchor="ctr" bIns="91425" lIns="91425" spcFirstLastPara="1" rIns="91425" wrap="square" tIns="91425">
             <a:normAutofit/>
           </a:bodyPr>
           <a:lstStyle>
@@ -6815,7 +7112,7 @@
             </a:lvl9pPr>
           </a:lstStyle>
           <a:p>
-            <a:pPr marL="0" lvl="0" indent="0" algn="r" rtl="0">
+            <a:pPr indent="0" lvl="0" marL="0" rtl="0" algn="r">
               <a:spcBef>
                 <a:spcPts val="0"/>
               </a:spcBef>
@@ -6841,11 +7138,11 @@
 </file>
 
 <file path=ppt/slideLayouts/slideLayout8.xml><?xml version="1.0" encoding="utf-8"?>
-<p:sldLayout xmlns:a="http://schemas.openxmlformats.org/drawingml/2006/main" xmlns:r="http://schemas.openxmlformats.org/officeDocument/2006/relationships" xmlns:p="http://schemas.openxmlformats.org/presentationml/2006/main" matchingName="Section title and description">
+<p:sldLayout xmlns:a="http://schemas.openxmlformats.org/drawingml/2006/main" xmlns:r="http://schemas.openxmlformats.org/officeDocument/2006/relationships" xmlns:mc="http://schemas.openxmlformats.org/markup-compatibility/2006" xmlns:mv="urn:schemas-microsoft-com:mac:vml" xmlns:p="http://schemas.openxmlformats.org/presentationml/2006/main" xmlns:c="http://schemas.openxmlformats.org/drawingml/2006/chart" xmlns:dgm="http://schemas.openxmlformats.org/drawingml/2006/diagram" xmlns:o="urn:schemas-microsoft-com:office:office" xmlns:v="urn:schemas-microsoft-com:vml" xmlns:pvml="urn:schemas-microsoft-com:office:powerpoint" xmlns:com="http://schemas.openxmlformats.org/drawingml/2006/compatibility" xmlns:p14="http://schemas.microsoft.com/office/powerpoint/2010/main" xmlns:p15="http://schemas.microsoft.com/office/powerpoint/2012/main" xmlns:ahyp="http://schemas.microsoft.com/office/drawing/2018/hyperlinkcolor" matchingName="Section title and description">
   <p:cSld name="SECTION_TITLE_AND_DESCRIPTION">
     <p:spTree>
       <p:nvGrpSpPr>
-        <p:cNvPr id="1" name="Shape 91"/>
+        <p:cNvPr id="91" name="Shape 91"/>
         <p:cNvGrpSpPr/>
         <p:nvPr/>
       </p:nvGrpSpPr>
@@ -6884,7 +7181,7 @@
             </a:xfrm>
             <a:prstGeom prst="diagStripe">
               <a:avLst>
-                <a:gd name="adj" fmla="val 50000"/>
+                <a:gd fmla="val 50000" name="adj"/>
               </a:avLst>
             </a:prstGeom>
             <a:solidFill>
@@ -6895,12 +7192,12 @@
             </a:ln>
           </p:spPr>
           <p:txBody>
-            <a:bodyPr spcFirstLastPara="1" wrap="square" lIns="91425" tIns="91425" rIns="91425" bIns="91425" anchor="ctr" anchorCtr="0">
+            <a:bodyPr anchorCtr="0" anchor="ctr" bIns="91425" lIns="91425" spcFirstLastPara="1" rIns="91425" wrap="square" tIns="91425">
               <a:noAutofit/>
             </a:bodyPr>
             <a:lstStyle/>
             <a:p>
-              <a:pPr marL="0" lvl="0" indent="0" algn="l" rtl="0">
+              <a:pPr indent="0" lvl="0" marL="0" rtl="0" algn="l">
                 <a:spcBef>
                   <a:spcPts val="0"/>
                 </a:spcBef>
@@ -6909,6 +7206,9 @@
                 </a:spcAft>
                 <a:buNone/>
               </a:pPr>
+              <a:r>
+                <a:t/>
+              </a:r>
               <a:endParaRPr/>
             </a:p>
           </p:txBody>
@@ -6926,7 +7226,7 @@
             </a:xfrm>
             <a:prstGeom prst="diagStripe">
               <a:avLst>
-                <a:gd name="adj" fmla="val 50000"/>
+                <a:gd fmla="val 50000" name="adj"/>
               </a:avLst>
             </a:prstGeom>
             <a:solidFill>
@@ -6937,12 +7237,12 @@
             </a:ln>
           </p:spPr>
           <p:txBody>
-            <a:bodyPr spcFirstLastPara="1" wrap="square" lIns="91425" tIns="91425" rIns="91425" bIns="91425" anchor="ctr" anchorCtr="0">
+            <a:bodyPr anchorCtr="0" anchor="ctr" bIns="91425" lIns="91425" spcFirstLastPara="1" rIns="91425" wrap="square" tIns="91425">
               <a:noAutofit/>
             </a:bodyPr>
             <a:lstStyle/>
             <a:p>
-              <a:pPr marL="0" lvl="0" indent="0" algn="l" rtl="0">
+              <a:pPr indent="0" lvl="0" marL="0" rtl="0" algn="l">
                 <a:spcBef>
                   <a:spcPts val="0"/>
                 </a:spcBef>
@@ -6951,6 +7251,9 @@
                 </a:spcAft>
                 <a:buNone/>
               </a:pPr>
+              <a:r>
+                <a:t/>
+              </a:r>
               <a:endParaRPr/>
             </a:p>
           </p:txBody>
@@ -6959,9 +7262,7 @@
       <p:sp>
         <p:nvSpPr>
           <p:cNvPr id="95" name="Google Shape;95;p9"/>
-          <p:cNvSpPr txBox="1">
-            <a:spLocks noGrp="1"/>
-          </p:cNvSpPr>
+          <p:cNvSpPr txBox="1"/>
           <p:nvPr>
             <p:ph type="title"/>
           </p:nvPr>
@@ -6976,7 +7277,7 @@
           </a:prstGeom>
         </p:spPr>
         <p:txBody>
-          <a:bodyPr spcFirstLastPara="1" wrap="square" lIns="91425" tIns="91425" rIns="91425" bIns="91425" anchor="t" anchorCtr="0">
+          <a:bodyPr anchorCtr="0" anchor="t" bIns="91425" lIns="91425" spcFirstLastPara="1" rIns="91425" wrap="square" tIns="91425">
             <a:normAutofit/>
           </a:bodyPr>
           <a:lstStyle>
@@ -7080,19 +7381,15 @@
               <a:defRPr sz="2400"/>
             </a:lvl9pPr>
           </a:lstStyle>
-          <a:p>
-            <a:endParaRPr/>
-          </a:p>
+          <a:p/>
         </p:txBody>
       </p:sp>
       <p:sp>
         <p:nvSpPr>
           <p:cNvPr id="96" name="Google Shape;96;p9"/>
-          <p:cNvSpPr txBox="1">
-            <a:spLocks noGrp="1"/>
-          </p:cNvSpPr>
+          <p:cNvSpPr txBox="1"/>
           <p:nvPr>
-            <p:ph type="subTitle" idx="1"/>
+            <p:ph idx="1" type="subTitle"/>
           </p:nvPr>
         </p:nvSpPr>
         <p:spPr>
@@ -7105,7 +7402,7 @@
           </a:prstGeom>
         </p:spPr>
         <p:txBody>
-          <a:bodyPr spcFirstLastPara="1" wrap="square" lIns="91425" tIns="91425" rIns="91425" bIns="91425" anchor="t" anchorCtr="0">
+          <a:bodyPr anchorCtr="0" anchor="t" bIns="91425" lIns="91425" spcFirstLastPara="1" rIns="91425" wrap="square" tIns="91425">
             <a:normAutofit/>
           </a:bodyPr>
           <a:lstStyle>
@@ -7236,19 +7533,15 @@
               <a:defRPr sz="1300"/>
             </a:lvl9pPr>
           </a:lstStyle>
-          <a:p>
-            <a:endParaRPr/>
-          </a:p>
+          <a:p/>
         </p:txBody>
       </p:sp>
       <p:sp>
         <p:nvSpPr>
           <p:cNvPr id="97" name="Google Shape;97;p9"/>
-          <p:cNvSpPr txBox="1">
-            <a:spLocks noGrp="1"/>
-          </p:cNvSpPr>
+          <p:cNvSpPr txBox="1"/>
           <p:nvPr>
-            <p:ph type="body" idx="2"/>
+            <p:ph idx="2" type="body"/>
           </p:nvPr>
         </p:nvSpPr>
         <p:spPr>
@@ -7261,11 +7554,11 @@
           </a:prstGeom>
         </p:spPr>
         <p:txBody>
-          <a:bodyPr spcFirstLastPara="1" wrap="square" lIns="91425" tIns="91425" rIns="91425" bIns="91425" anchor="t" anchorCtr="0">
+          <a:bodyPr anchorCtr="0" anchor="t" bIns="91425" lIns="91425" spcFirstLastPara="1" rIns="91425" wrap="square" tIns="91425">
             <a:normAutofit/>
           </a:bodyPr>
           <a:lstStyle>
-            <a:lvl1pPr marL="457200" lvl="0" indent="-311150">
+            <a:lvl1pPr indent="-311150" lvl="0" marL="457200">
               <a:spcBef>
                 <a:spcPts val="0"/>
               </a:spcBef>
@@ -7276,7 +7569,7 @@
               <a:buChar char="●"/>
               <a:defRPr/>
             </a:lvl1pPr>
-            <a:lvl2pPr marL="914400" lvl="1" indent="-298450">
+            <a:lvl2pPr indent="-298450" lvl="1" marL="914400">
               <a:spcBef>
                 <a:spcPts val="0"/>
               </a:spcBef>
@@ -7287,7 +7580,7 @@
               <a:buChar char="○"/>
               <a:defRPr/>
             </a:lvl2pPr>
-            <a:lvl3pPr marL="1371600" lvl="2" indent="-298450">
+            <a:lvl3pPr indent="-298450" lvl="2" marL="1371600">
               <a:spcBef>
                 <a:spcPts val="0"/>
               </a:spcBef>
@@ -7298,7 +7591,7 @@
               <a:buChar char="■"/>
               <a:defRPr/>
             </a:lvl3pPr>
-            <a:lvl4pPr marL="1828800" lvl="3" indent="-298450">
+            <a:lvl4pPr indent="-298450" lvl="3" marL="1828800">
               <a:spcBef>
                 <a:spcPts val="0"/>
               </a:spcBef>
@@ -7309,7 +7602,7 @@
               <a:buChar char="●"/>
               <a:defRPr/>
             </a:lvl4pPr>
-            <a:lvl5pPr marL="2286000" lvl="4" indent="-298450">
+            <a:lvl5pPr indent="-298450" lvl="4" marL="2286000">
               <a:spcBef>
                 <a:spcPts val="0"/>
               </a:spcBef>
@@ -7320,7 +7613,7 @@
               <a:buChar char="○"/>
               <a:defRPr/>
             </a:lvl5pPr>
-            <a:lvl6pPr marL="2743200" lvl="5" indent="-298450">
+            <a:lvl6pPr indent="-298450" lvl="5" marL="2743200">
               <a:spcBef>
                 <a:spcPts val="0"/>
               </a:spcBef>
@@ -7331,7 +7624,7 @@
               <a:buChar char="■"/>
               <a:defRPr/>
             </a:lvl6pPr>
-            <a:lvl7pPr marL="3200400" lvl="6" indent="-298450">
+            <a:lvl7pPr indent="-298450" lvl="6" marL="3200400">
               <a:spcBef>
                 <a:spcPts val="0"/>
               </a:spcBef>
@@ -7342,7 +7635,7 @@
               <a:buChar char="●"/>
               <a:defRPr/>
             </a:lvl7pPr>
-            <a:lvl8pPr marL="3657600" lvl="7" indent="-298450">
+            <a:lvl8pPr indent="-298450" lvl="7" marL="3657600">
               <a:spcBef>
                 <a:spcPts val="0"/>
               </a:spcBef>
@@ -7353,7 +7646,7 @@
               <a:buChar char="○"/>
               <a:defRPr/>
             </a:lvl8pPr>
-            <a:lvl9pPr marL="4114800" lvl="8" indent="-298450">
+            <a:lvl9pPr indent="-298450" lvl="8" marL="4114800">
               <a:spcBef>
                 <a:spcPts val="0"/>
               </a:spcBef>
@@ -7365,19 +7658,15 @@
               <a:defRPr/>
             </a:lvl9pPr>
           </a:lstStyle>
-          <a:p>
-            <a:endParaRPr/>
-          </a:p>
+          <a:p/>
         </p:txBody>
       </p:sp>
       <p:sp>
         <p:nvSpPr>
           <p:cNvPr id="98" name="Google Shape;98;p9"/>
-          <p:cNvSpPr txBox="1">
-            <a:spLocks noGrp="1"/>
-          </p:cNvSpPr>
+          <p:cNvSpPr txBox="1"/>
           <p:nvPr>
-            <p:ph type="sldNum" idx="12"/>
+            <p:ph idx="12" type="sldNum"/>
           </p:nvPr>
         </p:nvSpPr>
         <p:spPr>
@@ -7390,7 +7679,7 @@
           </a:prstGeom>
         </p:spPr>
         <p:txBody>
-          <a:bodyPr spcFirstLastPara="1" wrap="square" lIns="91425" tIns="91425" rIns="91425" bIns="91425" anchor="ctr" anchorCtr="0">
+          <a:bodyPr anchorCtr="0" anchor="ctr" bIns="91425" lIns="91425" spcFirstLastPara="1" rIns="91425" wrap="square" tIns="91425">
             <a:normAutofit/>
           </a:bodyPr>
           <a:lstStyle>
@@ -7432,7 +7721,7 @@
             </a:lvl9pPr>
           </a:lstStyle>
           <a:p>
-            <a:pPr marL="0" lvl="0" indent="0" algn="r" rtl="0">
+            <a:pPr indent="0" lvl="0" marL="0" rtl="0" algn="r">
               <a:spcBef>
                 <a:spcPts val="0"/>
               </a:spcBef>
@@ -7458,11 +7747,11 @@
 </file>
 
 <file path=ppt/slideLayouts/slideLayout9.xml><?xml version="1.0" encoding="utf-8"?>
-<p:sldLayout xmlns:a="http://schemas.openxmlformats.org/drawingml/2006/main" xmlns:r="http://schemas.openxmlformats.org/officeDocument/2006/relationships" xmlns:p="http://schemas.openxmlformats.org/presentationml/2006/main" matchingName="Caption">
+<p:sldLayout xmlns:a="http://schemas.openxmlformats.org/drawingml/2006/main" xmlns:r="http://schemas.openxmlformats.org/officeDocument/2006/relationships" xmlns:mc="http://schemas.openxmlformats.org/markup-compatibility/2006" xmlns:mv="urn:schemas-microsoft-com:mac:vml" xmlns:p="http://schemas.openxmlformats.org/presentationml/2006/main" xmlns:c="http://schemas.openxmlformats.org/drawingml/2006/chart" xmlns:dgm="http://schemas.openxmlformats.org/drawingml/2006/diagram" xmlns:o="urn:schemas-microsoft-com:office:office" xmlns:v="urn:schemas-microsoft-com:vml" xmlns:pvml="urn:schemas-microsoft-com:office:powerpoint" xmlns:com="http://schemas.openxmlformats.org/drawingml/2006/compatibility" xmlns:p14="http://schemas.microsoft.com/office/powerpoint/2010/main" xmlns:p15="http://schemas.microsoft.com/office/powerpoint/2012/main" xmlns:ahyp="http://schemas.microsoft.com/office/drawing/2018/hyperlinkcolor" matchingName="Caption">
   <p:cSld name="CAPTION_ONLY">
     <p:spTree>
       <p:nvGrpSpPr>
-        <p:cNvPr id="1" name="Shape 99"/>
+        <p:cNvPr id="99" name="Shape 99"/>
         <p:cNvGrpSpPr/>
         <p:nvPr/>
       </p:nvGrpSpPr>
@@ -7501,7 +7790,7 @@
             </a:xfrm>
             <a:prstGeom prst="diagStripe">
               <a:avLst>
-                <a:gd name="adj" fmla="val 50000"/>
+                <a:gd fmla="val 50000" name="adj"/>
               </a:avLst>
             </a:prstGeom>
             <a:solidFill>
@@ -7514,12 +7803,12 @@
             </a:ln>
           </p:spPr>
           <p:txBody>
-            <a:bodyPr spcFirstLastPara="1" wrap="square" lIns="91425" tIns="91425" rIns="91425" bIns="91425" anchor="ctr" anchorCtr="0">
+            <a:bodyPr anchorCtr="0" anchor="ctr" bIns="91425" lIns="91425" spcFirstLastPara="1" rIns="91425" wrap="square" tIns="91425">
               <a:noAutofit/>
             </a:bodyPr>
             <a:lstStyle/>
             <a:p>
-              <a:pPr marL="0" lvl="0" indent="0" algn="l" rtl="0">
+              <a:pPr indent="0" lvl="0" marL="0" rtl="0" algn="l">
                 <a:spcBef>
                   <a:spcPts val="0"/>
                 </a:spcBef>
@@ -7528,6 +7817,9 @@
                 </a:spcAft>
                 <a:buNone/>
               </a:pPr>
+              <a:r>
+                <a:t/>
+              </a:r>
               <a:endParaRPr/>
             </a:p>
           </p:txBody>
@@ -7545,7 +7837,7 @@
             </a:xfrm>
             <a:prstGeom prst="diagStripe">
               <a:avLst>
-                <a:gd name="adj" fmla="val 50000"/>
+                <a:gd fmla="val 50000" name="adj"/>
               </a:avLst>
             </a:prstGeom>
             <a:solidFill>
@@ -7558,12 +7850,12 @@
             </a:ln>
           </p:spPr>
           <p:txBody>
-            <a:bodyPr spcFirstLastPara="1" wrap="square" lIns="91425" tIns="91425" rIns="91425" bIns="91425" anchor="ctr" anchorCtr="0">
+            <a:bodyPr anchorCtr="0" anchor="ctr" bIns="91425" lIns="91425" spcFirstLastPara="1" rIns="91425" wrap="square" tIns="91425">
               <a:noAutofit/>
             </a:bodyPr>
             <a:lstStyle/>
             <a:p>
-              <a:pPr marL="0" lvl="0" indent="0" algn="l" rtl="0">
+              <a:pPr indent="0" lvl="0" marL="0" rtl="0" algn="l">
                 <a:spcBef>
                   <a:spcPts val="0"/>
                 </a:spcBef>
@@ -7572,6 +7864,9 @@
                 </a:spcAft>
                 <a:buNone/>
               </a:pPr>
+              <a:r>
+                <a:t/>
+              </a:r>
               <a:endParaRPr/>
             </a:p>
           </p:txBody>
@@ -7580,11 +7875,9 @@
       <p:sp>
         <p:nvSpPr>
           <p:cNvPr id="103" name="Google Shape;103;p10"/>
-          <p:cNvSpPr txBox="1">
-            <a:spLocks noGrp="1"/>
-          </p:cNvSpPr>
+          <p:cNvSpPr txBox="1"/>
           <p:nvPr>
-            <p:ph type="body" idx="1"/>
+            <p:ph idx="1" type="body"/>
           </p:nvPr>
         </p:nvSpPr>
         <p:spPr>
@@ -7597,11 +7890,11 @@
           </a:prstGeom>
         </p:spPr>
         <p:txBody>
-          <a:bodyPr spcFirstLastPara="1" wrap="square" lIns="91425" tIns="91425" rIns="91425" bIns="91425" anchor="ctr" anchorCtr="0">
+          <a:bodyPr anchorCtr="0" anchor="ctr" bIns="91425" lIns="91425" spcFirstLastPara="1" rIns="91425" wrap="square" tIns="91425">
             <a:normAutofit/>
           </a:bodyPr>
           <a:lstStyle>
-            <a:lvl1pPr marL="457200" lvl="0" indent="-228600">
+            <a:lvl1pPr indent="-228600" lvl="0" marL="457200">
               <a:lnSpc>
                 <a:spcPct val="100000"/>
               </a:lnSpc>
@@ -7616,19 +7909,15 @@
               <a:defRPr/>
             </a:lvl1pPr>
           </a:lstStyle>
-          <a:p>
-            <a:endParaRPr/>
-          </a:p>
+          <a:p/>
         </p:txBody>
       </p:sp>
       <p:sp>
         <p:nvSpPr>
           <p:cNvPr id="104" name="Google Shape;104;p10"/>
-          <p:cNvSpPr txBox="1">
-            <a:spLocks noGrp="1"/>
-          </p:cNvSpPr>
+          <p:cNvSpPr txBox="1"/>
           <p:nvPr>
-            <p:ph type="sldNum" idx="12"/>
+            <p:ph idx="12" type="sldNum"/>
           </p:nvPr>
         </p:nvSpPr>
         <p:spPr>
@@ -7641,7 +7930,7 @@
           </a:prstGeom>
         </p:spPr>
         <p:txBody>
-          <a:bodyPr spcFirstLastPara="1" wrap="square" lIns="91425" tIns="91425" rIns="91425" bIns="91425" anchor="ctr" anchorCtr="0">
+          <a:bodyPr anchorCtr="0" anchor="ctr" bIns="91425" lIns="91425" spcFirstLastPara="1" rIns="91425" wrap="square" tIns="91425">
             <a:normAutofit/>
           </a:bodyPr>
           <a:lstStyle>
@@ -7683,7 +7972,7 @@
             </a:lvl9pPr>
           </a:lstStyle>
           <a:p>
-            <a:pPr marL="0" lvl="0" indent="0" algn="r" rtl="0">
+            <a:pPr indent="0" lvl="0" marL="0" rtl="0" algn="r">
               <a:spcBef>
                 <a:spcPts val="0"/>
               </a:spcBef>
@@ -7709,19 +7998,18 @@
 </file>
 
 <file path=ppt/slideMasters/slideMaster1.xml><?xml version="1.0" encoding="utf-8"?>
-<p:sldMaster xmlns:a="http://schemas.openxmlformats.org/drawingml/2006/main" xmlns:r="http://schemas.openxmlformats.org/officeDocument/2006/relationships" xmlns:p="http://schemas.openxmlformats.org/presentationml/2006/main">
+<p:sldMaster xmlns:a="http://schemas.openxmlformats.org/drawingml/2006/main" xmlns:r="http://schemas.openxmlformats.org/officeDocument/2006/relationships" xmlns:mc="http://schemas.openxmlformats.org/markup-compatibility/2006" xmlns:mv="urn:schemas-microsoft-com:mac:vml" xmlns:p="http://schemas.openxmlformats.org/presentationml/2006/main" xmlns:c="http://schemas.openxmlformats.org/drawingml/2006/chart" xmlns:dgm="http://schemas.openxmlformats.org/drawingml/2006/diagram" xmlns:o="urn:schemas-microsoft-com:office:office" xmlns:v="urn:schemas-microsoft-com:vml" xmlns:pvml="urn:schemas-microsoft-com:office:powerpoint" xmlns:com="http://schemas.openxmlformats.org/drawingml/2006/compatibility" xmlns:p14="http://schemas.microsoft.com/office/powerpoint/2010/main" xmlns:p15="http://schemas.microsoft.com/office/powerpoint/2012/main" xmlns:ahyp="http://schemas.microsoft.com/office/drawing/2018/hyperlinkcolor">
   <p:cSld name="focus">
     <p:bg>
       <p:bgPr>
         <a:solidFill>
           <a:schemeClr val="dk1"/>
         </a:solidFill>
-        <a:effectLst/>
       </p:bgPr>
     </p:bg>
     <p:spTree>
       <p:nvGrpSpPr>
-        <p:cNvPr id="1" name="Shape 5"/>
+        <p:cNvPr id="5" name="Shape 5"/>
         <p:cNvGrpSpPr/>
         <p:nvPr/>
       </p:nvGrpSpPr>
@@ -7736,9 +8024,7 @@
       <p:sp>
         <p:nvSpPr>
           <p:cNvPr id="6" name="Google Shape;6;p1"/>
-          <p:cNvSpPr txBox="1">
-            <a:spLocks noGrp="1"/>
-          </p:cNvSpPr>
+          <p:cNvSpPr txBox="1"/>
           <p:nvPr>
             <p:ph type="title"/>
           </p:nvPr>
@@ -7757,7 +8043,7 @@
           </a:ln>
         </p:spPr>
         <p:txBody>
-          <a:bodyPr spcFirstLastPara="1" wrap="square" lIns="91425" tIns="91425" rIns="91425" bIns="91425" anchor="t" anchorCtr="0">
+          <a:bodyPr anchorCtr="0" anchor="t" bIns="91425" lIns="91425" spcFirstLastPara="1" rIns="91425" wrap="square" tIns="91425">
             <a:normAutofit/>
           </a:bodyPr>
           <a:lstStyle>
@@ -7969,19 +8255,15 @@
               </a:defRPr>
             </a:lvl9pPr>
           </a:lstStyle>
-          <a:p>
-            <a:endParaRPr/>
-          </a:p>
+          <a:p/>
         </p:txBody>
       </p:sp>
       <p:sp>
         <p:nvSpPr>
           <p:cNvPr id="7" name="Google Shape;7;p1"/>
-          <p:cNvSpPr txBox="1">
-            <a:spLocks noGrp="1"/>
-          </p:cNvSpPr>
+          <p:cNvSpPr txBox="1"/>
           <p:nvPr>
-            <p:ph type="body" idx="1"/>
+            <p:ph idx="1" type="body"/>
           </p:nvPr>
         </p:nvSpPr>
         <p:spPr>
@@ -7998,11 +8280,11 @@
           </a:ln>
         </p:spPr>
         <p:txBody>
-          <a:bodyPr spcFirstLastPara="1" wrap="square" lIns="91425" tIns="91425" rIns="91425" bIns="91425" anchor="t" anchorCtr="0">
+          <a:bodyPr anchorCtr="0" anchor="t" bIns="91425" lIns="91425" spcFirstLastPara="1" rIns="91425" wrap="square" tIns="91425">
             <a:normAutofit/>
           </a:bodyPr>
           <a:lstStyle>
-            <a:lvl1pPr marL="457200" lvl="0" indent="-311150">
+            <a:lvl1pPr indent="-311150" lvl="0" marL="457200">
               <a:lnSpc>
                 <a:spcPct val="115000"/>
               </a:lnSpc>
@@ -8028,7 +8310,7 @@
                 <a:sym typeface="Lato"/>
               </a:defRPr>
             </a:lvl1pPr>
-            <a:lvl2pPr marL="914400" lvl="1" indent="-298450">
+            <a:lvl2pPr indent="-298450" lvl="1" marL="914400">
               <a:lnSpc>
                 <a:spcPct val="115000"/>
               </a:lnSpc>
@@ -8054,7 +8336,7 @@
                 <a:sym typeface="Lato"/>
               </a:defRPr>
             </a:lvl2pPr>
-            <a:lvl3pPr marL="1371600" lvl="2" indent="-298450">
+            <a:lvl3pPr indent="-298450" lvl="2" marL="1371600">
               <a:lnSpc>
                 <a:spcPct val="115000"/>
               </a:lnSpc>
@@ -8080,7 +8362,7 @@
                 <a:sym typeface="Lato"/>
               </a:defRPr>
             </a:lvl3pPr>
-            <a:lvl4pPr marL="1828800" lvl="3" indent="-298450">
+            <a:lvl4pPr indent="-298450" lvl="3" marL="1828800">
               <a:lnSpc>
                 <a:spcPct val="115000"/>
               </a:lnSpc>
@@ -8106,7 +8388,7 @@
                 <a:sym typeface="Lato"/>
               </a:defRPr>
             </a:lvl4pPr>
-            <a:lvl5pPr marL="2286000" lvl="4" indent="-298450">
+            <a:lvl5pPr indent="-298450" lvl="4" marL="2286000">
               <a:lnSpc>
                 <a:spcPct val="115000"/>
               </a:lnSpc>
@@ -8132,7 +8414,7 @@
                 <a:sym typeface="Lato"/>
               </a:defRPr>
             </a:lvl5pPr>
-            <a:lvl6pPr marL="2743200" lvl="5" indent="-298450">
+            <a:lvl6pPr indent="-298450" lvl="5" marL="2743200">
               <a:lnSpc>
                 <a:spcPct val="115000"/>
               </a:lnSpc>
@@ -8158,7 +8440,7 @@
                 <a:sym typeface="Lato"/>
               </a:defRPr>
             </a:lvl6pPr>
-            <a:lvl7pPr marL="3200400" lvl="6" indent="-298450">
+            <a:lvl7pPr indent="-298450" lvl="6" marL="3200400">
               <a:lnSpc>
                 <a:spcPct val="115000"/>
               </a:lnSpc>
@@ -8184,7 +8466,7 @@
                 <a:sym typeface="Lato"/>
               </a:defRPr>
             </a:lvl7pPr>
-            <a:lvl8pPr marL="3657600" lvl="7" indent="-298450">
+            <a:lvl8pPr indent="-298450" lvl="7" marL="3657600">
               <a:lnSpc>
                 <a:spcPct val="115000"/>
               </a:lnSpc>
@@ -8210,7 +8492,7 @@
                 <a:sym typeface="Lato"/>
               </a:defRPr>
             </a:lvl8pPr>
-            <a:lvl9pPr marL="4114800" lvl="8" indent="-298450">
+            <a:lvl9pPr indent="-298450" lvl="8" marL="4114800">
               <a:lnSpc>
                 <a:spcPct val="115000"/>
               </a:lnSpc>
@@ -8237,19 +8519,15 @@
               </a:defRPr>
             </a:lvl9pPr>
           </a:lstStyle>
-          <a:p>
-            <a:endParaRPr/>
-          </a:p>
+          <a:p/>
         </p:txBody>
       </p:sp>
       <p:sp>
         <p:nvSpPr>
           <p:cNvPr id="8" name="Google Shape;8;p1"/>
-          <p:cNvSpPr txBox="1">
-            <a:spLocks noGrp="1"/>
-          </p:cNvSpPr>
+          <p:cNvSpPr txBox="1"/>
           <p:nvPr>
-            <p:ph type="sldNum" idx="12"/>
+            <p:ph idx="12" type="sldNum"/>
           </p:nvPr>
         </p:nvSpPr>
         <p:spPr>
@@ -8266,7 +8544,7 @@
           </a:ln>
         </p:spPr>
         <p:txBody>
-          <a:bodyPr spcFirstLastPara="1" wrap="square" lIns="91425" tIns="91425" rIns="91425" bIns="91425" anchor="ctr" anchorCtr="0">
+          <a:bodyPr anchorCtr="0" anchor="ctr" bIns="91425" lIns="91425" spcFirstLastPara="1" rIns="91425" wrap="square" tIns="91425">
             <a:normAutofit/>
           </a:bodyPr>
           <a:lstStyle>
@@ -8380,7 +8658,7 @@
             </a:lvl9pPr>
           </a:lstStyle>
           <a:p>
-            <a:pPr marL="0" lvl="0" indent="0" algn="r" rtl="0">
+            <a:pPr indent="0" lvl="0" marL="0" rtl="0" algn="r">
               <a:spcBef>
                 <a:spcPts val="0"/>
               </a:spcBef>
@@ -8399,7 +8677,7 @@
       </p:sp>
     </p:spTree>
   </p:cSld>
-  <p:clrMap bg1="lt1" tx1="dk1" bg2="dk2" tx2="lt2" accent1="accent1" accent2="accent2" accent3="accent3" accent4="accent4" accent5="accent5" accent6="accent6" hlink="hlink" folHlink="folHlink"/>
+  <p:clrMap accent1="accent1" accent2="accent2" accent3="accent3" accent4="accent4" accent5="accent5" accent6="accent6" bg1="lt1" bg2="dk2" tx1="dk1" tx2="lt2" folHlink="folHlink" hlink="hlink"/>
   <p:sldLayoutIdLst>
     <p:sldLayoutId id="2147483648" r:id="rId1"/>
     <p:sldLayoutId id="2147483649" r:id="rId2"/>
@@ -8413,10 +8691,10 @@
     <p:sldLayoutId id="2147483657" r:id="rId10"/>
     <p:sldLayoutId id="2147483658" r:id="rId11"/>
   </p:sldLayoutIdLst>
-  <p:hf sldNum="0" hdr="0" ftr="0" dt="0"/>
+  <p:hf dt="0" ftr="0" hdr="0" sldNum="0"/>
   <p:txStyles>
     <p:titleStyle>
-      <a:defPPr marR="0" lvl="0" algn="l" rtl="0">
+      <a:defPPr lvl="0" marR="0" rtl="0" algn="l">
         <a:lnSpc>
           <a:spcPct val="100000"/>
         </a:lnSpc>
@@ -8427,7 +8705,7 @@
           <a:spcPts val="0"/>
         </a:spcAft>
       </a:defPPr>
-      <a:lvl1pPr marR="0" lvl="0" algn="l" rtl="0">
+      <a:lvl1pPr lvl="0" marR="0" rtl="0" algn="l">
         <a:lnSpc>
           <a:spcPct val="100000"/>
         </a:lnSpc>
@@ -8441,7 +8719,7 @@
           <a:srgbClr val="000000"/>
         </a:buClr>
         <a:buFont typeface="Arial"/>
-        <a:defRPr sz="1400" b="0" i="0" u="none" strike="noStrike" cap="none">
+        <a:defRPr b="0" i="0" sz="1400" u="none" cap="none" strike="noStrike">
           <a:solidFill>
             <a:srgbClr val="000000"/>
           </a:solidFill>
@@ -8451,7 +8729,7 @@
           <a:sym typeface="Arial"/>
         </a:defRPr>
       </a:lvl1pPr>
-      <a:lvl2pPr marR="0" lvl="1" algn="l" rtl="0">
+      <a:lvl2pPr lvl="1" marR="0" rtl="0" algn="l">
         <a:lnSpc>
           <a:spcPct val="100000"/>
         </a:lnSpc>
@@ -8465,7 +8743,7 @@
           <a:srgbClr val="000000"/>
         </a:buClr>
         <a:buFont typeface="Arial"/>
-        <a:defRPr sz="1400" b="0" i="0" u="none" strike="noStrike" cap="none">
+        <a:defRPr b="0" i="0" sz="1400" u="none" cap="none" strike="noStrike">
           <a:solidFill>
             <a:srgbClr val="000000"/>
           </a:solidFill>
@@ -8475,7 +8753,7 @@
           <a:sym typeface="Arial"/>
         </a:defRPr>
       </a:lvl2pPr>
-      <a:lvl3pPr marR="0" lvl="2" algn="l" rtl="0">
+      <a:lvl3pPr lvl="2" marR="0" rtl="0" algn="l">
         <a:lnSpc>
           <a:spcPct val="100000"/>
         </a:lnSpc>
@@ -8489,7 +8767,7 @@
           <a:srgbClr val="000000"/>
         </a:buClr>
         <a:buFont typeface="Arial"/>
-        <a:defRPr sz="1400" b="0" i="0" u="none" strike="noStrike" cap="none">
+        <a:defRPr b="0" i="0" sz="1400" u="none" cap="none" strike="noStrike">
           <a:solidFill>
             <a:srgbClr val="000000"/>
           </a:solidFill>
@@ -8499,7 +8777,7 @@
           <a:sym typeface="Arial"/>
         </a:defRPr>
       </a:lvl3pPr>
-      <a:lvl4pPr marR="0" lvl="3" algn="l" rtl="0">
+      <a:lvl4pPr lvl="3" marR="0" rtl="0" algn="l">
         <a:lnSpc>
           <a:spcPct val="100000"/>
         </a:lnSpc>
@@ -8513,7 +8791,7 @@
           <a:srgbClr val="000000"/>
         </a:buClr>
         <a:buFont typeface="Arial"/>
-        <a:defRPr sz="1400" b="0" i="0" u="none" strike="noStrike" cap="none">
+        <a:defRPr b="0" i="0" sz="1400" u="none" cap="none" strike="noStrike">
           <a:solidFill>
             <a:srgbClr val="000000"/>
           </a:solidFill>
@@ -8523,7 +8801,7 @@
           <a:sym typeface="Arial"/>
         </a:defRPr>
       </a:lvl4pPr>
-      <a:lvl5pPr marR="0" lvl="4" algn="l" rtl="0">
+      <a:lvl5pPr lvl="4" marR="0" rtl="0" algn="l">
         <a:lnSpc>
           <a:spcPct val="100000"/>
         </a:lnSpc>
@@ -8537,7 +8815,7 @@
           <a:srgbClr val="000000"/>
         </a:buClr>
         <a:buFont typeface="Arial"/>
-        <a:defRPr sz="1400" b="0" i="0" u="none" strike="noStrike" cap="none">
+        <a:defRPr b="0" i="0" sz="1400" u="none" cap="none" strike="noStrike">
           <a:solidFill>
             <a:srgbClr val="000000"/>
           </a:solidFill>
@@ -8547,7 +8825,7 @@
           <a:sym typeface="Arial"/>
         </a:defRPr>
       </a:lvl5pPr>
-      <a:lvl6pPr marR="0" lvl="5" algn="l" rtl="0">
+      <a:lvl6pPr lvl="5" marR="0" rtl="0" algn="l">
         <a:lnSpc>
           <a:spcPct val="100000"/>
         </a:lnSpc>
@@ -8561,7 +8839,7 @@
           <a:srgbClr val="000000"/>
         </a:buClr>
         <a:buFont typeface="Arial"/>
-        <a:defRPr sz="1400" b="0" i="0" u="none" strike="noStrike" cap="none">
+        <a:defRPr b="0" i="0" sz="1400" u="none" cap="none" strike="noStrike">
           <a:solidFill>
             <a:srgbClr val="000000"/>
           </a:solidFill>
@@ -8571,7 +8849,7 @@
           <a:sym typeface="Arial"/>
         </a:defRPr>
       </a:lvl6pPr>
-      <a:lvl7pPr marR="0" lvl="6" algn="l" rtl="0">
+      <a:lvl7pPr lvl="6" marR="0" rtl="0" algn="l">
         <a:lnSpc>
           <a:spcPct val="100000"/>
         </a:lnSpc>
@@ -8585,7 +8863,7 @@
           <a:srgbClr val="000000"/>
         </a:buClr>
         <a:buFont typeface="Arial"/>
-        <a:defRPr sz="1400" b="0" i="0" u="none" strike="noStrike" cap="none">
+        <a:defRPr b="0" i="0" sz="1400" u="none" cap="none" strike="noStrike">
           <a:solidFill>
             <a:srgbClr val="000000"/>
           </a:solidFill>
@@ -8595,7 +8873,7 @@
           <a:sym typeface="Arial"/>
         </a:defRPr>
       </a:lvl7pPr>
-      <a:lvl8pPr marR="0" lvl="7" algn="l" rtl="0">
+      <a:lvl8pPr lvl="7" marR="0" rtl="0" algn="l">
         <a:lnSpc>
           <a:spcPct val="100000"/>
         </a:lnSpc>
@@ -8609,7 +8887,7 @@
           <a:srgbClr val="000000"/>
         </a:buClr>
         <a:buFont typeface="Arial"/>
-        <a:defRPr sz="1400" b="0" i="0" u="none" strike="noStrike" cap="none">
+        <a:defRPr b="0" i="0" sz="1400" u="none" cap="none" strike="noStrike">
           <a:solidFill>
             <a:srgbClr val="000000"/>
           </a:solidFill>
@@ -8619,7 +8897,7 @@
           <a:sym typeface="Arial"/>
         </a:defRPr>
       </a:lvl8pPr>
-      <a:lvl9pPr marR="0" lvl="8" algn="l" rtl="0">
+      <a:lvl9pPr lvl="8" marR="0" rtl="0" algn="l">
         <a:lnSpc>
           <a:spcPct val="100000"/>
         </a:lnSpc>
@@ -8633,7 +8911,7 @@
           <a:srgbClr val="000000"/>
         </a:buClr>
         <a:buFont typeface="Arial"/>
-        <a:defRPr sz="1400" b="0" i="0" u="none" strike="noStrike" cap="none">
+        <a:defRPr b="0" i="0" sz="1400" u="none" cap="none" strike="noStrike">
           <a:solidFill>
             <a:srgbClr val="000000"/>
           </a:solidFill>
@@ -8645,7 +8923,7 @@
       </a:lvl9pPr>
     </p:titleStyle>
     <p:bodyStyle>
-      <a:defPPr marR="0" lvl="0" algn="l" rtl="0">
+      <a:defPPr lvl="0" marR="0" rtl="0" algn="l">
         <a:lnSpc>
           <a:spcPct val="100000"/>
         </a:lnSpc>
@@ -8656,7 +8934,7 @@
           <a:spcPts val="0"/>
         </a:spcAft>
       </a:defPPr>
-      <a:lvl1pPr marR="0" lvl="0" algn="l" rtl="0">
+      <a:lvl1pPr lvl="0" marR="0" rtl="0" algn="l">
         <a:lnSpc>
           <a:spcPct val="100000"/>
         </a:lnSpc>
@@ -8670,7 +8948,7 @@
           <a:srgbClr val="000000"/>
         </a:buClr>
         <a:buFont typeface="Arial"/>
-        <a:defRPr sz="1400" b="0" i="0" u="none" strike="noStrike" cap="none">
+        <a:defRPr b="0" i="0" sz="1400" u="none" cap="none" strike="noStrike">
           <a:solidFill>
             <a:srgbClr val="000000"/>
           </a:solidFill>
@@ -8680,7 +8958,7 @@
           <a:sym typeface="Arial"/>
         </a:defRPr>
       </a:lvl1pPr>
-      <a:lvl2pPr marR="0" lvl="1" algn="l" rtl="0">
+      <a:lvl2pPr lvl="1" marR="0" rtl="0" algn="l">
         <a:lnSpc>
           <a:spcPct val="100000"/>
         </a:lnSpc>
@@ -8694,7 +8972,7 @@
           <a:srgbClr val="000000"/>
         </a:buClr>
         <a:buFont typeface="Arial"/>
-        <a:defRPr sz="1400" b="0" i="0" u="none" strike="noStrike" cap="none">
+        <a:defRPr b="0" i="0" sz="1400" u="none" cap="none" strike="noStrike">
           <a:solidFill>
             <a:srgbClr val="000000"/>
           </a:solidFill>
@@ -8704,7 +8982,7 @@
           <a:sym typeface="Arial"/>
         </a:defRPr>
       </a:lvl2pPr>
-      <a:lvl3pPr marR="0" lvl="2" algn="l" rtl="0">
+      <a:lvl3pPr lvl="2" marR="0" rtl="0" algn="l">
         <a:lnSpc>
           <a:spcPct val="100000"/>
         </a:lnSpc>
@@ -8718,7 +8996,7 @@
           <a:srgbClr val="000000"/>
         </a:buClr>
         <a:buFont typeface="Arial"/>
-        <a:defRPr sz="1400" b="0" i="0" u="none" strike="noStrike" cap="none">
+        <a:defRPr b="0" i="0" sz="1400" u="none" cap="none" strike="noStrike">
           <a:solidFill>
             <a:srgbClr val="000000"/>
           </a:solidFill>
@@ -8728,7 +9006,7 @@
           <a:sym typeface="Arial"/>
         </a:defRPr>
       </a:lvl3pPr>
-      <a:lvl4pPr marR="0" lvl="3" algn="l" rtl="0">
+      <a:lvl4pPr lvl="3" marR="0" rtl="0" algn="l">
         <a:lnSpc>
           <a:spcPct val="100000"/>
         </a:lnSpc>
@@ -8742,7 +9020,7 @@
           <a:srgbClr val="000000"/>
         </a:buClr>
         <a:buFont typeface="Arial"/>
-        <a:defRPr sz="1400" b="0" i="0" u="none" strike="noStrike" cap="none">
+        <a:defRPr b="0" i="0" sz="1400" u="none" cap="none" strike="noStrike">
           <a:solidFill>
             <a:srgbClr val="000000"/>
           </a:solidFill>
@@ -8752,7 +9030,7 @@
           <a:sym typeface="Arial"/>
         </a:defRPr>
       </a:lvl4pPr>
-      <a:lvl5pPr marR="0" lvl="4" algn="l" rtl="0">
+      <a:lvl5pPr lvl="4" marR="0" rtl="0" algn="l">
         <a:lnSpc>
           <a:spcPct val="100000"/>
         </a:lnSpc>
@@ -8766,7 +9044,7 @@
           <a:srgbClr val="000000"/>
         </a:buClr>
         <a:buFont typeface="Arial"/>
-        <a:defRPr sz="1400" b="0" i="0" u="none" strike="noStrike" cap="none">
+        <a:defRPr b="0" i="0" sz="1400" u="none" cap="none" strike="noStrike">
           <a:solidFill>
             <a:srgbClr val="000000"/>
           </a:solidFill>
@@ -8776,7 +9054,7 @@
           <a:sym typeface="Arial"/>
         </a:defRPr>
       </a:lvl5pPr>
-      <a:lvl6pPr marR="0" lvl="5" algn="l" rtl="0">
+      <a:lvl6pPr lvl="5" marR="0" rtl="0" algn="l">
         <a:lnSpc>
           <a:spcPct val="100000"/>
         </a:lnSpc>
@@ -8790,7 +9068,7 @@
           <a:srgbClr val="000000"/>
         </a:buClr>
         <a:buFont typeface="Arial"/>
-        <a:defRPr sz="1400" b="0" i="0" u="none" strike="noStrike" cap="none">
+        <a:defRPr b="0" i="0" sz="1400" u="none" cap="none" strike="noStrike">
           <a:solidFill>
             <a:srgbClr val="000000"/>
           </a:solidFill>
@@ -8800,7 +9078,7 @@
           <a:sym typeface="Arial"/>
         </a:defRPr>
       </a:lvl6pPr>
-      <a:lvl7pPr marR="0" lvl="6" algn="l" rtl="0">
+      <a:lvl7pPr lvl="6" marR="0" rtl="0" algn="l">
         <a:lnSpc>
           <a:spcPct val="100000"/>
         </a:lnSpc>
@@ -8814,7 +9092,7 @@
           <a:srgbClr val="000000"/>
         </a:buClr>
         <a:buFont typeface="Arial"/>
-        <a:defRPr sz="1400" b="0" i="0" u="none" strike="noStrike" cap="none">
+        <a:defRPr b="0" i="0" sz="1400" u="none" cap="none" strike="noStrike">
           <a:solidFill>
             <a:srgbClr val="000000"/>
           </a:solidFill>
@@ -8824,7 +9102,7 @@
           <a:sym typeface="Arial"/>
         </a:defRPr>
       </a:lvl7pPr>
-      <a:lvl8pPr marR="0" lvl="7" algn="l" rtl="0">
+      <a:lvl8pPr lvl="7" marR="0" rtl="0" algn="l">
         <a:lnSpc>
           <a:spcPct val="100000"/>
         </a:lnSpc>
@@ -8838,7 +9116,7 @@
           <a:srgbClr val="000000"/>
         </a:buClr>
         <a:buFont typeface="Arial"/>
-        <a:defRPr sz="1400" b="0" i="0" u="none" strike="noStrike" cap="none">
+        <a:defRPr b="0" i="0" sz="1400" u="none" cap="none" strike="noStrike">
           <a:solidFill>
             <a:srgbClr val="000000"/>
           </a:solidFill>
@@ -8848,7 +9126,7 @@
           <a:sym typeface="Arial"/>
         </a:defRPr>
       </a:lvl8pPr>
-      <a:lvl9pPr marR="0" lvl="8" algn="l" rtl="0">
+      <a:lvl9pPr lvl="8" marR="0" rtl="0" algn="l">
         <a:lnSpc>
           <a:spcPct val="100000"/>
         </a:lnSpc>
@@ -8862,7 +9140,7 @@
           <a:srgbClr val="000000"/>
         </a:buClr>
         <a:buFont typeface="Arial"/>
-        <a:defRPr sz="1400" b="0" i="0" u="none" strike="noStrike" cap="none">
+        <a:defRPr b="0" i="0" sz="1400" u="none" cap="none" strike="noStrike">
           <a:solidFill>
             <a:srgbClr val="000000"/>
           </a:solidFill>
@@ -8874,7 +9152,7 @@
       </a:lvl9pPr>
     </p:bodyStyle>
     <p:otherStyle>
-      <a:defPPr marR="0" lvl="0" algn="l" rtl="0">
+      <a:defPPr lvl="0" marR="0" rtl="0" algn="l">
         <a:lnSpc>
           <a:spcPct val="100000"/>
         </a:lnSpc>
@@ -8885,7 +9163,7 @@
           <a:spcPts val="0"/>
         </a:spcAft>
       </a:defPPr>
-      <a:lvl1pPr marR="0" lvl="0" algn="l" rtl="0">
+      <a:lvl1pPr lvl="0" marR="0" rtl="0" algn="l">
         <a:lnSpc>
           <a:spcPct val="100000"/>
         </a:lnSpc>
@@ -8899,7 +9177,7 @@
           <a:srgbClr val="000000"/>
         </a:buClr>
         <a:buFont typeface="Arial"/>
-        <a:defRPr sz="1400" b="0" i="0" u="none" strike="noStrike" cap="none">
+        <a:defRPr b="0" i="0" sz="1400" u="none" cap="none" strike="noStrike">
           <a:solidFill>
             <a:srgbClr val="000000"/>
           </a:solidFill>
@@ -8909,7 +9187,7 @@
           <a:sym typeface="Arial"/>
         </a:defRPr>
       </a:lvl1pPr>
-      <a:lvl2pPr marR="0" lvl="1" algn="l" rtl="0">
+      <a:lvl2pPr lvl="1" marR="0" rtl="0" algn="l">
         <a:lnSpc>
           <a:spcPct val="100000"/>
         </a:lnSpc>
@@ -8923,7 +9201,7 @@
           <a:srgbClr val="000000"/>
         </a:buClr>
         <a:buFont typeface="Arial"/>
-        <a:defRPr sz="1400" b="0" i="0" u="none" strike="noStrike" cap="none">
+        <a:defRPr b="0" i="0" sz="1400" u="none" cap="none" strike="noStrike">
           <a:solidFill>
             <a:srgbClr val="000000"/>
           </a:solidFill>
@@ -8933,7 +9211,7 @@
           <a:sym typeface="Arial"/>
         </a:defRPr>
       </a:lvl2pPr>
-      <a:lvl3pPr marR="0" lvl="2" algn="l" rtl="0">
+      <a:lvl3pPr lvl="2" marR="0" rtl="0" algn="l">
         <a:lnSpc>
           <a:spcPct val="100000"/>
         </a:lnSpc>
@@ -8947,7 +9225,7 @@
           <a:srgbClr val="000000"/>
         </a:buClr>
         <a:buFont typeface="Arial"/>
-        <a:defRPr sz="1400" b="0" i="0" u="none" strike="noStrike" cap="none">
+        <a:defRPr b="0" i="0" sz="1400" u="none" cap="none" strike="noStrike">
           <a:solidFill>
             <a:srgbClr val="000000"/>
           </a:solidFill>
@@ -8957,7 +9235,7 @@
           <a:sym typeface="Arial"/>
         </a:defRPr>
       </a:lvl3pPr>
-      <a:lvl4pPr marR="0" lvl="3" algn="l" rtl="0">
+      <a:lvl4pPr lvl="3" marR="0" rtl="0" algn="l">
         <a:lnSpc>
           <a:spcPct val="100000"/>
         </a:lnSpc>
@@ -8971,7 +9249,7 @@
           <a:srgbClr val="000000"/>
         </a:buClr>
         <a:buFont typeface="Arial"/>
-        <a:defRPr sz="1400" b="0" i="0" u="none" strike="noStrike" cap="none">
+        <a:defRPr b="0" i="0" sz="1400" u="none" cap="none" strike="noStrike">
           <a:solidFill>
             <a:srgbClr val="000000"/>
           </a:solidFill>
@@ -8981,7 +9259,7 @@
           <a:sym typeface="Arial"/>
         </a:defRPr>
       </a:lvl4pPr>
-      <a:lvl5pPr marR="0" lvl="4" algn="l" rtl="0">
+      <a:lvl5pPr lvl="4" marR="0" rtl="0" algn="l">
         <a:lnSpc>
           <a:spcPct val="100000"/>
         </a:lnSpc>
@@ -8995,7 +9273,7 @@
           <a:srgbClr val="000000"/>
         </a:buClr>
         <a:buFont typeface="Arial"/>
-        <a:defRPr sz="1400" b="0" i="0" u="none" strike="noStrike" cap="none">
+        <a:defRPr b="0" i="0" sz="1400" u="none" cap="none" strike="noStrike">
           <a:solidFill>
             <a:srgbClr val="000000"/>
           </a:solidFill>
@@ -9005,7 +9283,7 @@
           <a:sym typeface="Arial"/>
         </a:defRPr>
       </a:lvl5pPr>
-      <a:lvl6pPr marR="0" lvl="5" algn="l" rtl="0">
+      <a:lvl6pPr lvl="5" marR="0" rtl="0" algn="l">
         <a:lnSpc>
           <a:spcPct val="100000"/>
         </a:lnSpc>
@@ -9019,7 +9297,7 @@
           <a:srgbClr val="000000"/>
         </a:buClr>
         <a:buFont typeface="Arial"/>
-        <a:defRPr sz="1400" b="0" i="0" u="none" strike="noStrike" cap="none">
+        <a:defRPr b="0" i="0" sz="1400" u="none" cap="none" strike="noStrike">
           <a:solidFill>
             <a:srgbClr val="000000"/>
           </a:solidFill>
@@ -9029,7 +9307,7 @@
           <a:sym typeface="Arial"/>
         </a:defRPr>
       </a:lvl6pPr>
-      <a:lvl7pPr marR="0" lvl="6" algn="l" rtl="0">
+      <a:lvl7pPr lvl="6" marR="0" rtl="0" algn="l">
         <a:lnSpc>
           <a:spcPct val="100000"/>
         </a:lnSpc>
@@ -9043,7 +9321,7 @@
           <a:srgbClr val="000000"/>
         </a:buClr>
         <a:buFont typeface="Arial"/>
-        <a:defRPr sz="1400" b="0" i="0" u="none" strike="noStrike" cap="none">
+        <a:defRPr b="0" i="0" sz="1400" u="none" cap="none" strike="noStrike">
           <a:solidFill>
             <a:srgbClr val="000000"/>
           </a:solidFill>
@@ -9053,7 +9331,7 @@
           <a:sym typeface="Arial"/>
         </a:defRPr>
       </a:lvl7pPr>
-      <a:lvl8pPr marR="0" lvl="7" algn="l" rtl="0">
+      <a:lvl8pPr lvl="7" marR="0" rtl="0" algn="l">
         <a:lnSpc>
           <a:spcPct val="100000"/>
         </a:lnSpc>
@@ -9067,7 +9345,7 @@
           <a:srgbClr val="000000"/>
         </a:buClr>
         <a:buFont typeface="Arial"/>
-        <a:defRPr sz="1400" b="0" i="0" u="none" strike="noStrike" cap="none">
+        <a:defRPr b="0" i="0" sz="1400" u="none" cap="none" strike="noStrike">
           <a:solidFill>
             <a:srgbClr val="000000"/>
           </a:solidFill>
@@ -9077,7 +9355,7 @@
           <a:sym typeface="Arial"/>
         </a:defRPr>
       </a:lvl8pPr>
-      <a:lvl9pPr marR="0" lvl="8" algn="l" rtl="0">
+      <a:lvl9pPr lvl="8" marR="0" rtl="0" algn="l">
         <a:lnSpc>
           <a:spcPct val="100000"/>
         </a:lnSpc>
@@ -9091,7 +9369,7 @@
           <a:srgbClr val="000000"/>
         </a:buClr>
         <a:buFont typeface="Arial"/>
-        <a:defRPr sz="1400" b="0" i="0" u="none" strike="noStrike" cap="none">
+        <a:defRPr b="0" i="0" sz="1400" u="none" cap="none" strike="noStrike">
           <a:solidFill>
             <a:srgbClr val="000000"/>
           </a:solidFill>
@@ -9107,11 +9385,11 @@
 </file>
 
 <file path=ppt/slides/slide1.xml><?xml version="1.0" encoding="utf-8"?>
-<p:sld xmlns:a="http://schemas.openxmlformats.org/drawingml/2006/main" xmlns:r="http://schemas.openxmlformats.org/officeDocument/2006/relationships" xmlns:p="http://schemas.openxmlformats.org/presentationml/2006/main">
+<p:sld xmlns:a="http://schemas.openxmlformats.org/drawingml/2006/main" xmlns:r="http://schemas.openxmlformats.org/officeDocument/2006/relationships" xmlns:mc="http://schemas.openxmlformats.org/markup-compatibility/2006" xmlns:mv="urn:schemas-microsoft-com:mac:vml" xmlns:p="http://schemas.openxmlformats.org/presentationml/2006/main" xmlns:c="http://schemas.openxmlformats.org/drawingml/2006/chart" xmlns:dgm="http://schemas.openxmlformats.org/drawingml/2006/diagram" xmlns:o="urn:schemas-microsoft-com:office:office" xmlns:v="urn:schemas-microsoft-com:vml" xmlns:pvml="urn:schemas-microsoft-com:office:powerpoint" xmlns:com="http://schemas.openxmlformats.org/drawingml/2006/compatibility" xmlns:p14="http://schemas.microsoft.com/office/powerpoint/2010/main" xmlns:p15="http://schemas.microsoft.com/office/powerpoint/2012/main" xmlns:ahyp="http://schemas.microsoft.com/office/drawing/2018/hyperlinkcolor">
   <p:cSld>
     <p:spTree>
       <p:nvGrpSpPr>
-        <p:cNvPr id="1" name="Shape 133"/>
+        <p:cNvPr id="133" name="Shape 133"/>
         <p:cNvGrpSpPr/>
         <p:nvPr/>
       </p:nvGrpSpPr>
@@ -9126,9 +9404,7 @@
       <p:sp>
         <p:nvSpPr>
           <p:cNvPr id="134" name="Google Shape;134;p13"/>
-          <p:cNvSpPr txBox="1">
-            <a:spLocks noGrp="1"/>
-          </p:cNvSpPr>
+          <p:cNvSpPr txBox="1"/>
           <p:nvPr>
             <p:ph type="ctrTitle"/>
           </p:nvPr>
@@ -9143,12 +9419,12 @@
           </a:prstGeom>
         </p:spPr>
         <p:txBody>
-          <a:bodyPr spcFirstLastPara="1" wrap="square" lIns="91425" tIns="91425" rIns="91425" bIns="91425" anchor="t" anchorCtr="0">
+          <a:bodyPr anchorCtr="0" anchor="t" bIns="91425" lIns="91425" spcFirstLastPara="1" rIns="91425" wrap="square" tIns="91425">
             <a:normAutofit/>
           </a:bodyPr>
           <a:lstStyle/>
           <a:p>
-            <a:pPr marL="0" lvl="0" indent="0" algn="l" rtl="0">
+            <a:pPr indent="0" lvl="0" marL="0" rtl="0" algn="l">
               <a:spcBef>
                 <a:spcPts val="0"/>
               </a:spcBef>
@@ -9168,11 +9444,9 @@
       <p:sp>
         <p:nvSpPr>
           <p:cNvPr id="135" name="Google Shape;135;p13"/>
-          <p:cNvSpPr txBox="1">
-            <a:spLocks noGrp="1"/>
-          </p:cNvSpPr>
+          <p:cNvSpPr txBox="1"/>
           <p:nvPr>
-            <p:ph type="subTitle" idx="1"/>
+            <p:ph idx="1" type="subTitle"/>
           </p:nvPr>
         </p:nvSpPr>
         <p:spPr>
@@ -9185,12 +9459,12 @@
           </a:prstGeom>
         </p:spPr>
         <p:txBody>
-          <a:bodyPr spcFirstLastPara="1" wrap="square" lIns="91425" tIns="91425" rIns="91425" bIns="91425" anchor="t" anchorCtr="0">
+          <a:bodyPr anchorCtr="0" anchor="t" bIns="91425" lIns="91425" spcFirstLastPara="1" rIns="91425" wrap="square" tIns="91425">
             <a:normAutofit lnSpcReduction="20000"/>
           </a:bodyPr>
           <a:lstStyle/>
           <a:p>
-            <a:pPr marL="0" lvl="0" indent="0" algn="l" rtl="0">
+            <a:pPr indent="0" lvl="0" marL="0" rtl="0" algn="l">
               <a:spcBef>
                 <a:spcPts val="0"/>
               </a:spcBef>
@@ -9216,11 +9490,11 @@
 </file>
 
 <file path=ppt/slides/slide2.xml><?xml version="1.0" encoding="utf-8"?>
-<p:sld xmlns:a="http://schemas.openxmlformats.org/drawingml/2006/main" xmlns:r="http://schemas.openxmlformats.org/officeDocument/2006/relationships" xmlns:p="http://schemas.openxmlformats.org/presentationml/2006/main">
+<p:sld xmlns:a="http://schemas.openxmlformats.org/drawingml/2006/main" xmlns:r="http://schemas.openxmlformats.org/officeDocument/2006/relationships" xmlns:mc="http://schemas.openxmlformats.org/markup-compatibility/2006" xmlns:mv="urn:schemas-microsoft-com:mac:vml" xmlns:p="http://schemas.openxmlformats.org/presentationml/2006/main" xmlns:c="http://schemas.openxmlformats.org/drawingml/2006/chart" xmlns:dgm="http://schemas.openxmlformats.org/drawingml/2006/diagram" xmlns:o="urn:schemas-microsoft-com:office:office" xmlns:v="urn:schemas-microsoft-com:vml" xmlns:pvml="urn:schemas-microsoft-com:office:powerpoint" xmlns:com="http://schemas.openxmlformats.org/drawingml/2006/compatibility" xmlns:p14="http://schemas.microsoft.com/office/powerpoint/2010/main" xmlns:p15="http://schemas.microsoft.com/office/powerpoint/2012/main" xmlns:ahyp="http://schemas.microsoft.com/office/drawing/2018/hyperlinkcolor">
   <p:cSld>
     <p:spTree>
       <p:nvGrpSpPr>
-        <p:cNvPr id="1" name="Shape 139"/>
+        <p:cNvPr id="139" name="Shape 139"/>
         <p:cNvGrpSpPr/>
         <p:nvPr/>
       </p:nvGrpSpPr>
@@ -9235,9 +9509,7 @@
       <p:sp>
         <p:nvSpPr>
           <p:cNvPr id="140" name="Google Shape;140;p14"/>
-          <p:cNvSpPr txBox="1">
-            <a:spLocks noGrp="1"/>
-          </p:cNvSpPr>
+          <p:cNvSpPr txBox="1"/>
           <p:nvPr>
             <p:ph type="title"/>
           </p:nvPr>
@@ -9252,12 +9524,12 @@
           </a:prstGeom>
         </p:spPr>
         <p:txBody>
-          <a:bodyPr spcFirstLastPara="1" wrap="square" lIns="91425" tIns="91425" rIns="91425" bIns="91425" anchor="t" anchorCtr="0">
+          <a:bodyPr anchorCtr="0" anchor="t" bIns="91425" lIns="91425" spcFirstLastPara="1" rIns="91425" wrap="square" tIns="91425">
             <a:normAutofit/>
           </a:bodyPr>
           <a:lstStyle/>
           <a:p>
-            <a:pPr marL="0" lvl="0" indent="0" algn="l" rtl="0">
+            <a:pPr indent="0" lvl="0" marL="0" rtl="0" algn="l">
               <a:spcBef>
                 <a:spcPts val="0"/>
               </a:spcBef>
@@ -9277,11 +9549,9 @@
       <p:sp>
         <p:nvSpPr>
           <p:cNvPr id="141" name="Google Shape;141;p14"/>
-          <p:cNvSpPr txBox="1">
-            <a:spLocks noGrp="1"/>
-          </p:cNvSpPr>
+          <p:cNvSpPr txBox="1"/>
           <p:nvPr>
-            <p:ph type="body" idx="1"/>
+            <p:ph idx="1" type="body"/>
           </p:nvPr>
         </p:nvSpPr>
         <p:spPr>
@@ -9294,12 +9564,12 @@
           </a:prstGeom>
         </p:spPr>
         <p:txBody>
-          <a:bodyPr spcFirstLastPara="1" wrap="square" lIns="91425" tIns="91425" rIns="91425" bIns="91425" anchor="t" anchorCtr="0">
+          <a:bodyPr anchorCtr="0" anchor="t" bIns="91425" lIns="91425" spcFirstLastPara="1" rIns="91425" wrap="square" tIns="91425">
             <a:normAutofit lnSpcReduction="10000"/>
           </a:bodyPr>
           <a:lstStyle/>
           <a:p>
-            <a:pPr marL="0" lvl="0" indent="0" algn="l" rtl="0">
+            <a:pPr indent="0" lvl="0" marL="0" rtl="0" algn="l">
               <a:spcBef>
                 <a:spcPts val="0"/>
               </a:spcBef>
@@ -9310,12 +9580,44 @@
             </a:pPr>
             <a:r>
               <a:rPr lang="en"/>
-              <a:t>	The Movie makes it very clear that Steve Jobs had a relatively normal or even high emotional intelligence, yet he regularly ignored his friend and colleagues feelings in order to get what he wanted. This is very poor practice not only in the workplace but also in everyday life. This would be major contributing factor in why most people describe Steve Jobs as a jerk.</a:t>
+              <a:t>	The Movie makes it very clear that Steve Jobs had a </a:t>
+            </a:r>
+            <a:r>
+              <a:rPr lang="en"/>
+              <a:t>relatively</a:t>
+            </a:r>
+            <a:r>
+              <a:rPr lang="en"/>
+              <a:t> normal or even high emotional intelligence, yet he regularly </a:t>
+            </a:r>
+            <a:r>
+              <a:rPr lang="en"/>
+              <a:t>ignored</a:t>
+            </a:r>
+            <a:r>
+              <a:rPr lang="en"/>
+              <a:t> his friend and </a:t>
+            </a:r>
+            <a:r>
+              <a:rPr lang="en"/>
+              <a:t>colleagues</a:t>
+            </a:r>
+            <a:r>
+              <a:rPr lang="en"/>
+              <a:t> feelings in order to get what he wanted. This is very poor practice not only in the </a:t>
+            </a:r>
+            <a:r>
+              <a:rPr lang="en"/>
+              <a:t>workplace</a:t>
+            </a:r>
+            <a:r>
+              <a:rPr lang="en"/>
+              <a:t> but also in everyday life. This would be major contributing factor in why most people describe Steve Jobs as a jerk.</a:t>
             </a:r>
             <a:endParaRPr/>
           </a:p>
           <a:p>
-            <a:pPr marL="0" lvl="0" indent="0" algn="l" rtl="0">
+            <a:pPr indent="0" lvl="0" marL="0" rtl="0" algn="l">
               <a:spcBef>
                 <a:spcPts val="1200"/>
               </a:spcBef>
@@ -9331,7 +9633,7 @@
             <a:endParaRPr/>
           </a:p>
           <a:p>
-            <a:pPr marL="0" lvl="0" indent="0" algn="l" rtl="0">
+            <a:pPr indent="0" lvl="0" marL="0" rtl="0" algn="l">
               <a:spcBef>
                 <a:spcPts val="1200"/>
               </a:spcBef>
@@ -9342,7 +9644,15 @@
             </a:pPr>
             <a:r>
               <a:rPr lang="en"/>
-              <a:t>	Jobs could have been just as inspirational and ingenuitive without being so rude. His method was to inspire but if you had trouble seeing the same picture as him you were at fault, when in reality he was at fault for not explaining and describing what he wanted well enough. The scene where he fires Apple’s best coder for not seeing the same finished product as him is perfect evidence for this.</a:t>
+              <a:t>	Jobs could have been just as inspirational and </a:t>
+            </a:r>
+            <a:r>
+              <a:rPr lang="en"/>
+              <a:t>ingenuitive</a:t>
+            </a:r>
+            <a:r>
+              <a:rPr lang="en"/>
+              <a:t> without being so rude. His method was to inspire but if you had trouble seeing the same picture as him you were at fault, when in reality he was at fault for not explaining and describing what he wanted well enough. The scene where he fires Apple’s best coder for not seeing the same finished product as him is perfect evidence for this.</a:t>
             </a:r>
             <a:endParaRPr/>
           </a:p>
@@ -9357,174 +9667,11 @@
 </file>
 
 <file path=ppt/slides/slide3.xml><?xml version="1.0" encoding="utf-8"?>
-<p:sld xmlns:a="http://schemas.openxmlformats.org/drawingml/2006/main" xmlns:r="http://schemas.openxmlformats.org/officeDocument/2006/relationships" xmlns:p="http://schemas.openxmlformats.org/presentationml/2006/main">
+<p:sld xmlns:a="http://schemas.openxmlformats.org/drawingml/2006/main" xmlns:r="http://schemas.openxmlformats.org/officeDocument/2006/relationships" xmlns:mc="http://schemas.openxmlformats.org/markup-compatibility/2006" xmlns:mv="urn:schemas-microsoft-com:mac:vml" xmlns:p="http://schemas.openxmlformats.org/presentationml/2006/main" xmlns:c="http://schemas.openxmlformats.org/drawingml/2006/chart" xmlns:dgm="http://schemas.openxmlformats.org/drawingml/2006/diagram" xmlns:o="urn:schemas-microsoft-com:office:office" xmlns:v="urn:schemas-microsoft-com:vml" xmlns:pvml="urn:schemas-microsoft-com:office:powerpoint" xmlns:com="http://schemas.openxmlformats.org/drawingml/2006/compatibility" xmlns:p14="http://schemas.microsoft.com/office/powerpoint/2010/main" xmlns:p15="http://schemas.microsoft.com/office/powerpoint/2012/main" xmlns:ahyp="http://schemas.microsoft.com/office/drawing/2018/hyperlinkcolor">
   <p:cSld>
     <p:spTree>
       <p:nvGrpSpPr>
-        <p:cNvPr id="1" name=""/>
-        <p:cNvGrpSpPr/>
-        <p:nvPr/>
-      </p:nvGrpSpPr>
-      <p:grpSpPr>
-        <a:xfrm>
-          <a:off x="0" y="0"/>
-          <a:ext cx="0" cy="0"/>
-          <a:chOff x="0" y="0"/>
-          <a:chExt cx="0" cy="0"/>
-        </a:xfrm>
-      </p:grpSpPr>
-      <p:sp>
-        <p:nvSpPr>
-          <p:cNvPr id="2" name="Title 1">
-            <a:extLst>
-              <a:ext uri="{FF2B5EF4-FFF2-40B4-BE49-F238E27FC236}">
-                <a16:creationId xmlns:a16="http://schemas.microsoft.com/office/drawing/2014/main" id="{A870AF83-E7A6-4D35-BC95-D5B8062AE013}"/>
-              </a:ext>
-            </a:extLst>
-          </p:cNvPr>
-          <p:cNvSpPr>
-            <a:spLocks noGrp="1"/>
-          </p:cNvSpPr>
-          <p:nvPr>
-            <p:ph type="title"/>
-          </p:nvPr>
-        </p:nvSpPr>
-        <p:spPr/>
-        <p:txBody>
-          <a:bodyPr/>
-          <a:lstStyle/>
-          <a:p>
-            <a:r>
-              <a:rPr lang="en-US" dirty="0"/>
-              <a:t>Conflict</a:t>
-            </a:r>
-          </a:p>
-        </p:txBody>
-      </p:sp>
-      <p:sp>
-        <p:nvSpPr>
-          <p:cNvPr id="3" name="Text Placeholder 2">
-            <a:extLst>
-              <a:ext uri="{FF2B5EF4-FFF2-40B4-BE49-F238E27FC236}">
-                <a16:creationId xmlns:a16="http://schemas.microsoft.com/office/drawing/2014/main" id="{7D514140-A7B6-4269-8580-BCD33C4624E1}"/>
-              </a:ext>
-            </a:extLst>
-          </p:cNvPr>
-          <p:cNvSpPr>
-            <a:spLocks noGrp="1"/>
-          </p:cNvSpPr>
-          <p:nvPr>
-            <p:ph type="body" idx="1"/>
-          </p:nvPr>
-        </p:nvSpPr>
-        <p:spPr/>
-        <p:txBody>
-          <a:bodyPr/>
-          <a:lstStyle/>
-          <a:p>
-            <a:pPr marL="146050" indent="0">
-              <a:buNone/>
-            </a:pPr>
-            <a:r>
-              <a:rPr lang="en-US" dirty="0"/>
-              <a:t>Jobs had heated Personal and Business Conflicts:</a:t>
-            </a:r>
-          </a:p>
-          <a:p>
-            <a:pPr marL="146050" indent="0" algn="ctr">
-              <a:buNone/>
-            </a:pPr>
-            <a:r>
-              <a:rPr lang="en-US" sz="1800" u="sng" dirty="0"/>
-              <a:t>Personal Conflict </a:t>
-            </a:r>
-          </a:p>
-          <a:p>
-            <a:r>
-              <a:rPr lang="en-US" sz="1400" dirty="0"/>
-              <a:t>Throwing out pregnant girlfriend and denying paternity.</a:t>
-            </a:r>
-          </a:p>
-          <a:p>
-            <a:r>
-              <a:rPr lang="en-US" sz="1400" dirty="0"/>
-              <a:t>Poor treatment of friends Daniel </a:t>
-            </a:r>
-            <a:r>
-              <a:rPr lang="en-US" sz="1400" dirty="0" err="1"/>
-              <a:t>Kotkke</a:t>
-            </a:r>
-            <a:r>
-              <a:rPr lang="en-US" sz="1400" dirty="0"/>
-              <a:t> and Steve Wozniak</a:t>
-            </a:r>
-          </a:p>
-          <a:p>
-            <a:pPr marL="146050" indent="0">
-              <a:buNone/>
-            </a:pPr>
-            <a:endParaRPr lang="en-US" sz="1600" dirty="0"/>
-          </a:p>
-          <a:p>
-            <a:pPr marL="146050" indent="0" algn="ctr">
-              <a:buNone/>
-            </a:pPr>
-            <a:r>
-              <a:rPr lang="en-US" sz="1800" u="sng" dirty="0"/>
-              <a:t>Business Conflict</a:t>
-            </a:r>
-          </a:p>
-          <a:p>
-            <a:r>
-              <a:rPr lang="en-US" sz="1400" dirty="0"/>
-              <a:t>Apple’s Board of Directors considered Steve Jobs a “Time bomb”</a:t>
-            </a:r>
-          </a:p>
-          <a:p>
-            <a:r>
-              <a:rPr lang="en-US" sz="1400" dirty="0"/>
-              <a:t>Jobs had conflict with Arthur Rock before being pulled from the Lisa Project</a:t>
-            </a:r>
-          </a:p>
-          <a:p>
-            <a:r>
-              <a:rPr lang="en-US" sz="1400" dirty="0"/>
-              <a:t>Jobs then was pushed out of Apple by John Sculley and the Board</a:t>
-            </a:r>
-          </a:p>
-          <a:p>
-            <a:r>
-              <a:rPr lang="en-US" sz="1400" dirty="0"/>
-              <a:t>When Jobs returned, he became CEO and remade Apple as he envisioned</a:t>
-            </a:r>
-          </a:p>
-          <a:p>
-            <a:pPr marL="146050" indent="0" algn="ctr">
-              <a:buNone/>
-            </a:pPr>
-            <a:endParaRPr lang="en-US" sz="1800" u="sng" dirty="0"/>
-          </a:p>
-        </p:txBody>
-      </p:sp>
-    </p:spTree>
-    <p:extLst>
-      <p:ext uri="{BB962C8B-B14F-4D97-AF65-F5344CB8AC3E}">
-        <p14:creationId xmlns:p14="http://schemas.microsoft.com/office/powerpoint/2010/main" val="2990781632"/>
-      </p:ext>
-    </p:extLst>
-  </p:cSld>
-  <p:clrMapOvr>
-    <a:masterClrMapping/>
-  </p:clrMapOvr>
-</p:sld>
-</file>
-
-<file path=ppt/slides/slide4.xml><?xml version="1.0" encoding="utf-8"?>
-<p:sld xmlns:a="http://schemas.openxmlformats.org/drawingml/2006/main" xmlns:r="http://schemas.openxmlformats.org/officeDocument/2006/relationships" xmlns:p="http://schemas.openxmlformats.org/presentationml/2006/main">
-  <p:cSld>
-    <p:spTree>
-      <p:nvGrpSpPr>
-        <p:cNvPr id="1" name="Shape 145"/>
+        <p:cNvPr id="145" name="Shape 145"/>
         <p:cNvGrpSpPr/>
         <p:nvPr/>
       </p:nvGrpSpPr>
@@ -9539,9 +9686,7 @@
       <p:sp>
         <p:nvSpPr>
           <p:cNvPr id="146" name="Google Shape;146;p15"/>
-          <p:cNvSpPr txBox="1">
-            <a:spLocks noGrp="1"/>
-          </p:cNvSpPr>
+          <p:cNvSpPr txBox="1"/>
           <p:nvPr>
             <p:ph type="title"/>
           </p:nvPr>
@@ -9556,12 +9701,12 @@
           </a:prstGeom>
         </p:spPr>
         <p:txBody>
-          <a:bodyPr spcFirstLastPara="1" wrap="square" lIns="91425" tIns="91425" rIns="91425" bIns="91425" anchor="t" anchorCtr="0">
+          <a:bodyPr anchorCtr="0" anchor="t" bIns="91425" lIns="91425" spcFirstLastPara="1" rIns="91425" wrap="square" tIns="91425">
             <a:normAutofit/>
           </a:bodyPr>
           <a:lstStyle/>
           <a:p>
-            <a:pPr marL="0" lvl="0" indent="0" algn="l" rtl="0">
+            <a:pPr indent="0" lvl="0" marL="0" rtl="0" algn="l">
               <a:spcBef>
                 <a:spcPts val="0"/>
               </a:spcBef>
@@ -9571,8 +9716,12 @@
               <a:buNone/>
             </a:pPr>
             <a:r>
-              <a:rPr lang="en"/>
-              <a:t>Negotiations</a:t>
+              <a:rPr lang="en">
+                <a:solidFill>
+                  <a:srgbClr val="FFFFFF"/>
+                </a:solidFill>
+              </a:rPr>
+              <a:t>Conflict</a:t>
             </a:r>
             <a:endParaRPr/>
           </a:p>
@@ -9581,11 +9730,9 @@
       <p:sp>
         <p:nvSpPr>
           <p:cNvPr id="147" name="Google Shape;147;p15"/>
-          <p:cNvSpPr txBox="1">
-            <a:spLocks noGrp="1"/>
-          </p:cNvSpPr>
+          <p:cNvSpPr txBox="1"/>
           <p:nvPr>
-            <p:ph type="body" idx="1"/>
+            <p:ph idx="1" type="body"/>
           </p:nvPr>
         </p:nvSpPr>
         <p:spPr>
@@ -9598,12 +9745,343 @@
           </a:prstGeom>
         </p:spPr>
         <p:txBody>
-          <a:bodyPr spcFirstLastPara="1" wrap="square" lIns="91425" tIns="91425" rIns="91425" bIns="91425" anchor="t" anchorCtr="0">
+          <a:bodyPr anchorCtr="0" anchor="t" bIns="91425" lIns="91425" spcFirstLastPara="1" rIns="91425" wrap="square" tIns="91425">
+            <a:normAutofit lnSpcReduction="10000"/>
+          </a:bodyPr>
+          <a:lstStyle/>
+          <a:p>
+            <a:pPr indent="0" lvl="0" marL="152400" rtl="0" algn="l">
+              <a:lnSpc>
+                <a:spcPct val="115000"/>
+              </a:lnSpc>
+              <a:spcBef>
+                <a:spcPts val="0"/>
+              </a:spcBef>
+              <a:spcAft>
+                <a:spcPts val="0"/>
+              </a:spcAft>
+              <a:buNone/>
+            </a:pPr>
+            <a:r>
+              <a:rPr lang="en">
+                <a:solidFill>
+                  <a:srgbClr val="FFFFFF"/>
+                </a:solidFill>
+              </a:rPr>
+              <a:t>Jobs had heated Personal and Business Conflicts:</a:t>
+            </a:r>
+            <a:endParaRPr>
+              <a:solidFill>
+                <a:srgbClr val="FFFFFF"/>
+              </a:solidFill>
+            </a:endParaRPr>
+          </a:p>
+          <a:p>
+            <a:pPr indent="0" lvl="0" marL="152400" rtl="0" algn="ctr">
+              <a:lnSpc>
+                <a:spcPct val="115000"/>
+              </a:lnSpc>
+              <a:spcBef>
+                <a:spcPts val="0"/>
+              </a:spcBef>
+              <a:spcAft>
+                <a:spcPts val="0"/>
+              </a:spcAft>
+              <a:buNone/>
+            </a:pPr>
+            <a:r>
+              <a:rPr lang="en" sz="1800" u="sng">
+                <a:solidFill>
+                  <a:srgbClr val="FFFFFF"/>
+                </a:solidFill>
+              </a:rPr>
+              <a:t>Personal Conflict</a:t>
+            </a:r>
+            <a:endParaRPr sz="1800" u="sng">
+              <a:solidFill>
+                <a:srgbClr val="FFFFFF"/>
+              </a:solidFill>
+            </a:endParaRPr>
+          </a:p>
+          <a:p>
+            <a:pPr indent="-311150" lvl="0" marL="457200" rtl="0" algn="l">
+              <a:lnSpc>
+                <a:spcPct val="115000"/>
+              </a:lnSpc>
+              <a:spcBef>
+                <a:spcPts val="0"/>
+              </a:spcBef>
+              <a:spcAft>
+                <a:spcPts val="0"/>
+              </a:spcAft>
+              <a:buClr>
+                <a:srgbClr val="FFFFFF"/>
+              </a:buClr>
+              <a:buSzPts val="1300"/>
+              <a:buChar char="●"/>
+            </a:pPr>
+            <a:r>
+              <a:rPr lang="en" sz="1400">
+                <a:solidFill>
+                  <a:srgbClr val="FFFFFF"/>
+                </a:solidFill>
+              </a:rPr>
+              <a:t>Throwing out pregnant girlfriend and denying paternity.</a:t>
+            </a:r>
+            <a:endParaRPr sz="1400">
+              <a:solidFill>
+                <a:srgbClr val="FFFFFF"/>
+              </a:solidFill>
+            </a:endParaRPr>
+          </a:p>
+          <a:p>
+            <a:pPr indent="-311150" lvl="0" marL="457200" rtl="0" algn="l">
+              <a:lnSpc>
+                <a:spcPct val="115000"/>
+              </a:lnSpc>
+              <a:spcBef>
+                <a:spcPts val="0"/>
+              </a:spcBef>
+              <a:spcAft>
+                <a:spcPts val="0"/>
+              </a:spcAft>
+              <a:buClr>
+                <a:srgbClr val="FFFFFF"/>
+              </a:buClr>
+              <a:buSzPts val="1300"/>
+              <a:buChar char="●"/>
+            </a:pPr>
+            <a:r>
+              <a:rPr lang="en" sz="1400">
+                <a:solidFill>
+                  <a:srgbClr val="FFFFFF"/>
+                </a:solidFill>
+              </a:rPr>
+              <a:t>Poor treatment of friends Daniel Kotkke and Steve Wozniak</a:t>
+            </a:r>
+            <a:endParaRPr sz="1400">
+              <a:solidFill>
+                <a:srgbClr val="FFFFFF"/>
+              </a:solidFill>
+            </a:endParaRPr>
+          </a:p>
+          <a:p>
+            <a:pPr indent="0" lvl="0" marL="152400" rtl="0" algn="ctr">
+              <a:lnSpc>
+                <a:spcPct val="115000"/>
+              </a:lnSpc>
+              <a:spcBef>
+                <a:spcPts val="0"/>
+              </a:spcBef>
+              <a:spcAft>
+                <a:spcPts val="0"/>
+              </a:spcAft>
+              <a:buNone/>
+            </a:pPr>
+            <a:r>
+              <a:rPr lang="en" sz="1800" u="sng">
+                <a:solidFill>
+                  <a:srgbClr val="FFFFFF"/>
+                </a:solidFill>
+              </a:rPr>
+              <a:t>Business Conflict</a:t>
+            </a:r>
+            <a:endParaRPr sz="1800" u="sng">
+              <a:solidFill>
+                <a:srgbClr val="FFFFFF"/>
+              </a:solidFill>
+            </a:endParaRPr>
+          </a:p>
+          <a:p>
+            <a:pPr indent="-317500" lvl="0" marL="457200" rtl="0" algn="l">
+              <a:lnSpc>
+                <a:spcPct val="115000"/>
+              </a:lnSpc>
+              <a:spcBef>
+                <a:spcPts val="0"/>
+              </a:spcBef>
+              <a:spcAft>
+                <a:spcPts val="0"/>
+              </a:spcAft>
+              <a:buClr>
+                <a:srgbClr val="FFFFFF"/>
+              </a:buClr>
+              <a:buSzPts val="1400"/>
+              <a:buChar char="●"/>
+            </a:pPr>
+            <a:r>
+              <a:rPr lang="en" sz="1400">
+                <a:solidFill>
+                  <a:srgbClr val="FFFFFF"/>
+                </a:solidFill>
+              </a:rPr>
+              <a:t>Apple’s Board of Directors considered Steve Jobs a “time bomb”</a:t>
+            </a:r>
+            <a:endParaRPr sz="1400">
+              <a:solidFill>
+                <a:srgbClr val="FFFFFF"/>
+              </a:solidFill>
+            </a:endParaRPr>
+          </a:p>
+          <a:p>
+            <a:pPr indent="-317500" lvl="0" marL="457200" rtl="0" algn="l">
+              <a:lnSpc>
+                <a:spcPct val="115000"/>
+              </a:lnSpc>
+              <a:spcBef>
+                <a:spcPts val="0"/>
+              </a:spcBef>
+              <a:spcAft>
+                <a:spcPts val="0"/>
+              </a:spcAft>
+              <a:buClr>
+                <a:srgbClr val="FFFFFF"/>
+              </a:buClr>
+              <a:buSzPts val="1400"/>
+              <a:buChar char="●"/>
+            </a:pPr>
+            <a:r>
+              <a:rPr lang="en" sz="1400">
+                <a:solidFill>
+                  <a:srgbClr val="FFFFFF"/>
+                </a:solidFill>
+              </a:rPr>
+              <a:t>Jobs had conflict with Arthur Rock before being pulled from the Lisa Project</a:t>
+            </a:r>
+            <a:endParaRPr sz="1400">
+              <a:solidFill>
+                <a:srgbClr val="FFFFFF"/>
+              </a:solidFill>
+            </a:endParaRPr>
+          </a:p>
+          <a:p>
+            <a:pPr indent="-317500" lvl="0" marL="457200" rtl="0" algn="l">
+              <a:lnSpc>
+                <a:spcPct val="115000"/>
+              </a:lnSpc>
+              <a:spcBef>
+                <a:spcPts val="0"/>
+              </a:spcBef>
+              <a:spcAft>
+                <a:spcPts val="0"/>
+              </a:spcAft>
+              <a:buClr>
+                <a:srgbClr val="FFFFFF"/>
+              </a:buClr>
+              <a:buSzPts val="1400"/>
+              <a:buChar char="●"/>
+            </a:pPr>
+            <a:r>
+              <a:rPr lang="en" sz="1400">
+                <a:solidFill>
+                  <a:srgbClr val="FFFFFF"/>
+                </a:solidFill>
+              </a:rPr>
+              <a:t>Jobs then was pushed out of Apple by John Sculley and the Board of Directors</a:t>
+            </a:r>
+            <a:endParaRPr sz="1400">
+              <a:solidFill>
+                <a:srgbClr val="FFFFFF"/>
+              </a:solidFill>
+            </a:endParaRPr>
+          </a:p>
+          <a:p>
+            <a:pPr indent="-317500" lvl="0" marL="457200" rtl="0" algn="l">
+              <a:lnSpc>
+                <a:spcPct val="115000"/>
+              </a:lnSpc>
+              <a:spcBef>
+                <a:spcPts val="0"/>
+              </a:spcBef>
+              <a:spcAft>
+                <a:spcPts val="0"/>
+              </a:spcAft>
+              <a:buClr>
+                <a:srgbClr val="FFFFFF"/>
+              </a:buClr>
+              <a:buSzPts val="1400"/>
+              <a:buChar char="●"/>
+            </a:pPr>
+            <a:r>
+              <a:rPr lang="en" sz="1400">
+                <a:solidFill>
+                  <a:srgbClr val="FFFFFF"/>
+                </a:solidFill>
+              </a:rPr>
+              <a:t>When Jobs returned, in 1996, he became CEO and remade Apple as he envisioned</a:t>
+            </a:r>
+            <a:endParaRPr sz="1400">
+              <a:solidFill>
+                <a:srgbClr val="FFFFFF"/>
+              </a:solidFill>
+            </a:endParaRPr>
+          </a:p>
+          <a:p>
+            <a:pPr indent="0" lvl="0" marL="0" rtl="0" algn="l">
+              <a:spcBef>
+                <a:spcPts val="0"/>
+              </a:spcBef>
+              <a:spcAft>
+                <a:spcPts val="1200"/>
+              </a:spcAft>
+              <a:buNone/>
+            </a:pPr>
+            <a:r>
+              <a:t/>
+            </a:r>
+            <a:endParaRPr/>
+          </a:p>
+        </p:txBody>
+      </p:sp>
+    </p:spTree>
+  </p:cSld>
+  <p:clrMapOvr>
+    <a:masterClrMapping/>
+  </p:clrMapOvr>
+</p:sld>
+</file>
+
+<file path=ppt/slides/slide4.xml><?xml version="1.0" encoding="utf-8"?>
+<p:sld xmlns:a="http://schemas.openxmlformats.org/drawingml/2006/main" xmlns:r="http://schemas.openxmlformats.org/officeDocument/2006/relationships" xmlns:mc="http://schemas.openxmlformats.org/markup-compatibility/2006" xmlns:mv="urn:schemas-microsoft-com:mac:vml" xmlns:p="http://schemas.openxmlformats.org/presentationml/2006/main" xmlns:c="http://schemas.openxmlformats.org/drawingml/2006/chart" xmlns:dgm="http://schemas.openxmlformats.org/drawingml/2006/diagram" xmlns:o="urn:schemas-microsoft-com:office:office" xmlns:v="urn:schemas-microsoft-com:vml" xmlns:pvml="urn:schemas-microsoft-com:office:powerpoint" xmlns:com="http://schemas.openxmlformats.org/drawingml/2006/compatibility" xmlns:p14="http://schemas.microsoft.com/office/powerpoint/2010/main" xmlns:p15="http://schemas.microsoft.com/office/powerpoint/2012/main" xmlns:ahyp="http://schemas.microsoft.com/office/drawing/2018/hyperlinkcolor">
+  <p:cSld>
+    <p:spTree>
+      <p:nvGrpSpPr>
+        <p:cNvPr id="151" name="Shape 151"/>
+        <p:cNvGrpSpPr/>
+        <p:nvPr/>
+      </p:nvGrpSpPr>
+      <p:grpSpPr>
+        <a:xfrm>
+          <a:off x="0" y="0"/>
+          <a:ext cx="0" cy="0"/>
+          <a:chOff x="0" y="0"/>
+          <a:chExt cx="0" cy="0"/>
+        </a:xfrm>
+      </p:grpSpPr>
+      <p:sp>
+        <p:nvSpPr>
+          <p:cNvPr id="152" name="Google Shape;152;p16"/>
+          <p:cNvSpPr txBox="1"/>
+          <p:nvPr>
+            <p:ph type="title"/>
+          </p:nvPr>
+        </p:nvSpPr>
+        <p:spPr>
+          <a:xfrm>
+            <a:off x="1297500" y="393750"/>
+            <a:ext cx="7038900" cy="914100"/>
+          </a:xfrm>
+          <a:prstGeom prst="rect">
+            <a:avLst/>
+          </a:prstGeom>
+        </p:spPr>
+        <p:txBody>
+          <a:bodyPr anchorCtr="0" anchor="t" bIns="91425" lIns="91425" spcFirstLastPara="1" rIns="91425" wrap="square" tIns="91425">
             <a:normAutofit/>
           </a:bodyPr>
           <a:lstStyle/>
           <a:p>
-            <a:pPr marL="0" lvl="0" indent="457200" algn="l" rtl="0">
+            <a:pPr indent="0" lvl="0" marL="0" rtl="0" algn="l">
               <a:spcBef>
                 <a:spcPts val="0"/>
               </a:spcBef>
@@ -9614,12 +10092,60 @@
             </a:pPr>
             <a:r>
               <a:rPr lang="en"/>
-              <a:t>There are many negotiations in the film mainly between Steve Jobs and his board of investors. These negotiations were always heated.</a:t>
+              <a:t>Negotiations</a:t>
+            </a:r>
+            <a:endParaRPr/>
+          </a:p>
+        </p:txBody>
+      </p:sp>
+      <p:sp>
+        <p:nvSpPr>
+          <p:cNvPr id="153" name="Google Shape;153;p16"/>
+          <p:cNvSpPr txBox="1"/>
+          <p:nvPr>
+            <p:ph idx="1" type="body"/>
+          </p:nvPr>
+        </p:nvSpPr>
+        <p:spPr>
+          <a:xfrm>
+            <a:off x="1297500" y="1567550"/>
+            <a:ext cx="7038900" cy="2911200"/>
+          </a:xfrm>
+          <a:prstGeom prst="rect">
+            <a:avLst/>
+          </a:prstGeom>
+        </p:spPr>
+        <p:txBody>
+          <a:bodyPr anchorCtr="0" anchor="t" bIns="91425" lIns="91425" spcFirstLastPara="1" rIns="91425" wrap="square" tIns="91425">
+            <a:normAutofit/>
+          </a:bodyPr>
+          <a:lstStyle/>
+          <a:p>
+            <a:pPr indent="457200" lvl="0" marL="0" rtl="0" algn="l">
+              <a:spcBef>
+                <a:spcPts val="0"/>
+              </a:spcBef>
+              <a:spcAft>
+                <a:spcPts val="0"/>
+              </a:spcAft>
+              <a:buNone/>
+            </a:pPr>
+            <a:r>
+              <a:rPr lang="en"/>
+              <a:t>There are many negotiations in the film mainly between Steve Jobs and his board of investors. These </a:t>
+            </a:r>
+            <a:r>
+              <a:rPr lang="en"/>
+              <a:t>negotiations</a:t>
+            </a:r>
+            <a:r>
+              <a:rPr lang="en"/>
+              <a:t> were always heated.</a:t>
             </a:r>
             <a:endParaRPr/>
           </a:p>
           <a:p>
-            <a:pPr marL="0" lvl="0" indent="457200" algn="l" rtl="0">
+            <a:pPr indent="457200" lvl="0" marL="0" rtl="0" algn="l">
               <a:spcBef>
                 <a:spcPts val="1200"/>
               </a:spcBef>
@@ -9630,12 +10156,28 @@
             </a:pPr>
             <a:r>
               <a:rPr lang="en"/>
-              <a:t>Steve displayed a lack of soft skills in these negotiations as much as he could. However this appears intentional in most cases. This was a contributing factor in him being outed from Apple. Jobs rarely ever tried to work with his board and was adamant he have things his way.</a:t>
+              <a:t>Steve displayed a lack of soft skills in these negotiations as much as he could. However this appears intentional in most cases. This was a contributing factor in him being outed from Apple. Jobs </a:t>
+            </a:r>
+            <a:r>
+              <a:rPr lang="en"/>
+              <a:t>rarely</a:t>
+            </a:r>
+            <a:r>
+              <a:rPr lang="en"/>
+              <a:t> ever tried to work with his board and was </a:t>
+            </a:r>
+            <a:r>
+              <a:rPr lang="en"/>
+              <a:t>adamant</a:t>
+            </a:r>
+            <a:r>
+              <a:rPr lang="en"/>
+              <a:t> he have things his way.</a:t>
             </a:r>
             <a:endParaRPr/>
           </a:p>
           <a:p>
-            <a:pPr marL="0" lvl="0" indent="0" algn="l" rtl="0">
+            <a:pPr indent="0" lvl="0" marL="0" rtl="0" algn="l">
               <a:spcBef>
                 <a:spcPts val="1200"/>
               </a:spcBef>
@@ -9644,6 +10186,9 @@
               </a:spcAft>
               <a:buNone/>
             </a:pPr>
+            <a:r>
+              <a:t/>
+            </a:r>
             <a:endParaRPr/>
           </a:p>
         </p:txBody>
@@ -9657,11 +10202,11 @@
 </file>
 
 <file path=ppt/slides/slide5.xml><?xml version="1.0" encoding="utf-8"?>
-<p:sld xmlns:a="http://schemas.openxmlformats.org/drawingml/2006/main" xmlns:r="http://schemas.openxmlformats.org/officeDocument/2006/relationships" xmlns:p="http://schemas.openxmlformats.org/presentationml/2006/main">
+<p:sld xmlns:a="http://schemas.openxmlformats.org/drawingml/2006/main" xmlns:r="http://schemas.openxmlformats.org/officeDocument/2006/relationships" xmlns:mc="http://schemas.openxmlformats.org/markup-compatibility/2006" xmlns:mv="urn:schemas-microsoft-com:mac:vml" xmlns:p="http://schemas.openxmlformats.org/presentationml/2006/main" xmlns:c="http://schemas.openxmlformats.org/drawingml/2006/chart" xmlns:dgm="http://schemas.openxmlformats.org/drawingml/2006/diagram" xmlns:o="urn:schemas-microsoft-com:office:office" xmlns:v="urn:schemas-microsoft-com:vml" xmlns:pvml="urn:schemas-microsoft-com:office:powerpoint" xmlns:com="http://schemas.openxmlformats.org/drawingml/2006/compatibility" xmlns:p14="http://schemas.microsoft.com/office/powerpoint/2010/main" xmlns:p15="http://schemas.microsoft.com/office/powerpoint/2012/main" xmlns:ahyp="http://schemas.microsoft.com/office/drawing/2018/hyperlinkcolor">
   <p:cSld>
     <p:spTree>
       <p:nvGrpSpPr>
-        <p:cNvPr id="1" name=""/>
+        <p:cNvPr id="157" name="Shape 157"/>
         <p:cNvGrpSpPr/>
         <p:nvPr/>
       </p:nvGrpSpPr>
@@ -9675,142 +10220,410 @@
       </p:grpSpPr>
       <p:sp>
         <p:nvSpPr>
-          <p:cNvPr id="2" name="Title 1">
-            <a:extLst>
-              <a:ext uri="{FF2B5EF4-FFF2-40B4-BE49-F238E27FC236}">
-                <a16:creationId xmlns:a16="http://schemas.microsoft.com/office/drawing/2014/main" id="{D22A1AD6-B22A-46DB-AEC1-B2EB2A9A64C9}"/>
-              </a:ext>
-            </a:extLst>
-          </p:cNvPr>
-          <p:cNvSpPr>
-            <a:spLocks noGrp="1"/>
-          </p:cNvSpPr>
+          <p:cNvPr id="158" name="Google Shape;158;p17"/>
+          <p:cNvSpPr txBox="1"/>
           <p:nvPr>
             <p:ph type="title"/>
           </p:nvPr>
         </p:nvSpPr>
-        <p:spPr/>
+        <p:spPr>
+          <a:xfrm>
+            <a:off x="1297500" y="393750"/>
+            <a:ext cx="7038900" cy="914100"/>
+          </a:xfrm>
+          <a:prstGeom prst="rect">
+            <a:avLst/>
+          </a:prstGeom>
+        </p:spPr>
         <p:txBody>
-          <a:bodyPr/>
+          <a:bodyPr anchorCtr="0" anchor="t" bIns="91425" lIns="91425" spcFirstLastPara="1" rIns="91425" wrap="square" tIns="91425">
+            <a:normAutofit/>
+          </a:bodyPr>
           <a:lstStyle/>
           <a:p>
+            <a:pPr indent="0" lvl="0" marL="0" rtl="0" algn="l">
+              <a:spcBef>
+                <a:spcPts val="0"/>
+              </a:spcBef>
+              <a:spcAft>
+                <a:spcPts val="0"/>
+              </a:spcAft>
+              <a:buNone/>
+            </a:pPr>
             <a:r>
-              <a:rPr lang="en-US" dirty="0"/>
+              <a:rPr lang="en">
+                <a:solidFill>
+                  <a:srgbClr val="FFFFFF"/>
+                </a:solidFill>
+              </a:rPr>
               <a:t>Leadership</a:t>
             </a:r>
+            <a:endParaRPr/>
           </a:p>
         </p:txBody>
       </p:sp>
       <p:sp>
         <p:nvSpPr>
-          <p:cNvPr id="3" name="Text Placeholder 2">
-            <a:extLst>
-              <a:ext uri="{FF2B5EF4-FFF2-40B4-BE49-F238E27FC236}">
-                <a16:creationId xmlns:a16="http://schemas.microsoft.com/office/drawing/2014/main" id="{79965F35-2A63-4A47-9FE8-472521A4DC28}"/>
-              </a:ext>
-            </a:extLst>
-          </p:cNvPr>
-          <p:cNvSpPr>
-            <a:spLocks noGrp="1"/>
-          </p:cNvSpPr>
+          <p:cNvPr id="159" name="Google Shape;159;p17"/>
+          <p:cNvSpPr txBox="1"/>
           <p:nvPr>
-            <p:ph type="body" idx="1"/>
+            <p:ph idx="1" type="body"/>
           </p:nvPr>
         </p:nvSpPr>
-        <p:spPr/>
+        <p:spPr>
+          <a:xfrm>
+            <a:off x="1297500" y="1567550"/>
+            <a:ext cx="7038900" cy="2911200"/>
+          </a:xfrm>
+          <a:prstGeom prst="rect">
+            <a:avLst/>
+          </a:prstGeom>
+        </p:spPr>
         <p:txBody>
-          <a:bodyPr>
-            <a:normAutofit fontScale="92500" lnSpcReduction="10000"/>
+          <a:bodyPr anchorCtr="0" anchor="t" bIns="91425" lIns="91425" spcFirstLastPara="1" rIns="91425" wrap="square" tIns="91425">
+            <a:normAutofit lnSpcReduction="20000"/>
           </a:bodyPr>
           <a:lstStyle/>
           <a:p>
+            <a:pPr indent="-311150" lvl="0" marL="457200" rtl="0" algn="l">
+              <a:lnSpc>
+                <a:spcPct val="115000"/>
+              </a:lnSpc>
+              <a:spcBef>
+                <a:spcPts val="0"/>
+              </a:spcBef>
+              <a:spcAft>
+                <a:spcPts val="0"/>
+              </a:spcAft>
+              <a:buClr>
+                <a:srgbClr val="FFFFFF"/>
+              </a:buClr>
+              <a:buSzPts val="1300"/>
+              <a:buChar char="●"/>
+            </a:pPr>
             <a:r>
-              <a:rPr lang="en-US" sz="1400" dirty="0"/>
+              <a:rPr lang="en">
+                <a:solidFill>
+                  <a:srgbClr val="FFFFFF"/>
+                </a:solidFill>
+              </a:rPr>
               <a:t>Professionalism: </a:t>
             </a:r>
             <a:r>
-              <a:rPr lang="en-US" sz="1050" dirty="0"/>
+              <a:rPr lang="en" sz="1000">
+                <a:solidFill>
+                  <a:srgbClr val="FFFFFF"/>
+                </a:solidFill>
+              </a:rPr>
               <a:t>Jobs started his career with few ‘Soft Skills’ and a very poor sense of professionalism.</a:t>
             </a:r>
+            <a:endParaRPr sz="1000">
+              <a:solidFill>
+                <a:srgbClr val="FFFFFF"/>
+              </a:solidFill>
+            </a:endParaRPr>
           </a:p>
           <a:p>
-            <a:endParaRPr lang="en-US" sz="1200" dirty="0"/>
+            <a:pPr indent="0" lvl="0" marL="457200" rtl="0" algn="l">
+              <a:lnSpc>
+                <a:spcPct val="115000"/>
+              </a:lnSpc>
+              <a:spcBef>
+                <a:spcPts val="0"/>
+              </a:spcBef>
+              <a:spcAft>
+                <a:spcPts val="0"/>
+              </a:spcAft>
+              <a:buNone/>
+            </a:pPr>
+            <a:r>
+              <a:t/>
+            </a:r>
+            <a:endParaRPr>
+              <a:solidFill>
+                <a:srgbClr val="FFFFFF"/>
+              </a:solidFill>
+            </a:endParaRPr>
           </a:p>
           <a:p>
+            <a:pPr indent="-311150" lvl="0" marL="457200" rtl="0" algn="l">
+              <a:lnSpc>
+                <a:spcPct val="115000"/>
+              </a:lnSpc>
+              <a:spcBef>
+                <a:spcPts val="0"/>
+              </a:spcBef>
+              <a:spcAft>
+                <a:spcPts val="0"/>
+              </a:spcAft>
+              <a:buClr>
+                <a:srgbClr val="FFFFFF"/>
+              </a:buClr>
+              <a:buSzPts val="1300"/>
+              <a:buChar char="●"/>
+            </a:pPr>
             <a:r>
-              <a:rPr lang="en-US" sz="1400" dirty="0"/>
+              <a:rPr lang="en">
+                <a:solidFill>
+                  <a:srgbClr val="FFFFFF"/>
+                </a:solidFill>
+              </a:rPr>
               <a:t>Ownership &amp; Accountability: </a:t>
             </a:r>
             <a:r>
-              <a:rPr lang="en-US" sz="1050" dirty="0"/>
-              <a:t>He denied paternity of his daughter in the early 80’s and believed others were to blame for his failures.</a:t>
+              <a:rPr lang="en" sz="1000">
+                <a:solidFill>
+                  <a:srgbClr val="FFFFFF"/>
+                </a:solidFill>
+              </a:rPr>
+              <a:t>He denied paternity of his daughter in the early 80’s and believed others were to  blame for his failures.</a:t>
             </a:r>
+            <a:endParaRPr sz="1000">
+              <a:solidFill>
+                <a:srgbClr val="FFFFFF"/>
+              </a:solidFill>
+            </a:endParaRPr>
           </a:p>
           <a:p>
-            <a:endParaRPr lang="en-US" sz="1050" dirty="0"/>
+            <a:pPr indent="0" lvl="0" marL="457200" rtl="0" algn="l">
+              <a:lnSpc>
+                <a:spcPct val="115000"/>
+              </a:lnSpc>
+              <a:spcBef>
+                <a:spcPts val="0"/>
+              </a:spcBef>
+              <a:spcAft>
+                <a:spcPts val="0"/>
+              </a:spcAft>
+              <a:buNone/>
+            </a:pPr>
+            <a:r>
+              <a:t/>
+            </a:r>
+            <a:endParaRPr>
+              <a:solidFill>
+                <a:srgbClr val="FFFFFF"/>
+              </a:solidFill>
+            </a:endParaRPr>
           </a:p>
           <a:p>
+            <a:pPr indent="-311150" lvl="0" marL="457200" rtl="0" algn="l">
+              <a:lnSpc>
+                <a:spcPct val="115000"/>
+              </a:lnSpc>
+              <a:spcBef>
+                <a:spcPts val="0"/>
+              </a:spcBef>
+              <a:spcAft>
+                <a:spcPts val="0"/>
+              </a:spcAft>
+              <a:buClr>
+                <a:srgbClr val="FFFFFF"/>
+              </a:buClr>
+              <a:buSzPts val="1300"/>
+              <a:buChar char="●"/>
+            </a:pPr>
             <a:r>
-              <a:rPr lang="en-US" sz="1400" dirty="0"/>
+              <a:rPr lang="en">
+                <a:solidFill>
+                  <a:srgbClr val="FFFFFF"/>
+                </a:solidFill>
+              </a:rPr>
               <a:t>Communication Skills: </a:t>
             </a:r>
             <a:r>
-              <a:rPr lang="en-US" sz="1050" dirty="0"/>
-              <a:t>Throughout the movie Jobs demonstrated poor communication skills with his peers and his business associates. </a:t>
+              <a:rPr lang="en" sz="1000">
+                <a:solidFill>
+                  <a:srgbClr val="FFFFFF"/>
+                </a:solidFill>
+              </a:rPr>
+              <a:t>Throughout the movie Jobs demonstrated poor communication skills with his peers and his business associates.</a:t>
             </a:r>
+            <a:endParaRPr sz="1000">
+              <a:solidFill>
+                <a:srgbClr val="FFFFFF"/>
+              </a:solidFill>
+            </a:endParaRPr>
           </a:p>
           <a:p>
-            <a:endParaRPr lang="en-US" sz="1050" dirty="0"/>
+            <a:pPr indent="0" lvl="0" marL="457200" rtl="0" algn="l">
+              <a:lnSpc>
+                <a:spcPct val="115000"/>
+              </a:lnSpc>
+              <a:spcBef>
+                <a:spcPts val="0"/>
+              </a:spcBef>
+              <a:spcAft>
+                <a:spcPts val="0"/>
+              </a:spcAft>
+              <a:buNone/>
+            </a:pPr>
+            <a:r>
+              <a:t/>
+            </a:r>
+            <a:endParaRPr>
+              <a:solidFill>
+                <a:srgbClr val="FFFFFF"/>
+              </a:solidFill>
+            </a:endParaRPr>
           </a:p>
           <a:p>
+            <a:pPr indent="-311150" lvl="0" marL="457200" rtl="0" algn="l">
+              <a:lnSpc>
+                <a:spcPct val="115000"/>
+              </a:lnSpc>
+              <a:spcBef>
+                <a:spcPts val="0"/>
+              </a:spcBef>
+              <a:spcAft>
+                <a:spcPts val="0"/>
+              </a:spcAft>
+              <a:buClr>
+                <a:srgbClr val="FFFFFF"/>
+              </a:buClr>
+              <a:buSzPts val="1300"/>
+              <a:buChar char="●"/>
+            </a:pPr>
             <a:r>
-              <a:rPr lang="en-US" sz="1400" dirty="0"/>
+              <a:rPr lang="en">
+                <a:solidFill>
+                  <a:srgbClr val="FFFFFF"/>
+                </a:solidFill>
+              </a:rPr>
               <a:t>Empathy: </a:t>
             </a:r>
             <a:r>
-              <a:rPr lang="en-US" sz="1050" dirty="0"/>
+              <a:rPr lang="en" sz="1000">
+                <a:solidFill>
+                  <a:srgbClr val="FFFFFF"/>
+                </a:solidFill>
+              </a:rPr>
               <a:t>Jobs had a sense of empathy in his business undertakings, though he did not always demonstrate it when communicating with others.</a:t>
             </a:r>
+            <a:endParaRPr sz="1000">
+              <a:solidFill>
+                <a:srgbClr val="FFFFFF"/>
+              </a:solidFill>
+            </a:endParaRPr>
           </a:p>
           <a:p>
-            <a:endParaRPr lang="en-US" sz="1050" dirty="0"/>
+            <a:pPr indent="0" lvl="0" marL="457200" rtl="0" algn="l">
+              <a:lnSpc>
+                <a:spcPct val="115000"/>
+              </a:lnSpc>
+              <a:spcBef>
+                <a:spcPts val="0"/>
+              </a:spcBef>
+              <a:spcAft>
+                <a:spcPts val="0"/>
+              </a:spcAft>
+              <a:buNone/>
+            </a:pPr>
+            <a:r>
+              <a:t/>
+            </a:r>
+            <a:endParaRPr>
+              <a:solidFill>
+                <a:srgbClr val="FFFFFF"/>
+              </a:solidFill>
+            </a:endParaRPr>
           </a:p>
           <a:p>
+            <a:pPr indent="-311150" lvl="0" marL="457200" rtl="0" algn="l">
+              <a:lnSpc>
+                <a:spcPct val="115000"/>
+              </a:lnSpc>
+              <a:spcBef>
+                <a:spcPts val="0"/>
+              </a:spcBef>
+              <a:spcAft>
+                <a:spcPts val="0"/>
+              </a:spcAft>
+              <a:buClr>
+                <a:srgbClr val="FFFFFF"/>
+              </a:buClr>
+              <a:buSzPts val="1300"/>
+              <a:buChar char="●"/>
+            </a:pPr>
             <a:r>
-              <a:rPr lang="en-US" sz="1400" dirty="0"/>
+              <a:rPr lang="en">
+                <a:solidFill>
+                  <a:srgbClr val="FFFFFF"/>
+                </a:solidFill>
+              </a:rPr>
               <a:t>Physical Fitness: </a:t>
             </a:r>
             <a:r>
-              <a:rPr lang="en-US" sz="1050" dirty="0"/>
+              <a:rPr lang="en" sz="1000">
+                <a:solidFill>
+                  <a:srgbClr val="FFFFFF"/>
+                </a:solidFill>
+              </a:rPr>
               <a:t>Early in his life Jobs is shown as not caring about his hygiene, he made changes as he matured and was seen as an orderly and clean professional by the end of his life.</a:t>
             </a:r>
+            <a:endParaRPr sz="1000">
+              <a:solidFill>
+                <a:srgbClr val="FFFFFF"/>
+              </a:solidFill>
+            </a:endParaRPr>
           </a:p>
           <a:p>
-            <a:endParaRPr lang="en-US" sz="1050" dirty="0"/>
+            <a:pPr indent="0" lvl="0" marL="457200" rtl="0" algn="l">
+              <a:lnSpc>
+                <a:spcPct val="115000"/>
+              </a:lnSpc>
+              <a:spcBef>
+                <a:spcPts val="0"/>
+              </a:spcBef>
+              <a:spcAft>
+                <a:spcPts val="0"/>
+              </a:spcAft>
+              <a:buNone/>
+            </a:pPr>
+            <a:r>
+              <a:t/>
+            </a:r>
+            <a:endParaRPr>
+              <a:solidFill>
+                <a:srgbClr val="FFFFFF"/>
+              </a:solidFill>
+            </a:endParaRPr>
           </a:p>
           <a:p>
+            <a:pPr indent="-311150" lvl="0" marL="457200" rtl="0" algn="l">
+              <a:spcBef>
+                <a:spcPts val="0"/>
+              </a:spcBef>
+              <a:spcAft>
+                <a:spcPts val="0"/>
+              </a:spcAft>
+              <a:buClr>
+                <a:srgbClr val="FFFFFF"/>
+              </a:buClr>
+              <a:buSzPts val="1300"/>
+              <a:buChar char="●"/>
+            </a:pPr>
             <a:r>
-              <a:rPr lang="en-US" sz="1500" dirty="0"/>
+              <a:rPr lang="en" sz="1400">
+                <a:solidFill>
+                  <a:srgbClr val="FFFFFF"/>
+                </a:solidFill>
+              </a:rPr>
               <a:t>Storytelling Skills: </a:t>
             </a:r>
             <a:r>
-              <a:rPr lang="en-US" sz="1050" dirty="0"/>
-              <a:t>Jobs was a skilled orator and could inspire others with his ideas </a:t>
+              <a:rPr lang="en" sz="1000">
+                <a:solidFill>
+                  <a:srgbClr val="FFFFFF"/>
+                </a:solidFill>
+              </a:rPr>
+              <a:t>Jobs was a skilled orator and could inspire others with his ideas and insight</a:t>
             </a:r>
-            <a:r>
-              <a:rPr lang="en-US" sz="1050"/>
-              <a:t>and insight. </a:t>
-            </a:r>
-            <a:endParaRPr lang="en-US" sz="1500" dirty="0"/>
+            <a:endParaRPr/>
           </a:p>
         </p:txBody>
       </p:sp>
     </p:spTree>
-    <p:extLst>
-      <p:ext uri="{BB962C8B-B14F-4D97-AF65-F5344CB8AC3E}">
-        <p14:creationId xmlns:p14="http://schemas.microsoft.com/office/powerpoint/2010/main" val="2090834100"/>
-      </p:ext>
-    </p:extLst>
   </p:cSld>
   <p:clrMapOvr>
     <a:masterClrMapping/>
@@ -9819,7 +10632,7 @@
 </file>
 
 <file path=ppt/theme/theme1.xml><?xml version="1.0" encoding="utf-8"?>
-<a:theme xmlns:a="http://schemas.openxmlformats.org/drawingml/2006/main" name="Focus">
+<a:theme xmlns:a="http://schemas.openxmlformats.org/drawingml/2006/main" xmlns:r="http://schemas.openxmlformats.org/officeDocument/2006/relationships" name="Focus">
   <a:themeElements>
     <a:clrScheme name="Focus">
       <a:dk1>
@@ -10094,13 +10907,11 @@
       </a:bgFillStyleLst>
     </a:fmtScheme>
   </a:themeElements>
-  <a:objectDefaults/>
-  <a:extraClrSchemeLst/>
 </a:theme>
 </file>
 
 <file path=ppt/theme/theme2.xml><?xml version="1.0" encoding="utf-8"?>
-<a:theme xmlns:a="http://schemas.openxmlformats.org/drawingml/2006/main">
+<a:theme xmlns:a="http://schemas.openxmlformats.org/drawingml/2006/main" xmlns:r="http://schemas.openxmlformats.org/officeDocument/2006/relationships">
   <a:themeElements>
     <a:clrScheme name="Default">
       <a:dk1>
@@ -10375,7 +11186,5 @@
       </a:bgFillStyleLst>
     </a:fmtScheme>
   </a:themeElements>
-  <a:objectDefaults/>
-  <a:extraClrSchemeLst/>
 </a:theme>
 </file>